--- a/note_source/SNN/assets/images.pptx
+++ b/note_source/SNN/assets/images.pptx
@@ -7,6 +7,7 @@
   <p:sldIdLst>
     <p:sldId id="256" r:id="rId2"/>
     <p:sldId id="260" r:id="rId3"/>
+    <p:sldId id="261" r:id="rId4"/>
   </p:sldIdLst>
   <p:sldSz cx="12192000" cy="6858000"/>
   <p:notesSz cx="6858000" cy="9144000"/>
@@ -260,7 +261,7 @@
           <a:p>
             <a:fld id="{58D928ED-75E0-4400-8B50-F80BFF0B688A}" type="datetimeFigureOut">
               <a:rPr lang="zh-CN" altLang="en-US" smtClean="0"/>
-              <a:t>2023/5/25</a:t>
+              <a:t>2023/5/26</a:t>
             </a:fld>
             <a:endParaRPr lang="zh-CN" altLang="en-US"/>
           </a:p>
@@ -458,7 +459,7 @@
           <a:p>
             <a:fld id="{58D928ED-75E0-4400-8B50-F80BFF0B688A}" type="datetimeFigureOut">
               <a:rPr lang="zh-CN" altLang="en-US" smtClean="0"/>
-              <a:t>2023/5/25</a:t>
+              <a:t>2023/5/26</a:t>
             </a:fld>
             <a:endParaRPr lang="zh-CN" altLang="en-US"/>
           </a:p>
@@ -666,7 +667,7 @@
           <a:p>
             <a:fld id="{58D928ED-75E0-4400-8B50-F80BFF0B688A}" type="datetimeFigureOut">
               <a:rPr lang="zh-CN" altLang="en-US" smtClean="0"/>
-              <a:t>2023/5/25</a:t>
+              <a:t>2023/5/26</a:t>
             </a:fld>
             <a:endParaRPr lang="zh-CN" altLang="en-US"/>
           </a:p>
@@ -864,7 +865,7 @@
           <a:p>
             <a:fld id="{58D928ED-75E0-4400-8B50-F80BFF0B688A}" type="datetimeFigureOut">
               <a:rPr lang="zh-CN" altLang="en-US" smtClean="0"/>
-              <a:t>2023/5/25</a:t>
+              <a:t>2023/5/26</a:t>
             </a:fld>
             <a:endParaRPr lang="zh-CN" altLang="en-US"/>
           </a:p>
@@ -1139,7 +1140,7 @@
           <a:p>
             <a:fld id="{58D928ED-75E0-4400-8B50-F80BFF0B688A}" type="datetimeFigureOut">
               <a:rPr lang="zh-CN" altLang="en-US" smtClean="0"/>
-              <a:t>2023/5/25</a:t>
+              <a:t>2023/5/26</a:t>
             </a:fld>
             <a:endParaRPr lang="zh-CN" altLang="en-US"/>
           </a:p>
@@ -1404,7 +1405,7 @@
           <a:p>
             <a:fld id="{58D928ED-75E0-4400-8B50-F80BFF0B688A}" type="datetimeFigureOut">
               <a:rPr lang="zh-CN" altLang="en-US" smtClean="0"/>
-              <a:t>2023/5/25</a:t>
+              <a:t>2023/5/26</a:t>
             </a:fld>
             <a:endParaRPr lang="zh-CN" altLang="en-US"/>
           </a:p>
@@ -1816,7 +1817,7 @@
           <a:p>
             <a:fld id="{58D928ED-75E0-4400-8B50-F80BFF0B688A}" type="datetimeFigureOut">
               <a:rPr lang="zh-CN" altLang="en-US" smtClean="0"/>
-              <a:t>2023/5/25</a:t>
+              <a:t>2023/5/26</a:t>
             </a:fld>
             <a:endParaRPr lang="zh-CN" altLang="en-US"/>
           </a:p>
@@ -1957,7 +1958,7 @@
           <a:p>
             <a:fld id="{58D928ED-75E0-4400-8B50-F80BFF0B688A}" type="datetimeFigureOut">
               <a:rPr lang="zh-CN" altLang="en-US" smtClean="0"/>
-              <a:t>2023/5/25</a:t>
+              <a:t>2023/5/26</a:t>
             </a:fld>
             <a:endParaRPr lang="zh-CN" altLang="en-US"/>
           </a:p>
@@ -2070,7 +2071,7 @@
           <a:p>
             <a:fld id="{58D928ED-75E0-4400-8B50-F80BFF0B688A}" type="datetimeFigureOut">
               <a:rPr lang="zh-CN" altLang="en-US" smtClean="0"/>
-              <a:t>2023/5/25</a:t>
+              <a:t>2023/5/26</a:t>
             </a:fld>
             <a:endParaRPr lang="zh-CN" altLang="en-US"/>
           </a:p>
@@ -2381,7 +2382,7 @@
           <a:p>
             <a:fld id="{58D928ED-75E0-4400-8B50-F80BFF0B688A}" type="datetimeFigureOut">
               <a:rPr lang="zh-CN" altLang="en-US" smtClean="0"/>
-              <a:t>2023/5/25</a:t>
+              <a:t>2023/5/26</a:t>
             </a:fld>
             <a:endParaRPr lang="zh-CN" altLang="en-US"/>
           </a:p>
@@ -2669,7 +2670,7 @@
           <a:p>
             <a:fld id="{58D928ED-75E0-4400-8B50-F80BFF0B688A}" type="datetimeFigureOut">
               <a:rPr lang="zh-CN" altLang="en-US" smtClean="0"/>
-              <a:t>2023/5/25</a:t>
+              <a:t>2023/5/26</a:t>
             </a:fld>
             <a:endParaRPr lang="zh-CN" altLang="en-US"/>
           </a:p>
@@ -2910,7 +2911,7 @@
           <a:p>
             <a:fld id="{58D928ED-75E0-4400-8B50-F80BFF0B688A}" type="datetimeFigureOut">
               <a:rPr lang="zh-CN" altLang="en-US" smtClean="0"/>
-              <a:t>2023/5/25</a:t>
+              <a:t>2023/5/26</a:t>
             </a:fld>
             <a:endParaRPr lang="zh-CN" altLang="en-US"/>
           </a:p>
@@ -7682,8 +7683,8 @@
             <a:chExt cx="5222038" cy="2705867"/>
           </a:xfrm>
         </p:grpSpPr>
-        <mc:AlternateContent xmlns:mc="http://schemas.openxmlformats.org/markup-compatibility/2006">
-          <mc:Choice xmlns:a14="http://schemas.microsoft.com/office/drawing/2010/main" Requires="a14">
+        <mc:AlternateContent xmlns:mc="http://schemas.openxmlformats.org/markup-compatibility/2006" xmlns:a14="http://schemas.microsoft.com/office/drawing/2010/main">
+          <mc:Choice Requires="a14">
             <p:sp>
               <p:nvSpPr>
                 <p:cNvPr id="36" name="椭圆 35">
@@ -7762,7 +7763,7 @@
               </p:txBody>
             </p:sp>
           </mc:Choice>
-          <mc:Fallback>
+          <mc:Fallback xmlns="">
             <p:sp>
               <p:nvSpPr>
                 <p:cNvPr id="36" name="椭圆 35">
@@ -7812,8 +7813,8 @@
             </p:sp>
           </mc:Fallback>
         </mc:AlternateContent>
-        <mc:AlternateContent xmlns:mc="http://schemas.openxmlformats.org/markup-compatibility/2006">
-          <mc:Choice xmlns:a14="http://schemas.microsoft.com/office/drawing/2010/main" Requires="a14">
+        <mc:AlternateContent xmlns:mc="http://schemas.openxmlformats.org/markup-compatibility/2006" xmlns:a14="http://schemas.microsoft.com/office/drawing/2010/main">
+          <mc:Choice Requires="a14">
             <p:sp>
               <p:nvSpPr>
                 <p:cNvPr id="48" name="矩形 47">
@@ -7948,7 +7949,7 @@
               </p:txBody>
             </p:sp>
           </mc:Choice>
-          <mc:Fallback>
+          <mc:Fallback xmlns="">
             <p:sp>
               <p:nvSpPr>
                 <p:cNvPr id="48" name="矩形 47">
@@ -7998,8 +7999,8 @@
             </p:sp>
           </mc:Fallback>
         </mc:AlternateContent>
-        <mc:AlternateContent xmlns:mc="http://schemas.openxmlformats.org/markup-compatibility/2006">
-          <mc:Choice xmlns:a14="http://schemas.microsoft.com/office/drawing/2010/main" Requires="a14">
+        <mc:AlternateContent xmlns:mc="http://schemas.openxmlformats.org/markup-compatibility/2006" xmlns:a14="http://schemas.microsoft.com/office/drawing/2010/main">
+          <mc:Choice Requires="a14">
             <p:sp>
               <p:nvSpPr>
                 <p:cNvPr id="72" name="椭圆 71">
@@ -8098,7 +8099,7 @@
               </p:txBody>
             </p:sp>
           </mc:Choice>
-          <mc:Fallback>
+          <mc:Fallback xmlns="">
             <p:sp>
               <p:nvSpPr>
                 <p:cNvPr id="72" name="椭圆 71">
@@ -8148,8 +8149,8 @@
             </p:sp>
           </mc:Fallback>
         </mc:AlternateContent>
-        <mc:AlternateContent xmlns:mc="http://schemas.openxmlformats.org/markup-compatibility/2006">
-          <mc:Choice xmlns:a14="http://schemas.microsoft.com/office/drawing/2010/main" Requires="a14">
+        <mc:AlternateContent xmlns:mc="http://schemas.openxmlformats.org/markup-compatibility/2006" xmlns:a14="http://schemas.microsoft.com/office/drawing/2010/main">
+          <mc:Choice Requires="a14">
             <p:sp>
               <p:nvSpPr>
                 <p:cNvPr id="73" name="矩形 72">
@@ -8284,7 +8285,7 @@
               </p:txBody>
             </p:sp>
           </mc:Choice>
-          <mc:Fallback>
+          <mc:Fallback xmlns="">
             <p:sp>
               <p:nvSpPr>
                 <p:cNvPr id="73" name="矩形 72">
@@ -8334,8 +8335,8 @@
             </p:sp>
           </mc:Fallback>
         </mc:AlternateContent>
-        <mc:AlternateContent xmlns:mc="http://schemas.openxmlformats.org/markup-compatibility/2006">
-          <mc:Choice xmlns:a14="http://schemas.microsoft.com/office/drawing/2010/main" Requires="a14">
+        <mc:AlternateContent xmlns:mc="http://schemas.openxmlformats.org/markup-compatibility/2006" xmlns:a14="http://schemas.microsoft.com/office/drawing/2010/main">
+          <mc:Choice Requires="a14">
             <p:sp>
               <p:nvSpPr>
                 <p:cNvPr id="75" name="椭圆 74">
@@ -8411,7 +8412,7 @@
               </p:txBody>
             </p:sp>
           </mc:Choice>
-          <mc:Fallback>
+          <mc:Fallback xmlns="">
             <p:sp>
               <p:nvSpPr>
                 <p:cNvPr id="75" name="椭圆 74">
@@ -8461,8 +8462,8 @@
             </p:sp>
           </mc:Fallback>
         </mc:AlternateContent>
-        <mc:AlternateContent xmlns:mc="http://schemas.openxmlformats.org/markup-compatibility/2006">
-          <mc:Choice xmlns:a14="http://schemas.microsoft.com/office/drawing/2010/main" Requires="a14">
+        <mc:AlternateContent xmlns:mc="http://schemas.openxmlformats.org/markup-compatibility/2006" xmlns:a14="http://schemas.microsoft.com/office/drawing/2010/main">
+          <mc:Choice Requires="a14">
             <p:sp>
               <p:nvSpPr>
                 <p:cNvPr id="76" name="矩形 75">
@@ -8538,7 +8539,7 @@
               </p:txBody>
             </p:sp>
           </mc:Choice>
-          <mc:Fallback>
+          <mc:Fallback xmlns="">
             <p:sp>
               <p:nvSpPr>
                 <p:cNvPr id="76" name="矩形 75">
@@ -8823,8 +8824,8 @@
           </p:style>
         </p:cxnSp>
       </p:grpSp>
-      <mc:AlternateContent xmlns:mc="http://schemas.openxmlformats.org/markup-compatibility/2006">
-        <mc:Choice xmlns:a14="http://schemas.microsoft.com/office/drawing/2010/main" Requires="a14">
+      <mc:AlternateContent xmlns:mc="http://schemas.openxmlformats.org/markup-compatibility/2006" xmlns:a14="http://schemas.microsoft.com/office/drawing/2010/main">
+        <mc:Choice Requires="a14">
           <p:sp>
             <p:nvSpPr>
               <p:cNvPr id="132" name="文本框 131">
@@ -8874,7 +8875,7 @@
             </p:txBody>
           </p:sp>
         </mc:Choice>
-        <mc:Fallback>
+        <mc:Fallback xmlns="">
           <p:sp>
             <p:nvSpPr>
               <p:cNvPr id="132" name="文本框 131">
@@ -8979,8 +8980,8 @@
                 <a:chExt cx="1835025" cy="1356051"/>
               </a:xfrm>
             </p:grpSpPr>
-            <mc:AlternateContent xmlns:mc="http://schemas.openxmlformats.org/markup-compatibility/2006">
-              <mc:Choice xmlns:a14="http://schemas.microsoft.com/office/drawing/2010/main" Requires="a14">
+            <mc:AlternateContent xmlns:mc="http://schemas.openxmlformats.org/markup-compatibility/2006" xmlns:a14="http://schemas.microsoft.com/office/drawing/2010/main">
+              <mc:Choice Requires="a14">
                 <p:sp>
                   <p:nvSpPr>
                     <p:cNvPr id="2" name="椭圆 1">
@@ -9056,7 +9057,7 @@
                   </p:txBody>
                 </p:sp>
               </mc:Choice>
-              <mc:Fallback>
+              <mc:Fallback xmlns="">
                 <p:sp>
                   <p:nvSpPr>
                     <p:cNvPr id="2" name="椭圆 1">
@@ -9106,8 +9107,8 @@
                 </p:sp>
               </mc:Fallback>
             </mc:AlternateContent>
-            <mc:AlternateContent xmlns:mc="http://schemas.openxmlformats.org/markup-compatibility/2006">
-              <mc:Choice xmlns:a14="http://schemas.microsoft.com/office/drawing/2010/main" Requires="a14">
+            <mc:AlternateContent xmlns:mc="http://schemas.openxmlformats.org/markup-compatibility/2006" xmlns:a14="http://schemas.microsoft.com/office/drawing/2010/main">
+              <mc:Choice Requires="a14">
                 <p:sp>
                   <p:nvSpPr>
                     <p:cNvPr id="3" name="矩形 2">
@@ -9217,7 +9218,7 @@
                   </p:txBody>
                 </p:sp>
               </mc:Choice>
-              <mc:Fallback>
+              <mc:Fallback xmlns="">
                 <p:sp>
                   <p:nvSpPr>
                     <p:cNvPr id="3" name="矩形 2">
@@ -9267,8 +9268,8 @@
                 </p:sp>
               </mc:Fallback>
             </mc:AlternateContent>
-            <mc:AlternateContent xmlns:mc="http://schemas.openxmlformats.org/markup-compatibility/2006">
-              <mc:Choice xmlns:a14="http://schemas.microsoft.com/office/drawing/2010/main" Requires="a14">
+            <mc:AlternateContent xmlns:mc="http://schemas.openxmlformats.org/markup-compatibility/2006" xmlns:a14="http://schemas.microsoft.com/office/drawing/2010/main">
+              <mc:Choice Requires="a14">
                 <p:sp>
                   <p:nvSpPr>
                     <p:cNvPr id="23" name="矩形 22">
@@ -9412,7 +9413,7 @@
                   </p:txBody>
                 </p:sp>
               </mc:Choice>
-              <mc:Fallback>
+              <mc:Fallback xmlns="">
                 <p:sp>
                   <p:nvSpPr>
                     <p:cNvPr id="23" name="矩形 22">
@@ -9603,8 +9604,8 @@
             </p:style>
           </p:cxnSp>
         </p:grpSp>
-        <mc:AlternateContent xmlns:mc="http://schemas.openxmlformats.org/markup-compatibility/2006">
-          <mc:Choice xmlns:a14="http://schemas.microsoft.com/office/drawing/2010/main" Requires="a14">
+        <mc:AlternateContent xmlns:mc="http://schemas.openxmlformats.org/markup-compatibility/2006" xmlns:a14="http://schemas.microsoft.com/office/drawing/2010/main">
+          <mc:Choice Requires="a14">
             <p:sp>
               <p:nvSpPr>
                 <p:cNvPr id="58" name="矩形 57">
@@ -9748,7 +9749,7 @@
               </p:txBody>
             </p:sp>
           </mc:Choice>
-          <mc:Fallback>
+          <mc:Fallback xmlns="">
             <p:sp>
               <p:nvSpPr>
                 <p:cNvPr id="58" name="矩形 57">
@@ -9798,8 +9799,8 @@
             </p:sp>
           </mc:Fallback>
         </mc:AlternateContent>
-        <mc:AlternateContent xmlns:mc="http://schemas.openxmlformats.org/markup-compatibility/2006">
-          <mc:Choice xmlns:a14="http://schemas.microsoft.com/office/drawing/2010/main" Requires="a14">
+        <mc:AlternateContent xmlns:mc="http://schemas.openxmlformats.org/markup-compatibility/2006" xmlns:a14="http://schemas.microsoft.com/office/drawing/2010/main">
+          <mc:Choice Requires="a14">
             <p:sp>
               <p:nvSpPr>
                 <p:cNvPr id="62" name="椭圆 61">
@@ -9875,7 +9876,7 @@
               </p:txBody>
             </p:sp>
           </mc:Choice>
-          <mc:Fallback>
+          <mc:Fallback xmlns="">
             <p:sp>
               <p:nvSpPr>
                 <p:cNvPr id="62" name="椭圆 61">
@@ -9925,8 +9926,8 @@
             </p:sp>
           </mc:Fallback>
         </mc:AlternateContent>
-        <mc:AlternateContent xmlns:mc="http://schemas.openxmlformats.org/markup-compatibility/2006">
-          <mc:Choice xmlns:a14="http://schemas.microsoft.com/office/drawing/2010/main" Requires="a14">
+        <mc:AlternateContent xmlns:mc="http://schemas.openxmlformats.org/markup-compatibility/2006" xmlns:a14="http://schemas.microsoft.com/office/drawing/2010/main">
+          <mc:Choice Requires="a14">
             <p:sp>
               <p:nvSpPr>
                 <p:cNvPr id="63" name="椭圆 62">
@@ -10002,7 +10003,7 @@
               </p:txBody>
             </p:sp>
           </mc:Choice>
-          <mc:Fallback>
+          <mc:Fallback xmlns="">
             <p:sp>
               <p:nvSpPr>
                 <p:cNvPr id="63" name="椭圆 62">
@@ -10052,8 +10053,8 @@
             </p:sp>
           </mc:Fallback>
         </mc:AlternateContent>
-        <mc:AlternateContent xmlns:mc="http://schemas.openxmlformats.org/markup-compatibility/2006">
-          <mc:Choice xmlns:a14="http://schemas.microsoft.com/office/drawing/2010/main" Requires="a14">
+        <mc:AlternateContent xmlns:mc="http://schemas.openxmlformats.org/markup-compatibility/2006" xmlns:a14="http://schemas.microsoft.com/office/drawing/2010/main">
+          <mc:Choice Requires="a14">
             <p:sp>
               <p:nvSpPr>
                 <p:cNvPr id="64" name="椭圆 63">
@@ -10129,7 +10130,7 @@
               </p:txBody>
             </p:sp>
           </mc:Choice>
-          <mc:Fallback>
+          <mc:Fallback xmlns="">
             <p:sp>
               <p:nvSpPr>
                 <p:cNvPr id="64" name="椭圆 63">
@@ -10272,8 +10273,8 @@
             </a:fontRef>
           </p:style>
         </p:cxnSp>
-        <mc:AlternateContent xmlns:mc="http://schemas.openxmlformats.org/markup-compatibility/2006">
-          <mc:Choice xmlns:a14="http://schemas.microsoft.com/office/drawing/2010/main" Requires="a14">
+        <mc:AlternateContent xmlns:mc="http://schemas.openxmlformats.org/markup-compatibility/2006" xmlns:a14="http://schemas.microsoft.com/office/drawing/2010/main">
+          <mc:Choice Requires="a14">
             <p:sp>
               <p:nvSpPr>
                 <p:cNvPr id="67" name="矩形 66">
@@ -10352,7 +10353,7 @@
               </p:txBody>
             </p:sp>
           </mc:Choice>
-          <mc:Fallback>
+          <mc:Fallback xmlns="">
             <p:sp>
               <p:nvSpPr>
                 <p:cNvPr id="67" name="矩形 66">
@@ -10648,8 +10649,8 @@
                 <a:chExt cx="1835025" cy="1356051"/>
               </a:xfrm>
             </p:grpSpPr>
-            <mc:AlternateContent xmlns:mc="http://schemas.openxmlformats.org/markup-compatibility/2006">
-              <mc:Choice xmlns:a14="http://schemas.microsoft.com/office/drawing/2010/main" Requires="a14">
+            <mc:AlternateContent xmlns:mc="http://schemas.openxmlformats.org/markup-compatibility/2006" xmlns:a14="http://schemas.microsoft.com/office/drawing/2010/main">
+              <mc:Choice Requires="a14">
                 <p:sp>
                   <p:nvSpPr>
                     <p:cNvPr id="116" name="椭圆 115">
@@ -10725,7 +10726,7 @@
                   </p:txBody>
                 </p:sp>
               </mc:Choice>
-              <mc:Fallback>
+              <mc:Fallback xmlns="">
                 <p:sp>
                   <p:nvSpPr>
                     <p:cNvPr id="116" name="椭圆 115">
@@ -10775,8 +10776,8 @@
                 </p:sp>
               </mc:Fallback>
             </mc:AlternateContent>
-            <mc:AlternateContent xmlns:mc="http://schemas.openxmlformats.org/markup-compatibility/2006">
-              <mc:Choice xmlns:a14="http://schemas.microsoft.com/office/drawing/2010/main" Requires="a14">
+            <mc:AlternateContent xmlns:mc="http://schemas.openxmlformats.org/markup-compatibility/2006" xmlns:a14="http://schemas.microsoft.com/office/drawing/2010/main">
+              <mc:Choice Requires="a14">
                 <p:sp>
                   <p:nvSpPr>
                     <p:cNvPr id="119" name="矩形 118">
@@ -10861,16 +10862,7 @@
                                     </a:solidFill>
                                     <a:latin typeface="Cambria Math" panose="02040503050406030204" pitchFamily="18" charset="0"/>
                                   </a:rPr>
-                                  <m:t>𝑖</m:t>
-                                </m:r>
-                                <m:r>
-                                  <a:rPr lang="en-US" altLang="zh-CN" b="0" i="1" smtClean="0">
-                                    <a:solidFill>
-                                      <a:sysClr val="windowText" lastClr="000000"/>
-                                    </a:solidFill>
-                                    <a:latin typeface="Cambria Math" panose="02040503050406030204" pitchFamily="18" charset="0"/>
-                                  </a:rPr>
-                                  <m:t>𝑛</m:t>
+                                  <m:t>𝑖𝑛</m:t>
                                 </m:r>
                               </m:sub>
                             </m:sSub>
@@ -10886,7 +10878,7 @@
                   </p:txBody>
                 </p:sp>
               </mc:Choice>
-              <mc:Fallback>
+              <mc:Fallback xmlns="">
                 <p:sp>
                   <p:nvSpPr>
                     <p:cNvPr id="119" name="矩形 118">
@@ -10936,8 +10928,8 @@
                 </p:sp>
               </mc:Fallback>
             </mc:AlternateContent>
-            <mc:AlternateContent xmlns:mc="http://schemas.openxmlformats.org/markup-compatibility/2006">
-              <mc:Choice xmlns:a14="http://schemas.microsoft.com/office/drawing/2010/main" Requires="a14">
+            <mc:AlternateContent xmlns:mc="http://schemas.openxmlformats.org/markup-compatibility/2006" xmlns:a14="http://schemas.microsoft.com/office/drawing/2010/main">
+              <mc:Choice Requires="a14">
                 <p:sp>
                   <p:nvSpPr>
                     <p:cNvPr id="121" name="矩形 120">
@@ -11081,7 +11073,7 @@
                   </p:txBody>
                 </p:sp>
               </mc:Choice>
-              <mc:Fallback>
+              <mc:Fallback xmlns="">
                 <p:sp>
                   <p:nvSpPr>
                     <p:cNvPr id="121" name="矩形 120">
@@ -11272,8 +11264,8 @@
             </p:style>
           </p:cxnSp>
         </p:grpSp>
-        <mc:AlternateContent xmlns:mc="http://schemas.openxmlformats.org/markup-compatibility/2006">
-          <mc:Choice xmlns:a14="http://schemas.microsoft.com/office/drawing/2010/main" Requires="a14">
+        <mc:AlternateContent xmlns:mc="http://schemas.openxmlformats.org/markup-compatibility/2006" xmlns:a14="http://schemas.microsoft.com/office/drawing/2010/main">
+          <mc:Choice Requires="a14">
             <p:sp>
               <p:nvSpPr>
                 <p:cNvPr id="80" name="矩形 79">
@@ -11408,7 +11400,7 @@
               </p:txBody>
             </p:sp>
           </mc:Choice>
-          <mc:Fallback>
+          <mc:Fallback xmlns="">
             <p:sp>
               <p:nvSpPr>
                 <p:cNvPr id="80" name="矩形 79">
@@ -11458,8 +11450,8 @@
             </p:sp>
           </mc:Fallback>
         </mc:AlternateContent>
-        <mc:AlternateContent xmlns:mc="http://schemas.openxmlformats.org/markup-compatibility/2006">
-          <mc:Choice xmlns:a14="http://schemas.microsoft.com/office/drawing/2010/main" Requires="a14">
+        <mc:AlternateContent xmlns:mc="http://schemas.openxmlformats.org/markup-compatibility/2006" xmlns:a14="http://schemas.microsoft.com/office/drawing/2010/main">
+          <mc:Choice Requires="a14">
             <p:sp>
               <p:nvSpPr>
                 <p:cNvPr id="81" name="椭圆 80">
@@ -11535,7 +11527,7 @@
               </p:txBody>
             </p:sp>
           </mc:Choice>
-          <mc:Fallback>
+          <mc:Fallback xmlns="">
             <p:sp>
               <p:nvSpPr>
                 <p:cNvPr id="81" name="椭圆 80">
@@ -11585,8 +11577,8 @@
             </p:sp>
           </mc:Fallback>
         </mc:AlternateContent>
-        <mc:AlternateContent xmlns:mc="http://schemas.openxmlformats.org/markup-compatibility/2006">
-          <mc:Choice xmlns:a14="http://schemas.microsoft.com/office/drawing/2010/main" Requires="a14">
+        <mc:AlternateContent xmlns:mc="http://schemas.openxmlformats.org/markup-compatibility/2006" xmlns:a14="http://schemas.microsoft.com/office/drawing/2010/main">
+          <mc:Choice Requires="a14">
             <p:sp>
               <p:nvSpPr>
                 <p:cNvPr id="82" name="椭圆 81">
@@ -11662,7 +11654,7 @@
               </p:txBody>
             </p:sp>
           </mc:Choice>
-          <mc:Fallback>
+          <mc:Fallback xmlns="">
             <p:sp>
               <p:nvSpPr>
                 <p:cNvPr id="82" name="椭圆 81">
@@ -11712,8 +11704,8 @@
             </p:sp>
           </mc:Fallback>
         </mc:AlternateContent>
-        <mc:AlternateContent xmlns:mc="http://schemas.openxmlformats.org/markup-compatibility/2006">
-          <mc:Choice xmlns:a14="http://schemas.microsoft.com/office/drawing/2010/main" Requires="a14">
+        <mc:AlternateContent xmlns:mc="http://schemas.openxmlformats.org/markup-compatibility/2006" xmlns:a14="http://schemas.microsoft.com/office/drawing/2010/main">
+          <mc:Choice Requires="a14">
             <p:sp>
               <p:nvSpPr>
                 <p:cNvPr id="83" name="椭圆 82">
@@ -11789,7 +11781,7 @@
               </p:txBody>
             </p:sp>
           </mc:Choice>
-          <mc:Fallback>
+          <mc:Fallback xmlns="">
             <p:sp>
               <p:nvSpPr>
                 <p:cNvPr id="83" name="椭圆 82">
@@ -11932,8 +11924,8 @@
             </a:fontRef>
           </p:style>
         </p:cxnSp>
-        <mc:AlternateContent xmlns:mc="http://schemas.openxmlformats.org/markup-compatibility/2006">
-          <mc:Choice xmlns:a14="http://schemas.microsoft.com/office/drawing/2010/main" Requires="a14">
+        <mc:AlternateContent xmlns:mc="http://schemas.openxmlformats.org/markup-compatibility/2006" xmlns:a14="http://schemas.microsoft.com/office/drawing/2010/main">
+          <mc:Choice Requires="a14">
             <p:sp>
               <p:nvSpPr>
                 <p:cNvPr id="102" name="矩形 101">
@@ -12012,7 +12004,7 @@
               </p:txBody>
             </p:sp>
           </mc:Choice>
-          <mc:Fallback>
+          <mc:Fallback xmlns="">
             <p:sp>
               <p:nvSpPr>
                 <p:cNvPr id="102" name="矩形 101">
@@ -12586,6 +12578,4878 @@
 </p:sld>
 </file>
 
+<file path=ppt/slides/slide3.xml><?xml version="1.0" encoding="utf-8"?>
+<p:sld xmlns:a="http://schemas.openxmlformats.org/drawingml/2006/main" xmlns:r="http://schemas.openxmlformats.org/officeDocument/2006/relationships" xmlns:p="http://schemas.openxmlformats.org/presentationml/2006/main">
+  <p:cSld>
+    <p:spTree>
+      <p:nvGrpSpPr>
+        <p:cNvPr id="1" name=""/>
+        <p:cNvGrpSpPr/>
+        <p:nvPr/>
+      </p:nvGrpSpPr>
+      <p:grpSpPr>
+        <a:xfrm>
+          <a:off x="0" y="0"/>
+          <a:ext cx="0" cy="0"/>
+          <a:chOff x="0" y="0"/>
+          <a:chExt cx="0" cy="0"/>
+        </a:xfrm>
+      </p:grpSpPr>
+      <p:grpSp>
+        <p:nvGrpSpPr>
+          <p:cNvPr id="26" name="组合 25">
+            <a:extLst>
+              <a:ext uri="{FF2B5EF4-FFF2-40B4-BE49-F238E27FC236}">
+                <a16:creationId xmlns:a16="http://schemas.microsoft.com/office/drawing/2014/main" id="{52713F1C-F99D-4B79-B31E-F3FA9817E8FF}"/>
+              </a:ext>
+            </a:extLst>
+          </p:cNvPr>
+          <p:cNvGrpSpPr/>
+          <p:nvPr/>
+        </p:nvGrpSpPr>
+        <p:grpSpPr>
+          <a:xfrm>
+            <a:off x="1681840" y="288472"/>
+            <a:ext cx="8828319" cy="6281055"/>
+            <a:chOff x="2088497" y="853751"/>
+            <a:chExt cx="8828319" cy="6281055"/>
+          </a:xfrm>
+        </p:grpSpPr>
+        <mc:AlternateContent xmlns:mc="http://schemas.openxmlformats.org/markup-compatibility/2006">
+          <mc:Choice xmlns:a14="http://schemas.microsoft.com/office/drawing/2010/main" Requires="a14">
+            <p:sp>
+              <p:nvSpPr>
+                <p:cNvPr id="36" name="椭圆 35">
+                  <a:extLst>
+                    <a:ext uri="{FF2B5EF4-FFF2-40B4-BE49-F238E27FC236}">
+                      <a16:creationId xmlns:a16="http://schemas.microsoft.com/office/drawing/2014/main" id="{CF2D0129-368B-40D5-8EF0-635A800A7BF0}"/>
+                    </a:ext>
+                  </a:extLst>
+                </p:cNvPr>
+                <p:cNvSpPr/>
+                <p:nvPr/>
+              </p:nvSpPr>
+              <p:spPr>
+                <a:xfrm>
+                  <a:off x="5503505" y="3295264"/>
+                  <a:ext cx="541176" cy="541176"/>
+                </a:xfrm>
+                <a:prstGeom prst="ellipse">
+                  <a:avLst/>
+                </a:prstGeom>
+                <a:noFill/>
+                <a:ln w="19050">
+                  <a:solidFill>
+                    <a:schemeClr val="tx1"/>
+                  </a:solidFill>
+                </a:ln>
+              </p:spPr>
+              <p:style>
+                <a:lnRef idx="2">
+                  <a:schemeClr val="accent1">
+                    <a:shade val="50000"/>
+                  </a:schemeClr>
+                </a:lnRef>
+                <a:fillRef idx="1">
+                  <a:schemeClr val="accent1"/>
+                </a:fillRef>
+                <a:effectRef idx="0">
+                  <a:schemeClr val="accent1"/>
+                </a:effectRef>
+                <a:fontRef idx="minor">
+                  <a:schemeClr val="lt1"/>
+                </a:fontRef>
+              </p:style>
+              <p:txBody>
+                <a:bodyPr rtlCol="0" anchor="ctr"/>
+                <a:lstStyle/>
+                <a:p>
+                  <a:pPr algn="ctr"/>
+                  <a14:m>
+                    <m:oMathPara xmlns:m="http://schemas.openxmlformats.org/officeDocument/2006/math">
+                      <m:oMathParaPr>
+                        <m:jc m:val="centerGroup"/>
+                      </m:oMathParaPr>
+                      <m:oMath xmlns:m="http://schemas.openxmlformats.org/officeDocument/2006/math">
+                        <m:r>
+                          <m:rPr>
+                            <m:sty m:val="p"/>
+                          </m:rPr>
+                          <a:rPr lang="en-US" altLang="zh-CN" i="1" smtClean="0">
+                            <a:solidFill>
+                              <a:sysClr val="windowText" lastClr="000000"/>
+                            </a:solidFill>
+                            <a:latin typeface="Cambria Math" panose="02040503050406030204" pitchFamily="18" charset="0"/>
+                          </a:rPr>
+                          <m:t>Σ</m:t>
+                        </m:r>
+                      </m:oMath>
+                    </m:oMathPara>
+                  </a14:m>
+                  <a:endParaRPr lang="zh-CN" altLang="en-US" dirty="0">
+                    <a:solidFill>
+                      <a:sysClr val="windowText" lastClr="000000"/>
+                    </a:solidFill>
+                  </a:endParaRPr>
+                </a:p>
+              </p:txBody>
+            </p:sp>
+          </mc:Choice>
+          <mc:Fallback>
+            <p:sp>
+              <p:nvSpPr>
+                <p:cNvPr id="36" name="椭圆 35">
+                  <a:extLst>
+                    <a:ext uri="{FF2B5EF4-FFF2-40B4-BE49-F238E27FC236}">
+                      <a16:creationId xmlns:a16="http://schemas.microsoft.com/office/drawing/2014/main" id="{CF2D0129-368B-40D5-8EF0-635A800A7BF0}"/>
+                    </a:ext>
+                  </a:extLst>
+                </p:cNvPr>
+                <p:cNvSpPr>
+                  <a:spLocks noRot="1" noChangeAspect="1" noMove="1" noResize="1" noEditPoints="1" noAdjustHandles="1" noChangeArrowheads="1" noChangeShapeType="1" noTextEdit="1"/>
+                </p:cNvSpPr>
+                <p:nvPr/>
+              </p:nvSpPr>
+              <p:spPr>
+                <a:xfrm>
+                  <a:off x="5503505" y="3295264"/>
+                  <a:ext cx="541176" cy="541176"/>
+                </a:xfrm>
+                <a:prstGeom prst="ellipse">
+                  <a:avLst/>
+                </a:prstGeom>
+                <a:blipFill>
+                  <a:blip r:embed="rId2"/>
+                  <a:stretch>
+                    <a:fillRect/>
+                  </a:stretch>
+                </a:blipFill>
+                <a:ln w="19050">
+                  <a:solidFill>
+                    <a:schemeClr val="tx1"/>
+                  </a:solidFill>
+                </a:ln>
+              </p:spPr>
+              <p:txBody>
+                <a:bodyPr/>
+                <a:lstStyle/>
+                <a:p>
+                  <a:r>
+                    <a:rPr lang="zh-CN" altLang="en-US">
+                      <a:noFill/>
+                    </a:rPr>
+                    <a:t> </a:t>
+                  </a:r>
+                </a:p>
+              </p:txBody>
+            </p:sp>
+          </mc:Fallback>
+        </mc:AlternateContent>
+        <p:cxnSp>
+          <p:nvCxnSpPr>
+            <p:cNvPr id="39" name="直接箭头连接符 38">
+              <a:extLst>
+                <a:ext uri="{FF2B5EF4-FFF2-40B4-BE49-F238E27FC236}">
+                  <a16:creationId xmlns:a16="http://schemas.microsoft.com/office/drawing/2014/main" id="{2216CA31-852B-4C4A-948B-BB29FB2EB51D}"/>
+                </a:ext>
+              </a:extLst>
+            </p:cNvPr>
+            <p:cNvCxnSpPr>
+              <a:cxnSpLocks/>
+              <a:stCxn id="87" idx="6"/>
+              <a:endCxn id="36" idx="2"/>
+            </p:cNvCxnSpPr>
+            <p:nvPr/>
+          </p:nvCxnSpPr>
+          <p:spPr>
+            <a:xfrm flipV="1">
+              <a:off x="4337175" y="3565852"/>
+              <a:ext cx="1166330" cy="1605"/>
+            </a:xfrm>
+            <a:prstGeom prst="straightConnector1">
+              <a:avLst/>
+            </a:prstGeom>
+            <a:ln w="19050">
+              <a:solidFill>
+                <a:schemeClr val="tx1"/>
+              </a:solidFill>
+              <a:headEnd type="none" w="med" len="med"/>
+              <a:tailEnd type="arrow" w="med" len="med"/>
+            </a:ln>
+          </p:spPr>
+          <p:style>
+            <a:lnRef idx="1">
+              <a:schemeClr val="accent1"/>
+            </a:lnRef>
+            <a:fillRef idx="0">
+              <a:schemeClr val="accent1"/>
+            </a:fillRef>
+            <a:effectRef idx="0">
+              <a:schemeClr val="accent1"/>
+            </a:effectRef>
+            <a:fontRef idx="minor">
+              <a:schemeClr val="tx1"/>
+            </a:fontRef>
+          </p:style>
+        </p:cxnSp>
+        <p:cxnSp>
+          <p:nvCxnSpPr>
+            <p:cNvPr id="41" name="连接符: 肘形 40">
+              <a:extLst>
+                <a:ext uri="{FF2B5EF4-FFF2-40B4-BE49-F238E27FC236}">
+                  <a16:creationId xmlns:a16="http://schemas.microsoft.com/office/drawing/2014/main" id="{D13C02D5-D753-42F8-B2E6-5106BCD0C80E}"/>
+                </a:ext>
+              </a:extLst>
+            </p:cNvPr>
+            <p:cNvCxnSpPr>
+              <a:cxnSpLocks/>
+              <a:stCxn id="95" idx="6"/>
+              <a:endCxn id="36" idx="3"/>
+            </p:cNvCxnSpPr>
+            <p:nvPr/>
+          </p:nvCxnSpPr>
+          <p:spPr>
+            <a:xfrm flipV="1">
+              <a:off x="4337174" y="3757187"/>
+              <a:ext cx="1245584" cy="1973354"/>
+            </a:xfrm>
+            <a:prstGeom prst="bentConnector2">
+              <a:avLst/>
+            </a:prstGeom>
+            <a:ln w="19050">
+              <a:solidFill>
+                <a:schemeClr val="tx1"/>
+              </a:solidFill>
+              <a:headEnd type="none" w="med" len="med"/>
+              <a:tailEnd type="arrow" w="med" len="med"/>
+            </a:ln>
+          </p:spPr>
+          <p:style>
+            <a:lnRef idx="1">
+              <a:schemeClr val="accent1"/>
+            </a:lnRef>
+            <a:fillRef idx="0">
+              <a:schemeClr val="accent1"/>
+            </a:fillRef>
+            <a:effectRef idx="0">
+              <a:schemeClr val="accent1"/>
+            </a:effectRef>
+            <a:fontRef idx="minor">
+              <a:schemeClr val="tx1"/>
+            </a:fontRef>
+          </p:style>
+        </p:cxnSp>
+        <p:cxnSp>
+          <p:nvCxnSpPr>
+            <p:cNvPr id="45" name="连接符: 肘形 44">
+              <a:extLst>
+                <a:ext uri="{FF2B5EF4-FFF2-40B4-BE49-F238E27FC236}">
+                  <a16:creationId xmlns:a16="http://schemas.microsoft.com/office/drawing/2014/main" id="{B70E18E8-E69A-4CE6-A02A-F32506C32B4D}"/>
+                </a:ext>
+              </a:extLst>
+            </p:cNvPr>
+            <p:cNvCxnSpPr>
+              <a:stCxn id="2" idx="6"/>
+              <a:endCxn id="36" idx="1"/>
+            </p:cNvCxnSpPr>
+            <p:nvPr/>
+          </p:nvCxnSpPr>
+          <p:spPr>
+            <a:xfrm>
+              <a:off x="4337180" y="1939214"/>
+              <a:ext cx="1245578" cy="1435303"/>
+            </a:xfrm>
+            <a:prstGeom prst="bentConnector2">
+              <a:avLst/>
+            </a:prstGeom>
+            <a:ln w="19050">
+              <a:solidFill>
+                <a:schemeClr val="tx1"/>
+              </a:solidFill>
+              <a:headEnd type="none" w="med" len="med"/>
+              <a:tailEnd type="arrow" w="med" len="med"/>
+            </a:ln>
+          </p:spPr>
+          <p:style>
+            <a:lnRef idx="1">
+              <a:schemeClr val="accent1"/>
+            </a:lnRef>
+            <a:fillRef idx="0">
+              <a:schemeClr val="accent1"/>
+            </a:fillRef>
+            <a:effectRef idx="0">
+              <a:schemeClr val="accent1"/>
+            </a:effectRef>
+            <a:fontRef idx="minor">
+              <a:schemeClr val="tx1"/>
+            </a:fontRef>
+          </p:style>
+        </p:cxnSp>
+        <mc:AlternateContent xmlns:mc="http://schemas.openxmlformats.org/markup-compatibility/2006">
+          <mc:Choice xmlns:a14="http://schemas.microsoft.com/office/drawing/2010/main" Requires="a14">
+            <p:sp>
+              <p:nvSpPr>
+                <p:cNvPr id="48" name="矩形 47">
+                  <a:extLst>
+                    <a:ext uri="{FF2B5EF4-FFF2-40B4-BE49-F238E27FC236}">
+                      <a16:creationId xmlns:a16="http://schemas.microsoft.com/office/drawing/2014/main" id="{6D715172-79F7-445B-9FE8-68038509BC41}"/>
+                    </a:ext>
+                  </a:extLst>
+                </p:cNvPr>
+                <p:cNvSpPr/>
+                <p:nvPr/>
+              </p:nvSpPr>
+              <p:spPr>
+                <a:xfrm>
+                  <a:off x="7534469" y="3295265"/>
+                  <a:ext cx="702906" cy="541175"/>
+                </a:xfrm>
+                <a:prstGeom prst="rect">
+                  <a:avLst/>
+                </a:prstGeom>
+                <a:noFill/>
+                <a:ln w="19050">
+                  <a:solidFill>
+                    <a:schemeClr val="tx1"/>
+                  </a:solidFill>
+                </a:ln>
+              </p:spPr>
+              <p:style>
+                <a:lnRef idx="2">
+                  <a:schemeClr val="accent1">
+                    <a:shade val="50000"/>
+                  </a:schemeClr>
+                </a:lnRef>
+                <a:fillRef idx="1">
+                  <a:schemeClr val="accent1"/>
+                </a:fillRef>
+                <a:effectRef idx="0">
+                  <a:schemeClr val="accent1"/>
+                </a:effectRef>
+                <a:fontRef idx="minor">
+                  <a:schemeClr val="lt1"/>
+                </a:fontRef>
+              </p:style>
+              <p:txBody>
+                <a:bodyPr rtlCol="0" anchor="ctr"/>
+                <a:lstStyle/>
+                <a:p>
+                  <a:pPr algn="ctr"/>
+                  <a14:m>
+                    <m:oMathPara xmlns:m="http://schemas.openxmlformats.org/officeDocument/2006/math">
+                      <m:oMathParaPr>
+                        <m:jc m:val="centerGroup"/>
+                      </m:oMathParaPr>
+                      <m:oMath xmlns:m="http://schemas.openxmlformats.org/officeDocument/2006/math">
+                        <m:sSubSup>
+                          <m:sSubSupPr>
+                            <m:ctrlPr>
+                              <a:rPr lang="en-US" altLang="zh-CN" i="1" smtClean="0">
+                                <a:solidFill>
+                                  <a:sysClr val="windowText" lastClr="000000"/>
+                                </a:solidFill>
+                                <a:latin typeface="Cambria Math" panose="02040503050406030204" pitchFamily="18" charset="0"/>
+                              </a:rPr>
+                            </m:ctrlPr>
+                          </m:sSubSupPr>
+                          <m:e>
+                            <m:r>
+                              <a:rPr lang="en-US" altLang="zh-CN" b="0" i="1" smtClean="0">
+                                <a:solidFill>
+                                  <a:sysClr val="windowText" lastClr="000000"/>
+                                </a:solidFill>
+                                <a:latin typeface="Cambria Math" panose="02040503050406030204" pitchFamily="18" charset="0"/>
+                              </a:rPr>
+                              <m:t>𝑈</m:t>
+                            </m:r>
+                          </m:e>
+                          <m:sub>
+                            <m:r>
+                              <a:rPr lang="en-US" altLang="zh-CN" b="0" i="1" smtClean="0">
+                                <a:solidFill>
+                                  <a:sysClr val="windowText" lastClr="000000"/>
+                                </a:solidFill>
+                                <a:latin typeface="Cambria Math" panose="02040503050406030204" pitchFamily="18" charset="0"/>
+                              </a:rPr>
+                              <m:t>𝑖</m:t>
+                            </m:r>
+                          </m:sub>
+                          <m:sup>
+                            <m:r>
+                              <a:rPr lang="en-US" altLang="zh-CN" b="0" i="1" smtClean="0">
+                                <a:solidFill>
+                                  <a:sysClr val="windowText" lastClr="000000"/>
+                                </a:solidFill>
+                                <a:latin typeface="Cambria Math" panose="02040503050406030204" pitchFamily="18" charset="0"/>
+                              </a:rPr>
+                              <m:t>𝑙</m:t>
+                            </m:r>
+                          </m:sup>
+                        </m:sSubSup>
+                        <m:d>
+                          <m:dPr>
+                            <m:ctrlPr>
+                              <a:rPr lang="en-US" altLang="zh-CN" b="0" i="1" smtClean="0">
+                                <a:solidFill>
+                                  <a:sysClr val="windowText" lastClr="000000"/>
+                                </a:solidFill>
+                                <a:latin typeface="Cambria Math" panose="02040503050406030204" pitchFamily="18" charset="0"/>
+                              </a:rPr>
+                            </m:ctrlPr>
+                          </m:dPr>
+                          <m:e>
+                            <m:r>
+                              <a:rPr lang="en-US" altLang="zh-CN" b="0" i="1" smtClean="0">
+                                <a:solidFill>
+                                  <a:sysClr val="windowText" lastClr="000000"/>
+                                </a:solidFill>
+                                <a:latin typeface="Cambria Math" panose="02040503050406030204" pitchFamily="18" charset="0"/>
+                              </a:rPr>
+                              <m:t>𝑡</m:t>
+                            </m:r>
+                          </m:e>
+                        </m:d>
+                      </m:oMath>
+                    </m:oMathPara>
+                  </a14:m>
+                  <a:endParaRPr lang="zh-CN" altLang="en-US" dirty="0">
+                    <a:solidFill>
+                      <a:sysClr val="windowText" lastClr="000000"/>
+                    </a:solidFill>
+                  </a:endParaRPr>
+                </a:p>
+              </p:txBody>
+            </p:sp>
+          </mc:Choice>
+          <mc:Fallback>
+            <p:sp>
+              <p:nvSpPr>
+                <p:cNvPr id="48" name="矩形 47">
+                  <a:extLst>
+                    <a:ext uri="{FF2B5EF4-FFF2-40B4-BE49-F238E27FC236}">
+                      <a16:creationId xmlns:a16="http://schemas.microsoft.com/office/drawing/2014/main" id="{6D715172-79F7-445B-9FE8-68038509BC41}"/>
+                    </a:ext>
+                  </a:extLst>
+                </p:cNvPr>
+                <p:cNvSpPr>
+                  <a:spLocks noRot="1" noChangeAspect="1" noMove="1" noResize="1" noEditPoints="1" noAdjustHandles="1" noChangeArrowheads="1" noChangeShapeType="1" noTextEdit="1"/>
+                </p:cNvSpPr>
+                <p:nvPr/>
+              </p:nvSpPr>
+              <p:spPr>
+                <a:xfrm>
+                  <a:off x="7534469" y="3295265"/>
+                  <a:ext cx="702906" cy="541175"/>
+                </a:xfrm>
+                <a:prstGeom prst="rect">
+                  <a:avLst/>
+                </a:prstGeom>
+                <a:blipFill>
+                  <a:blip r:embed="rId3"/>
+                  <a:stretch>
+                    <a:fillRect l="-2521"/>
+                  </a:stretch>
+                </a:blipFill>
+                <a:ln w="19050">
+                  <a:solidFill>
+                    <a:schemeClr val="tx1"/>
+                  </a:solidFill>
+                </a:ln>
+              </p:spPr>
+              <p:txBody>
+                <a:bodyPr/>
+                <a:lstStyle/>
+                <a:p>
+                  <a:r>
+                    <a:rPr lang="zh-CN" altLang="en-US">
+                      <a:noFill/>
+                    </a:rPr>
+                    <a:t> </a:t>
+                  </a:r>
+                </a:p>
+              </p:txBody>
+            </p:sp>
+          </mc:Fallback>
+        </mc:AlternateContent>
+        <p:grpSp>
+          <p:nvGrpSpPr>
+            <p:cNvPr id="52" name="组合 51">
+              <a:extLst>
+                <a:ext uri="{FF2B5EF4-FFF2-40B4-BE49-F238E27FC236}">
+                  <a16:creationId xmlns:a16="http://schemas.microsoft.com/office/drawing/2014/main" id="{C8DE32BC-D748-45D4-A853-CB6A2B71BB21}"/>
+                </a:ext>
+              </a:extLst>
+            </p:cNvPr>
+            <p:cNvGrpSpPr/>
+            <p:nvPr/>
+          </p:nvGrpSpPr>
+          <p:grpSpPr>
+            <a:xfrm>
+              <a:off x="2088503" y="853751"/>
+              <a:ext cx="2248677" cy="1356051"/>
+              <a:chOff x="836646" y="404324"/>
+              <a:chExt cx="2248677" cy="1356051"/>
+            </a:xfrm>
+          </p:grpSpPr>
+          <p:grpSp>
+            <p:nvGrpSpPr>
+              <p:cNvPr id="14" name="组合 13">
+                <a:extLst>
+                  <a:ext uri="{FF2B5EF4-FFF2-40B4-BE49-F238E27FC236}">
+                    <a16:creationId xmlns:a16="http://schemas.microsoft.com/office/drawing/2014/main" id="{11E22586-3277-4357-A2AF-594DE1382AAD}"/>
+                  </a:ext>
+                </a:extLst>
+              </p:cNvPr>
+              <p:cNvGrpSpPr/>
+              <p:nvPr/>
+            </p:nvGrpSpPr>
+            <p:grpSpPr>
+              <a:xfrm>
+                <a:off x="1250298" y="404324"/>
+                <a:ext cx="1835025" cy="1356051"/>
+                <a:chOff x="1250298" y="404324"/>
+                <a:chExt cx="1835025" cy="1356051"/>
+              </a:xfrm>
+            </p:grpSpPr>
+            <mc:AlternateContent xmlns:mc="http://schemas.openxmlformats.org/markup-compatibility/2006">
+              <mc:Choice xmlns:a14="http://schemas.microsoft.com/office/drawing/2010/main" Requires="a14">
+                <p:sp>
+                  <p:nvSpPr>
+                    <p:cNvPr id="2" name="椭圆 1">
+                      <a:extLst>
+                        <a:ext uri="{FF2B5EF4-FFF2-40B4-BE49-F238E27FC236}">
+                          <a16:creationId xmlns:a16="http://schemas.microsoft.com/office/drawing/2014/main" id="{6265AF20-2FDB-450F-9CBB-4C922A08D118}"/>
+                        </a:ext>
+                      </a:extLst>
+                    </p:cNvPr>
+                    <p:cNvSpPr/>
+                    <p:nvPr/>
+                  </p:nvSpPr>
+                  <p:spPr>
+                    <a:xfrm>
+                      <a:off x="2544147" y="1219199"/>
+                      <a:ext cx="541176" cy="541176"/>
+                    </a:xfrm>
+                    <a:prstGeom prst="ellipse">
+                      <a:avLst/>
+                    </a:prstGeom>
+                    <a:noFill/>
+                    <a:ln w="19050">
+                      <a:solidFill>
+                        <a:schemeClr val="tx1"/>
+                      </a:solidFill>
+                    </a:ln>
+                  </p:spPr>
+                  <p:style>
+                    <a:lnRef idx="2">
+                      <a:schemeClr val="accent1">
+                        <a:shade val="50000"/>
+                      </a:schemeClr>
+                    </a:lnRef>
+                    <a:fillRef idx="1">
+                      <a:schemeClr val="accent1"/>
+                    </a:fillRef>
+                    <a:effectRef idx="0">
+                      <a:schemeClr val="accent1"/>
+                    </a:effectRef>
+                    <a:fontRef idx="minor">
+                      <a:schemeClr val="lt1"/>
+                    </a:fontRef>
+                  </p:style>
+                  <p:txBody>
+                    <a:bodyPr rtlCol="0" anchor="ctr"/>
+                    <a:lstStyle/>
+                    <a:p>
+                      <a:pPr algn="ctr"/>
+                      <a14:m>
+                        <m:oMathPara xmlns:m="http://schemas.openxmlformats.org/officeDocument/2006/math">
+                          <m:oMathParaPr>
+                            <m:jc m:val="centerGroup"/>
+                          </m:oMathParaPr>
+                          <m:oMath xmlns:m="http://schemas.openxmlformats.org/officeDocument/2006/math">
+                            <m:r>
+                              <a:rPr lang="en-US" altLang="zh-CN" i="1" smtClean="0">
+                                <a:solidFill>
+                                  <a:sysClr val="windowText" lastClr="000000"/>
+                                </a:solidFill>
+                                <a:latin typeface="Cambria Math" panose="02040503050406030204" pitchFamily="18" charset="0"/>
+                              </a:rPr>
+                              <m:t>×</m:t>
+                            </m:r>
+                          </m:oMath>
+                        </m:oMathPara>
+                      </a14:m>
+                      <a:endParaRPr lang="zh-CN" altLang="en-US" dirty="0">
+                        <a:solidFill>
+                          <a:sysClr val="windowText" lastClr="000000"/>
+                        </a:solidFill>
+                      </a:endParaRPr>
+                    </a:p>
+                  </p:txBody>
+                </p:sp>
+              </mc:Choice>
+              <mc:Fallback>
+                <p:sp>
+                  <p:nvSpPr>
+                    <p:cNvPr id="2" name="椭圆 1">
+                      <a:extLst>
+                        <a:ext uri="{FF2B5EF4-FFF2-40B4-BE49-F238E27FC236}">
+                          <a16:creationId xmlns:a16="http://schemas.microsoft.com/office/drawing/2014/main" id="{6265AF20-2FDB-450F-9CBB-4C922A08D118}"/>
+                        </a:ext>
+                      </a:extLst>
+                    </p:cNvPr>
+                    <p:cNvSpPr>
+                      <a:spLocks noRot="1" noChangeAspect="1" noMove="1" noResize="1" noEditPoints="1" noAdjustHandles="1" noChangeArrowheads="1" noChangeShapeType="1" noTextEdit="1"/>
+                    </p:cNvSpPr>
+                    <p:nvPr/>
+                  </p:nvSpPr>
+                  <p:spPr>
+                    <a:xfrm>
+                      <a:off x="2544147" y="1219199"/>
+                      <a:ext cx="541176" cy="541176"/>
+                    </a:xfrm>
+                    <a:prstGeom prst="ellipse">
+                      <a:avLst/>
+                    </a:prstGeom>
+                    <a:blipFill>
+                      <a:blip r:embed="rId4"/>
+                      <a:stretch>
+                        <a:fillRect/>
+                      </a:stretch>
+                    </a:blipFill>
+                    <a:ln w="19050">
+                      <a:solidFill>
+                        <a:schemeClr val="tx1"/>
+                      </a:solidFill>
+                    </a:ln>
+                  </p:spPr>
+                  <p:txBody>
+                    <a:bodyPr/>
+                    <a:lstStyle/>
+                    <a:p>
+                      <a:r>
+                        <a:rPr lang="zh-CN" altLang="en-US">
+                          <a:noFill/>
+                        </a:rPr>
+                        <a:t> </a:t>
+                      </a:r>
+                    </a:p>
+                  </p:txBody>
+                </p:sp>
+              </mc:Fallback>
+            </mc:AlternateContent>
+            <mc:AlternateContent xmlns:mc="http://schemas.openxmlformats.org/markup-compatibility/2006">
+              <mc:Choice xmlns:a14="http://schemas.microsoft.com/office/drawing/2010/main" Requires="a14">
+                <p:sp>
+                  <p:nvSpPr>
+                    <p:cNvPr id="3" name="矩形 2">
+                      <a:extLst>
+                        <a:ext uri="{FF2B5EF4-FFF2-40B4-BE49-F238E27FC236}">
+                          <a16:creationId xmlns:a16="http://schemas.microsoft.com/office/drawing/2014/main" id="{A49E8306-CCE7-430B-9379-FF131BF790A8}"/>
+                        </a:ext>
+                      </a:extLst>
+                    </p:cNvPr>
+                    <p:cNvSpPr/>
+                    <p:nvPr/>
+                  </p:nvSpPr>
+                  <p:spPr>
+                    <a:xfrm>
+                      <a:off x="2544147" y="404324"/>
+                      <a:ext cx="541175" cy="541175"/>
+                    </a:xfrm>
+                    <a:prstGeom prst="rect">
+                      <a:avLst/>
+                    </a:prstGeom>
+                    <a:noFill/>
+                    <a:ln w="19050">
+                      <a:solidFill>
+                        <a:schemeClr val="tx1"/>
+                      </a:solidFill>
+                    </a:ln>
+                  </p:spPr>
+                  <p:style>
+                    <a:lnRef idx="2">
+                      <a:schemeClr val="accent1">
+                        <a:shade val="50000"/>
+                      </a:schemeClr>
+                    </a:lnRef>
+                    <a:fillRef idx="1">
+                      <a:schemeClr val="accent1"/>
+                    </a:fillRef>
+                    <a:effectRef idx="0">
+                      <a:schemeClr val="accent1"/>
+                    </a:effectRef>
+                    <a:fontRef idx="minor">
+                      <a:schemeClr val="lt1"/>
+                    </a:fontRef>
+                  </p:style>
+                  <p:txBody>
+                    <a:bodyPr rtlCol="0" anchor="ctr"/>
+                    <a:lstStyle/>
+                    <a:p>
+                      <a:pPr algn="ctr"/>
+                      <a14:m>
+                        <m:oMathPara xmlns:m="http://schemas.openxmlformats.org/officeDocument/2006/math">
+                          <m:oMathParaPr>
+                            <m:jc m:val="centerGroup"/>
+                          </m:oMathParaPr>
+                          <m:oMath xmlns:m="http://schemas.openxmlformats.org/officeDocument/2006/math">
+                            <m:sSub>
+                              <m:sSubPr>
+                                <m:ctrlPr>
+                                  <a:rPr lang="en-US" altLang="zh-CN" i="1" smtClean="0">
+                                    <a:solidFill>
+                                      <a:sysClr val="windowText" lastClr="000000"/>
+                                    </a:solidFill>
+                                    <a:latin typeface="Cambria Math" panose="02040503050406030204" pitchFamily="18" charset="0"/>
+                                  </a:rPr>
+                                </m:ctrlPr>
+                              </m:sSubPr>
+                              <m:e>
+                                <m:r>
+                                  <a:rPr lang="en-US" altLang="zh-CN" b="0" i="1" smtClean="0">
+                                    <a:solidFill>
+                                      <a:sysClr val="windowText" lastClr="000000"/>
+                                    </a:solidFill>
+                                    <a:latin typeface="Cambria Math" panose="02040503050406030204" pitchFamily="18" charset="0"/>
+                                  </a:rPr>
+                                  <m:t>𝑤</m:t>
+                                </m:r>
+                              </m:e>
+                              <m:sub>
+                                <m:r>
+                                  <a:rPr lang="en-US" altLang="zh-CN" b="0" i="1" smtClean="0">
+                                    <a:solidFill>
+                                      <a:sysClr val="windowText" lastClr="000000"/>
+                                    </a:solidFill>
+                                    <a:latin typeface="Cambria Math" panose="02040503050406030204" pitchFamily="18" charset="0"/>
+                                  </a:rPr>
+                                  <m:t>𝑖</m:t>
+                                </m:r>
+                                <m:r>
+                                  <a:rPr lang="en-US" altLang="zh-CN" b="0" i="1" smtClean="0">
+                                    <a:solidFill>
+                                      <a:sysClr val="windowText" lastClr="000000"/>
+                                    </a:solidFill>
+                                    <a:latin typeface="Cambria Math" panose="02040503050406030204" pitchFamily="18" charset="0"/>
+                                  </a:rPr>
+                                  <m:t>1</m:t>
+                                </m:r>
+                              </m:sub>
+                            </m:sSub>
+                          </m:oMath>
+                        </m:oMathPara>
+                      </a14:m>
+                      <a:endParaRPr lang="zh-CN" altLang="en-US" dirty="0">
+                        <a:solidFill>
+                          <a:sysClr val="windowText" lastClr="000000"/>
+                        </a:solidFill>
+                      </a:endParaRPr>
+                    </a:p>
+                  </p:txBody>
+                </p:sp>
+              </mc:Choice>
+              <mc:Fallback>
+                <p:sp>
+                  <p:nvSpPr>
+                    <p:cNvPr id="3" name="矩形 2">
+                      <a:extLst>
+                        <a:ext uri="{FF2B5EF4-FFF2-40B4-BE49-F238E27FC236}">
+                          <a16:creationId xmlns:a16="http://schemas.microsoft.com/office/drawing/2014/main" id="{A49E8306-CCE7-430B-9379-FF131BF790A8}"/>
+                        </a:ext>
+                      </a:extLst>
+                    </p:cNvPr>
+                    <p:cNvSpPr>
+                      <a:spLocks noRot="1" noChangeAspect="1" noMove="1" noResize="1" noEditPoints="1" noAdjustHandles="1" noChangeArrowheads="1" noChangeShapeType="1" noTextEdit="1"/>
+                    </p:cNvSpPr>
+                    <p:nvPr/>
+                  </p:nvSpPr>
+                  <p:spPr>
+                    <a:xfrm>
+                      <a:off x="2544147" y="404324"/>
+                      <a:ext cx="541175" cy="541175"/>
+                    </a:xfrm>
+                    <a:prstGeom prst="rect">
+                      <a:avLst/>
+                    </a:prstGeom>
+                    <a:blipFill>
+                      <a:blip r:embed="rId5"/>
+                      <a:stretch>
+                        <a:fillRect/>
+                      </a:stretch>
+                    </a:blipFill>
+                    <a:ln w="19050">
+                      <a:solidFill>
+                        <a:schemeClr val="tx1"/>
+                      </a:solidFill>
+                    </a:ln>
+                  </p:spPr>
+                  <p:txBody>
+                    <a:bodyPr/>
+                    <a:lstStyle/>
+                    <a:p>
+                      <a:r>
+                        <a:rPr lang="zh-CN" altLang="en-US">
+                          <a:noFill/>
+                        </a:rPr>
+                        <a:t> </a:t>
+                      </a:r>
+                    </a:p>
+                  </p:txBody>
+                </p:sp>
+              </mc:Fallback>
+            </mc:AlternateContent>
+            <mc:AlternateContent xmlns:mc="http://schemas.openxmlformats.org/markup-compatibility/2006">
+              <mc:Choice xmlns:a14="http://schemas.microsoft.com/office/drawing/2010/main" Requires="a14">
+                <p:sp>
+                  <p:nvSpPr>
+                    <p:cNvPr id="23" name="矩形 22">
+                      <a:extLst>
+                        <a:ext uri="{FF2B5EF4-FFF2-40B4-BE49-F238E27FC236}">
+                          <a16:creationId xmlns:a16="http://schemas.microsoft.com/office/drawing/2014/main" id="{D83B21FA-4F41-4B3B-B4D7-E291BCE411F1}"/>
+                        </a:ext>
+                      </a:extLst>
+                    </p:cNvPr>
+                    <p:cNvSpPr/>
+                    <p:nvPr/>
+                  </p:nvSpPr>
+                  <p:spPr>
+                    <a:xfrm>
+                      <a:off x="1250298" y="1219200"/>
+                      <a:ext cx="1029481" cy="541175"/>
+                    </a:xfrm>
+                    <a:prstGeom prst="rect">
+                      <a:avLst/>
+                    </a:prstGeom>
+                    <a:noFill/>
+                    <a:ln w="19050">
+                      <a:solidFill>
+                        <a:schemeClr val="tx1"/>
+                      </a:solidFill>
+                    </a:ln>
+                  </p:spPr>
+                  <p:style>
+                    <a:lnRef idx="2">
+                      <a:schemeClr val="accent1">
+                        <a:shade val="50000"/>
+                      </a:schemeClr>
+                    </a:lnRef>
+                    <a:fillRef idx="1">
+                      <a:schemeClr val="accent1"/>
+                    </a:fillRef>
+                    <a:effectRef idx="0">
+                      <a:schemeClr val="accent1"/>
+                    </a:effectRef>
+                    <a:fontRef idx="minor">
+                      <a:schemeClr val="lt1"/>
+                    </a:fontRef>
+                  </p:style>
+                  <p:txBody>
+                    <a:bodyPr rtlCol="0" anchor="ctr"/>
+                    <a:lstStyle/>
+                    <a:p>
+                      <a:pPr algn="ctr"/>
+                      <a14:m>
+                        <m:oMathPara xmlns:m="http://schemas.openxmlformats.org/officeDocument/2006/math">
+                          <m:oMathParaPr>
+                            <m:jc m:val="centerGroup"/>
+                          </m:oMathParaPr>
+                          <m:oMath xmlns:m="http://schemas.openxmlformats.org/officeDocument/2006/math">
+                            <m:sSubSup>
+                              <m:sSubSupPr>
+                                <m:ctrlPr>
+                                  <a:rPr lang="en-US" altLang="zh-CN" i="1" smtClean="0">
+                                    <a:solidFill>
+                                      <a:sysClr val="windowText" lastClr="000000"/>
+                                    </a:solidFill>
+                                    <a:latin typeface="Cambria Math" panose="02040503050406030204" pitchFamily="18" charset="0"/>
+                                  </a:rPr>
+                                </m:ctrlPr>
+                              </m:sSubSupPr>
+                              <m:e>
+                                <m:r>
+                                  <a:rPr lang="en-US" altLang="zh-CN" b="0" i="1" smtClean="0">
+                                    <a:solidFill>
+                                      <a:sysClr val="windowText" lastClr="000000"/>
+                                    </a:solidFill>
+                                    <a:latin typeface="Cambria Math" panose="02040503050406030204" pitchFamily="18" charset="0"/>
+                                  </a:rPr>
+                                  <m:t>𝑋</m:t>
+                                </m:r>
+                              </m:e>
+                              <m:sub>
+                                <m:r>
+                                  <a:rPr lang="en-US" altLang="zh-CN" b="0" i="1" smtClean="0">
+                                    <a:solidFill>
+                                      <a:sysClr val="windowText" lastClr="000000"/>
+                                    </a:solidFill>
+                                    <a:latin typeface="Cambria Math" panose="02040503050406030204" pitchFamily="18" charset="0"/>
+                                  </a:rPr>
+                                  <m:t>1</m:t>
+                                </m:r>
+                              </m:sub>
+                              <m:sup>
+                                <m:r>
+                                  <a:rPr lang="en-US" altLang="zh-CN" b="0" i="1" smtClean="0">
+                                    <a:solidFill>
+                                      <a:sysClr val="windowText" lastClr="000000"/>
+                                    </a:solidFill>
+                                    <a:latin typeface="Cambria Math" panose="02040503050406030204" pitchFamily="18" charset="0"/>
+                                  </a:rPr>
+                                  <m:t>𝑙</m:t>
+                                </m:r>
+                                <m:r>
+                                  <a:rPr lang="en-US" altLang="zh-CN" b="0" i="1" smtClean="0">
+                                    <a:solidFill>
+                                      <a:sysClr val="windowText" lastClr="000000"/>
+                                    </a:solidFill>
+                                    <a:latin typeface="Cambria Math" panose="02040503050406030204" pitchFamily="18" charset="0"/>
+                                  </a:rPr>
+                                  <m:t>−1</m:t>
+                                </m:r>
+                              </m:sup>
+                            </m:sSubSup>
+                            <m:d>
+                              <m:dPr>
+                                <m:ctrlPr>
+                                  <a:rPr lang="en-US" altLang="zh-CN" b="0" i="1" smtClean="0">
+                                    <a:solidFill>
+                                      <a:sysClr val="windowText" lastClr="000000"/>
+                                    </a:solidFill>
+                                    <a:latin typeface="Cambria Math" panose="02040503050406030204" pitchFamily="18" charset="0"/>
+                                  </a:rPr>
+                                </m:ctrlPr>
+                              </m:dPr>
+                              <m:e>
+                                <m:r>
+                                  <a:rPr lang="en-US" altLang="zh-CN" b="0" i="1" smtClean="0">
+                                    <a:solidFill>
+                                      <a:sysClr val="windowText" lastClr="000000"/>
+                                    </a:solidFill>
+                                    <a:latin typeface="Cambria Math" panose="02040503050406030204" pitchFamily="18" charset="0"/>
+                                  </a:rPr>
+                                  <m:t>𝑡</m:t>
+                                </m:r>
+                              </m:e>
+                            </m:d>
+                          </m:oMath>
+                        </m:oMathPara>
+                      </a14:m>
+                      <a:endParaRPr lang="zh-CN" altLang="en-US" dirty="0">
+                        <a:solidFill>
+                          <a:sysClr val="windowText" lastClr="000000"/>
+                        </a:solidFill>
+                      </a:endParaRPr>
+                    </a:p>
+                  </p:txBody>
+                </p:sp>
+              </mc:Choice>
+              <mc:Fallback>
+                <p:sp>
+                  <p:nvSpPr>
+                    <p:cNvPr id="23" name="矩形 22">
+                      <a:extLst>
+                        <a:ext uri="{FF2B5EF4-FFF2-40B4-BE49-F238E27FC236}">
+                          <a16:creationId xmlns:a16="http://schemas.microsoft.com/office/drawing/2014/main" id="{D83B21FA-4F41-4B3B-B4D7-E291BCE411F1}"/>
+                        </a:ext>
+                      </a:extLst>
+                    </p:cNvPr>
+                    <p:cNvSpPr>
+                      <a:spLocks noRot="1" noChangeAspect="1" noMove="1" noResize="1" noEditPoints="1" noAdjustHandles="1" noChangeArrowheads="1" noChangeShapeType="1" noTextEdit="1"/>
+                    </p:cNvSpPr>
+                    <p:nvPr/>
+                  </p:nvSpPr>
+                  <p:spPr>
+                    <a:xfrm>
+                      <a:off x="1250298" y="1219200"/>
+                      <a:ext cx="1029481" cy="541175"/>
+                    </a:xfrm>
+                    <a:prstGeom prst="rect">
+                      <a:avLst/>
+                    </a:prstGeom>
+                    <a:blipFill>
+                      <a:blip r:embed="rId6"/>
+                      <a:stretch>
+                        <a:fillRect/>
+                      </a:stretch>
+                    </a:blipFill>
+                    <a:ln w="19050">
+                      <a:solidFill>
+                        <a:schemeClr val="tx1"/>
+                      </a:solidFill>
+                    </a:ln>
+                  </p:spPr>
+                  <p:txBody>
+                    <a:bodyPr/>
+                    <a:lstStyle/>
+                    <a:p>
+                      <a:r>
+                        <a:rPr lang="zh-CN" altLang="en-US">
+                          <a:noFill/>
+                        </a:rPr>
+                        <a:t> </a:t>
+                      </a:r>
+                    </a:p>
+                  </p:txBody>
+                </p:sp>
+              </mc:Fallback>
+            </mc:AlternateContent>
+            <p:cxnSp>
+              <p:nvCxnSpPr>
+                <p:cNvPr id="6" name="直接箭头连接符 5">
+                  <a:extLst>
+                    <a:ext uri="{FF2B5EF4-FFF2-40B4-BE49-F238E27FC236}">
+                      <a16:creationId xmlns:a16="http://schemas.microsoft.com/office/drawing/2014/main" id="{3E4BBE54-8B76-4B00-8C5F-115E371C7A06}"/>
+                    </a:ext>
+                  </a:extLst>
+                </p:cNvPr>
+                <p:cNvCxnSpPr>
+                  <a:stCxn id="3" idx="2"/>
+                  <a:endCxn id="2" idx="0"/>
+                </p:cNvCxnSpPr>
+                <p:nvPr/>
+              </p:nvCxnSpPr>
+              <p:spPr>
+                <a:xfrm>
+                  <a:off x="2814735" y="945499"/>
+                  <a:ext cx="0" cy="273700"/>
+                </a:xfrm>
+                <a:prstGeom prst="straightConnector1">
+                  <a:avLst/>
+                </a:prstGeom>
+                <a:ln w="19050">
+                  <a:solidFill>
+                    <a:schemeClr val="tx1"/>
+                  </a:solidFill>
+                  <a:headEnd type="none" w="med" len="med"/>
+                  <a:tailEnd type="arrow" w="med" len="med"/>
+                </a:ln>
+              </p:spPr>
+              <p:style>
+                <a:lnRef idx="1">
+                  <a:schemeClr val="accent1"/>
+                </a:lnRef>
+                <a:fillRef idx="0">
+                  <a:schemeClr val="accent1"/>
+                </a:fillRef>
+                <a:effectRef idx="0">
+                  <a:schemeClr val="accent1"/>
+                </a:effectRef>
+                <a:fontRef idx="minor">
+                  <a:schemeClr val="tx1"/>
+                </a:fontRef>
+              </p:style>
+            </p:cxnSp>
+            <p:cxnSp>
+              <p:nvCxnSpPr>
+                <p:cNvPr id="11" name="直接箭头连接符 10">
+                  <a:extLst>
+                    <a:ext uri="{FF2B5EF4-FFF2-40B4-BE49-F238E27FC236}">
+                      <a16:creationId xmlns:a16="http://schemas.microsoft.com/office/drawing/2014/main" id="{7CF0C59B-E3C5-4902-842D-E5C3974E3EF6}"/>
+                    </a:ext>
+                  </a:extLst>
+                </p:cNvPr>
+                <p:cNvCxnSpPr>
+                  <a:cxnSpLocks/>
+                  <a:stCxn id="23" idx="3"/>
+                  <a:endCxn id="2" idx="2"/>
+                </p:cNvCxnSpPr>
+                <p:nvPr/>
+              </p:nvCxnSpPr>
+              <p:spPr>
+                <a:xfrm flipV="1">
+                  <a:off x="2279779" y="1489787"/>
+                  <a:ext cx="264368" cy="1"/>
+                </a:xfrm>
+                <a:prstGeom prst="straightConnector1">
+                  <a:avLst/>
+                </a:prstGeom>
+                <a:ln w="19050">
+                  <a:solidFill>
+                    <a:schemeClr val="tx1"/>
+                  </a:solidFill>
+                  <a:headEnd type="none" w="med" len="med"/>
+                  <a:tailEnd type="arrow" w="med" len="med"/>
+                </a:ln>
+              </p:spPr>
+              <p:style>
+                <a:lnRef idx="1">
+                  <a:schemeClr val="accent1"/>
+                </a:lnRef>
+                <a:fillRef idx="0">
+                  <a:schemeClr val="accent1"/>
+                </a:fillRef>
+                <a:effectRef idx="0">
+                  <a:schemeClr val="accent1"/>
+                </a:effectRef>
+                <a:fontRef idx="minor">
+                  <a:schemeClr val="tx1"/>
+                </a:fontRef>
+              </p:style>
+            </p:cxnSp>
+          </p:grpSp>
+          <p:cxnSp>
+            <p:nvCxnSpPr>
+              <p:cNvPr id="50" name="直接箭头连接符 49">
+                <a:extLst>
+                  <a:ext uri="{FF2B5EF4-FFF2-40B4-BE49-F238E27FC236}">
+                    <a16:creationId xmlns:a16="http://schemas.microsoft.com/office/drawing/2014/main" id="{2087DD25-FFA1-45AC-AA22-EF62DF89D163}"/>
+                  </a:ext>
+                </a:extLst>
+              </p:cNvPr>
+              <p:cNvCxnSpPr>
+                <a:cxnSpLocks/>
+                <a:endCxn id="23" idx="1"/>
+              </p:cNvCxnSpPr>
+              <p:nvPr/>
+            </p:nvCxnSpPr>
+            <p:spPr>
+              <a:xfrm>
+                <a:off x="836646" y="1489788"/>
+                <a:ext cx="413652" cy="0"/>
+              </a:xfrm>
+              <a:prstGeom prst="straightConnector1">
+                <a:avLst/>
+              </a:prstGeom>
+              <a:ln w="19050">
+                <a:solidFill>
+                  <a:schemeClr val="tx1"/>
+                </a:solidFill>
+                <a:headEnd type="none" w="med" len="med"/>
+                <a:tailEnd type="arrow" w="med" len="med"/>
+              </a:ln>
+            </p:spPr>
+            <p:style>
+              <a:lnRef idx="1">
+                <a:schemeClr val="accent1"/>
+              </a:lnRef>
+              <a:fillRef idx="0">
+                <a:schemeClr val="accent1"/>
+              </a:fillRef>
+              <a:effectRef idx="0">
+                <a:schemeClr val="accent1"/>
+              </a:effectRef>
+              <a:fontRef idx="minor">
+                <a:schemeClr val="tx1"/>
+              </a:fontRef>
+            </p:style>
+          </p:cxnSp>
+        </p:grpSp>
+        <mc:AlternateContent xmlns:mc="http://schemas.openxmlformats.org/markup-compatibility/2006">
+          <mc:Choice xmlns:a14="http://schemas.microsoft.com/office/drawing/2010/main" Requires="a14">
+            <p:sp>
+              <p:nvSpPr>
+                <p:cNvPr id="72" name="椭圆 71">
+                  <a:extLst>
+                    <a:ext uri="{FF2B5EF4-FFF2-40B4-BE49-F238E27FC236}">
+                      <a16:creationId xmlns:a16="http://schemas.microsoft.com/office/drawing/2014/main" id="{DBDAD78A-5A31-4CA0-AB40-D0507E0AD68D}"/>
+                    </a:ext>
+                  </a:extLst>
+                </p:cNvPr>
+                <p:cNvSpPr/>
+                <p:nvPr/>
+              </p:nvSpPr>
+              <p:spPr>
+                <a:xfrm>
+                  <a:off x="8918510" y="3295262"/>
+                  <a:ext cx="541176" cy="541176"/>
+                </a:xfrm>
+                <a:prstGeom prst="ellipse">
+                  <a:avLst/>
+                </a:prstGeom>
+                <a:noFill/>
+                <a:ln w="19050">
+                  <a:solidFill>
+                    <a:schemeClr val="tx1"/>
+                  </a:solidFill>
+                </a:ln>
+              </p:spPr>
+              <p:style>
+                <a:lnRef idx="2">
+                  <a:schemeClr val="accent1">
+                    <a:shade val="50000"/>
+                  </a:schemeClr>
+                </a:lnRef>
+                <a:fillRef idx="1">
+                  <a:schemeClr val="accent1"/>
+                </a:fillRef>
+                <a:effectRef idx="0">
+                  <a:schemeClr val="accent1"/>
+                </a:effectRef>
+                <a:fontRef idx="minor">
+                  <a:schemeClr val="lt1"/>
+                </a:fontRef>
+              </p:style>
+              <p:txBody>
+                <a:bodyPr rtlCol="0" anchor="ctr"/>
+                <a:lstStyle/>
+                <a:p>
+                  <a:pPr algn="ctr"/>
+                  <a14:m>
+                    <m:oMathPara xmlns:m="http://schemas.openxmlformats.org/officeDocument/2006/math">
+                      <m:oMathParaPr>
+                        <m:jc m:val="centerGroup"/>
+                      </m:oMathParaPr>
+                      <m:oMath xmlns:m="http://schemas.openxmlformats.org/officeDocument/2006/math">
+                        <m:r>
+                          <a:rPr lang="en-US" altLang="zh-CN" b="0" i="1" smtClean="0">
+                            <a:solidFill>
+                              <a:sysClr val="windowText" lastClr="000000"/>
+                            </a:solidFill>
+                            <a:latin typeface="Cambria Math" panose="02040503050406030204" pitchFamily="18" charset="0"/>
+                          </a:rPr>
+                          <m:t>𝑢</m:t>
+                        </m:r>
+                        <m:d>
+                          <m:dPr>
+                            <m:ctrlPr>
+                              <a:rPr lang="en-US" altLang="zh-CN" b="0" i="1" smtClean="0">
+                                <a:solidFill>
+                                  <a:sysClr val="windowText" lastClr="000000"/>
+                                </a:solidFill>
+                                <a:latin typeface="Cambria Math" panose="02040503050406030204" pitchFamily="18" charset="0"/>
+                              </a:rPr>
+                            </m:ctrlPr>
+                          </m:dPr>
+                          <m:e>
+                            <m:r>
+                              <a:rPr lang="en-US" altLang="zh-CN" i="1">
+                                <a:solidFill>
+                                  <a:sysClr val="windowText" lastClr="000000"/>
+                                </a:solidFill>
+                                <a:latin typeface="Cambria Math" panose="02040503050406030204" pitchFamily="18" charset="0"/>
+                              </a:rPr>
+                              <m:t>·</m:t>
+                            </m:r>
+                          </m:e>
+                        </m:d>
+                      </m:oMath>
+                    </m:oMathPara>
+                  </a14:m>
+                  <a:endParaRPr lang="zh-CN" altLang="en-US" dirty="0">
+                    <a:solidFill>
+                      <a:sysClr val="windowText" lastClr="000000"/>
+                    </a:solidFill>
+                  </a:endParaRPr>
+                </a:p>
+              </p:txBody>
+            </p:sp>
+          </mc:Choice>
+          <mc:Fallback>
+            <p:sp>
+              <p:nvSpPr>
+                <p:cNvPr id="72" name="椭圆 71">
+                  <a:extLst>
+                    <a:ext uri="{FF2B5EF4-FFF2-40B4-BE49-F238E27FC236}">
+                      <a16:creationId xmlns:a16="http://schemas.microsoft.com/office/drawing/2014/main" id="{DBDAD78A-5A31-4CA0-AB40-D0507E0AD68D}"/>
+                    </a:ext>
+                  </a:extLst>
+                </p:cNvPr>
+                <p:cNvSpPr>
+                  <a:spLocks noRot="1" noChangeAspect="1" noMove="1" noResize="1" noEditPoints="1" noAdjustHandles="1" noChangeArrowheads="1" noChangeShapeType="1" noTextEdit="1"/>
+                </p:cNvSpPr>
+                <p:nvPr/>
+              </p:nvSpPr>
+              <p:spPr>
+                <a:xfrm>
+                  <a:off x="8918510" y="3295262"/>
+                  <a:ext cx="541176" cy="541176"/>
+                </a:xfrm>
+                <a:prstGeom prst="ellipse">
+                  <a:avLst/>
+                </a:prstGeom>
+                <a:blipFill>
+                  <a:blip r:embed="rId7"/>
+                  <a:stretch>
+                    <a:fillRect l="-2174"/>
+                  </a:stretch>
+                </a:blipFill>
+                <a:ln w="19050">
+                  <a:solidFill>
+                    <a:schemeClr val="tx1"/>
+                  </a:solidFill>
+                </a:ln>
+              </p:spPr>
+              <p:txBody>
+                <a:bodyPr/>
+                <a:lstStyle/>
+                <a:p>
+                  <a:r>
+                    <a:rPr lang="zh-CN" altLang="en-US">
+                      <a:noFill/>
+                    </a:rPr>
+                    <a:t> </a:t>
+                  </a:r>
+                </a:p>
+              </p:txBody>
+            </p:sp>
+          </mc:Fallback>
+        </mc:AlternateContent>
+        <mc:AlternateContent xmlns:mc="http://schemas.openxmlformats.org/markup-compatibility/2006">
+          <mc:Choice xmlns:a14="http://schemas.microsoft.com/office/drawing/2010/main" Requires="a14">
+            <p:sp>
+              <p:nvSpPr>
+                <p:cNvPr id="73" name="矩形 72">
+                  <a:extLst>
+                    <a:ext uri="{FF2B5EF4-FFF2-40B4-BE49-F238E27FC236}">
+                      <a16:creationId xmlns:a16="http://schemas.microsoft.com/office/drawing/2014/main" id="{A17732C8-FDE0-45B8-AFF2-5CC1538E6C03}"/>
+                    </a:ext>
+                  </a:extLst>
+                </p:cNvPr>
+                <p:cNvSpPr/>
+                <p:nvPr/>
+              </p:nvSpPr>
+              <p:spPr>
+                <a:xfrm>
+                  <a:off x="10131489" y="3295262"/>
+                  <a:ext cx="721570" cy="541175"/>
+                </a:xfrm>
+                <a:prstGeom prst="rect">
+                  <a:avLst/>
+                </a:prstGeom>
+                <a:noFill/>
+                <a:ln w="19050">
+                  <a:solidFill>
+                    <a:schemeClr val="tx1"/>
+                  </a:solidFill>
+                </a:ln>
+              </p:spPr>
+              <p:style>
+                <a:lnRef idx="2">
+                  <a:schemeClr val="accent1">
+                    <a:shade val="50000"/>
+                  </a:schemeClr>
+                </a:lnRef>
+                <a:fillRef idx="1">
+                  <a:schemeClr val="accent1"/>
+                </a:fillRef>
+                <a:effectRef idx="0">
+                  <a:schemeClr val="accent1"/>
+                </a:effectRef>
+                <a:fontRef idx="minor">
+                  <a:schemeClr val="lt1"/>
+                </a:fontRef>
+              </p:style>
+              <p:txBody>
+                <a:bodyPr rtlCol="0" anchor="ctr"/>
+                <a:lstStyle/>
+                <a:p>
+                  <a:pPr algn="ctr"/>
+                  <a14:m>
+                    <m:oMathPara xmlns:m="http://schemas.openxmlformats.org/officeDocument/2006/math">
+                      <m:oMathParaPr>
+                        <m:jc m:val="centerGroup"/>
+                      </m:oMathParaPr>
+                      <m:oMath xmlns:m="http://schemas.openxmlformats.org/officeDocument/2006/math">
+                        <m:sSubSup>
+                          <m:sSubSupPr>
+                            <m:ctrlPr>
+                              <a:rPr lang="en-US" altLang="zh-CN" i="1" smtClean="0">
+                                <a:solidFill>
+                                  <a:sysClr val="windowText" lastClr="000000"/>
+                                </a:solidFill>
+                                <a:latin typeface="Cambria Math" panose="02040503050406030204" pitchFamily="18" charset="0"/>
+                              </a:rPr>
+                            </m:ctrlPr>
+                          </m:sSubSupPr>
+                          <m:e>
+                            <m:r>
+                              <a:rPr lang="en-US" altLang="zh-CN" b="0" i="1" smtClean="0">
+                                <a:solidFill>
+                                  <a:sysClr val="windowText" lastClr="000000"/>
+                                </a:solidFill>
+                                <a:latin typeface="Cambria Math" panose="02040503050406030204" pitchFamily="18" charset="0"/>
+                              </a:rPr>
+                              <m:t>𝑂</m:t>
+                            </m:r>
+                          </m:e>
+                          <m:sub>
+                            <m:r>
+                              <a:rPr lang="en-US" altLang="zh-CN" b="0" i="1" smtClean="0">
+                                <a:solidFill>
+                                  <a:sysClr val="windowText" lastClr="000000"/>
+                                </a:solidFill>
+                                <a:latin typeface="Cambria Math" panose="02040503050406030204" pitchFamily="18" charset="0"/>
+                              </a:rPr>
+                              <m:t>𝑖</m:t>
+                            </m:r>
+                          </m:sub>
+                          <m:sup>
+                            <m:r>
+                              <a:rPr lang="en-US" altLang="zh-CN" b="0" i="1" smtClean="0">
+                                <a:solidFill>
+                                  <a:sysClr val="windowText" lastClr="000000"/>
+                                </a:solidFill>
+                                <a:latin typeface="Cambria Math" panose="02040503050406030204" pitchFamily="18" charset="0"/>
+                              </a:rPr>
+                              <m:t>𝑙</m:t>
+                            </m:r>
+                          </m:sup>
+                        </m:sSubSup>
+                        <m:d>
+                          <m:dPr>
+                            <m:ctrlPr>
+                              <a:rPr lang="en-US" altLang="zh-CN" b="0" i="1" smtClean="0">
+                                <a:solidFill>
+                                  <a:sysClr val="windowText" lastClr="000000"/>
+                                </a:solidFill>
+                                <a:latin typeface="Cambria Math" panose="02040503050406030204" pitchFamily="18" charset="0"/>
+                              </a:rPr>
+                            </m:ctrlPr>
+                          </m:dPr>
+                          <m:e>
+                            <m:r>
+                              <a:rPr lang="en-US" altLang="zh-CN" b="0" i="1" smtClean="0">
+                                <a:solidFill>
+                                  <a:sysClr val="windowText" lastClr="000000"/>
+                                </a:solidFill>
+                                <a:latin typeface="Cambria Math" panose="02040503050406030204" pitchFamily="18" charset="0"/>
+                              </a:rPr>
+                              <m:t>𝑡</m:t>
+                            </m:r>
+                          </m:e>
+                        </m:d>
+                      </m:oMath>
+                    </m:oMathPara>
+                  </a14:m>
+                  <a:endParaRPr lang="zh-CN" altLang="en-US" dirty="0">
+                    <a:solidFill>
+                      <a:sysClr val="windowText" lastClr="000000"/>
+                    </a:solidFill>
+                  </a:endParaRPr>
+                </a:p>
+              </p:txBody>
+            </p:sp>
+          </mc:Choice>
+          <mc:Fallback>
+            <p:sp>
+              <p:nvSpPr>
+                <p:cNvPr id="73" name="矩形 72">
+                  <a:extLst>
+                    <a:ext uri="{FF2B5EF4-FFF2-40B4-BE49-F238E27FC236}">
+                      <a16:creationId xmlns:a16="http://schemas.microsoft.com/office/drawing/2014/main" id="{A17732C8-FDE0-45B8-AFF2-5CC1538E6C03}"/>
+                    </a:ext>
+                  </a:extLst>
+                </p:cNvPr>
+                <p:cNvSpPr>
+                  <a:spLocks noRot="1" noChangeAspect="1" noMove="1" noResize="1" noEditPoints="1" noAdjustHandles="1" noChangeArrowheads="1" noChangeShapeType="1" noTextEdit="1"/>
+                </p:cNvSpPr>
+                <p:nvPr/>
+              </p:nvSpPr>
+              <p:spPr>
+                <a:xfrm>
+                  <a:off x="10131489" y="3295262"/>
+                  <a:ext cx="721570" cy="541175"/>
+                </a:xfrm>
+                <a:prstGeom prst="rect">
+                  <a:avLst/>
+                </a:prstGeom>
+                <a:blipFill>
+                  <a:blip r:embed="rId8"/>
+                  <a:stretch>
+                    <a:fillRect/>
+                  </a:stretch>
+                </a:blipFill>
+                <a:ln w="19050">
+                  <a:solidFill>
+                    <a:schemeClr val="tx1"/>
+                  </a:solidFill>
+                </a:ln>
+              </p:spPr>
+              <p:txBody>
+                <a:bodyPr/>
+                <a:lstStyle/>
+                <a:p>
+                  <a:r>
+                    <a:rPr lang="zh-CN" altLang="en-US">
+                      <a:noFill/>
+                    </a:rPr>
+                    <a:t> </a:t>
+                  </a:r>
+                </a:p>
+              </p:txBody>
+            </p:sp>
+          </mc:Fallback>
+        </mc:AlternateContent>
+        <mc:AlternateContent xmlns:mc="http://schemas.openxmlformats.org/markup-compatibility/2006">
+          <mc:Choice xmlns:a14="http://schemas.microsoft.com/office/drawing/2010/main" Requires="a14">
+            <p:sp>
+              <p:nvSpPr>
+                <p:cNvPr id="74" name="椭圆 73">
+                  <a:extLst>
+                    <a:ext uri="{FF2B5EF4-FFF2-40B4-BE49-F238E27FC236}">
+                      <a16:creationId xmlns:a16="http://schemas.microsoft.com/office/drawing/2014/main" id="{80770F67-C1F8-4FD1-9A68-E4392E9E26BD}"/>
+                    </a:ext>
+                  </a:extLst>
+                </p:cNvPr>
+                <p:cNvSpPr/>
+                <p:nvPr/>
+              </p:nvSpPr>
+              <p:spPr>
+                <a:xfrm>
+                  <a:off x="7615333" y="5463072"/>
+                  <a:ext cx="541176" cy="541176"/>
+                </a:xfrm>
+                <a:prstGeom prst="ellipse">
+                  <a:avLst/>
+                </a:prstGeom>
+                <a:noFill/>
+                <a:ln w="19050">
+                  <a:solidFill>
+                    <a:schemeClr val="tx1"/>
+                  </a:solidFill>
+                </a:ln>
+              </p:spPr>
+              <p:style>
+                <a:lnRef idx="2">
+                  <a:schemeClr val="accent1">
+                    <a:shade val="50000"/>
+                  </a:schemeClr>
+                </a:lnRef>
+                <a:fillRef idx="1">
+                  <a:schemeClr val="accent1"/>
+                </a:fillRef>
+                <a:effectRef idx="0">
+                  <a:schemeClr val="accent1"/>
+                </a:effectRef>
+                <a:fontRef idx="minor">
+                  <a:schemeClr val="lt1"/>
+                </a:fontRef>
+              </p:style>
+              <p:txBody>
+                <a:bodyPr rtlCol="0" anchor="ctr"/>
+                <a:lstStyle/>
+                <a:p>
+                  <a:pPr algn="ctr"/>
+                  <a14:m>
+                    <m:oMathPara xmlns:m="http://schemas.openxmlformats.org/officeDocument/2006/math">
+                      <m:oMathParaPr>
+                        <m:jc m:val="centerGroup"/>
+                      </m:oMathParaPr>
+                      <m:oMath xmlns:m="http://schemas.openxmlformats.org/officeDocument/2006/math">
+                        <m:r>
+                          <a:rPr lang="en-US" altLang="zh-CN" i="1" smtClean="0">
+                            <a:solidFill>
+                              <a:sysClr val="windowText" lastClr="000000"/>
+                            </a:solidFill>
+                            <a:latin typeface="Cambria Math" panose="02040503050406030204" pitchFamily="18" charset="0"/>
+                          </a:rPr>
+                          <m:t>×</m:t>
+                        </m:r>
+                      </m:oMath>
+                    </m:oMathPara>
+                  </a14:m>
+                  <a:endParaRPr lang="zh-CN" altLang="en-US" dirty="0">
+                    <a:solidFill>
+                      <a:sysClr val="windowText" lastClr="000000"/>
+                    </a:solidFill>
+                  </a:endParaRPr>
+                </a:p>
+              </p:txBody>
+            </p:sp>
+          </mc:Choice>
+          <mc:Fallback>
+            <p:sp>
+              <p:nvSpPr>
+                <p:cNvPr id="74" name="椭圆 73">
+                  <a:extLst>
+                    <a:ext uri="{FF2B5EF4-FFF2-40B4-BE49-F238E27FC236}">
+                      <a16:creationId xmlns:a16="http://schemas.microsoft.com/office/drawing/2014/main" id="{80770F67-C1F8-4FD1-9A68-E4392E9E26BD}"/>
+                    </a:ext>
+                  </a:extLst>
+                </p:cNvPr>
+                <p:cNvSpPr>
+                  <a:spLocks noRot="1" noChangeAspect="1" noMove="1" noResize="1" noEditPoints="1" noAdjustHandles="1" noChangeArrowheads="1" noChangeShapeType="1" noTextEdit="1"/>
+                </p:cNvSpPr>
+                <p:nvPr/>
+              </p:nvSpPr>
+              <p:spPr>
+                <a:xfrm>
+                  <a:off x="7615333" y="5463072"/>
+                  <a:ext cx="541176" cy="541176"/>
+                </a:xfrm>
+                <a:prstGeom prst="ellipse">
+                  <a:avLst/>
+                </a:prstGeom>
+                <a:blipFill>
+                  <a:blip r:embed="rId9"/>
+                  <a:stretch>
+                    <a:fillRect/>
+                  </a:stretch>
+                </a:blipFill>
+                <a:ln w="19050">
+                  <a:solidFill>
+                    <a:schemeClr val="tx1"/>
+                  </a:solidFill>
+                </a:ln>
+              </p:spPr>
+              <p:txBody>
+                <a:bodyPr/>
+                <a:lstStyle/>
+                <a:p>
+                  <a:r>
+                    <a:rPr lang="zh-CN" altLang="en-US">
+                      <a:noFill/>
+                    </a:rPr>
+                    <a:t> </a:t>
+                  </a:r>
+                </a:p>
+              </p:txBody>
+            </p:sp>
+          </mc:Fallback>
+        </mc:AlternateContent>
+        <mc:AlternateContent xmlns:mc="http://schemas.openxmlformats.org/markup-compatibility/2006">
+          <mc:Choice xmlns:a14="http://schemas.microsoft.com/office/drawing/2010/main" Requires="a14">
+            <p:sp>
+              <p:nvSpPr>
+                <p:cNvPr id="75" name="椭圆 74">
+                  <a:extLst>
+                    <a:ext uri="{FF2B5EF4-FFF2-40B4-BE49-F238E27FC236}">
+                      <a16:creationId xmlns:a16="http://schemas.microsoft.com/office/drawing/2014/main" id="{6B98E708-4901-48C0-837A-80B03F512A98}"/>
+                    </a:ext>
+                  </a:extLst>
+                </p:cNvPr>
+                <p:cNvSpPr/>
+                <p:nvPr/>
+              </p:nvSpPr>
+              <p:spPr>
+                <a:xfrm>
+                  <a:off x="8918510" y="5459953"/>
+                  <a:ext cx="541176" cy="541176"/>
+                </a:xfrm>
+                <a:prstGeom prst="ellipse">
+                  <a:avLst/>
+                </a:prstGeom>
+                <a:noFill/>
+                <a:ln w="19050">
+                  <a:solidFill>
+                    <a:schemeClr val="tx1"/>
+                  </a:solidFill>
+                </a:ln>
+              </p:spPr>
+              <p:style>
+                <a:lnRef idx="2">
+                  <a:schemeClr val="accent1">
+                    <a:shade val="50000"/>
+                  </a:schemeClr>
+                </a:lnRef>
+                <a:fillRef idx="1">
+                  <a:schemeClr val="accent1"/>
+                </a:fillRef>
+                <a:effectRef idx="0">
+                  <a:schemeClr val="accent1"/>
+                </a:effectRef>
+                <a:fontRef idx="minor">
+                  <a:schemeClr val="lt1"/>
+                </a:fontRef>
+              </p:style>
+              <p:txBody>
+                <a:bodyPr rtlCol="0" anchor="ctr"/>
+                <a:lstStyle/>
+                <a:p>
+                  <a:pPr algn="ctr"/>
+                  <a14:m>
+                    <m:oMathPara xmlns:m="http://schemas.openxmlformats.org/officeDocument/2006/math">
+                      <m:oMathParaPr>
+                        <m:jc m:val="centerGroup"/>
+                      </m:oMathParaPr>
+                      <m:oMath xmlns:m="http://schemas.openxmlformats.org/officeDocument/2006/math">
+                        <m:r>
+                          <a:rPr lang="en-US" altLang="zh-CN" b="0" i="1" smtClean="0">
+                            <a:solidFill>
+                              <a:sysClr val="windowText" lastClr="000000"/>
+                            </a:solidFill>
+                            <a:latin typeface="Cambria Math" panose="02040503050406030204" pitchFamily="18" charset="0"/>
+                          </a:rPr>
+                          <m:t>−</m:t>
+                        </m:r>
+                      </m:oMath>
+                    </m:oMathPara>
+                  </a14:m>
+                  <a:endParaRPr lang="zh-CN" altLang="en-US" dirty="0">
+                    <a:solidFill>
+                      <a:sysClr val="windowText" lastClr="000000"/>
+                    </a:solidFill>
+                  </a:endParaRPr>
+                </a:p>
+              </p:txBody>
+            </p:sp>
+          </mc:Choice>
+          <mc:Fallback>
+            <p:sp>
+              <p:nvSpPr>
+                <p:cNvPr id="75" name="椭圆 74">
+                  <a:extLst>
+                    <a:ext uri="{FF2B5EF4-FFF2-40B4-BE49-F238E27FC236}">
+                      <a16:creationId xmlns:a16="http://schemas.microsoft.com/office/drawing/2014/main" id="{6B98E708-4901-48C0-837A-80B03F512A98}"/>
+                    </a:ext>
+                  </a:extLst>
+                </p:cNvPr>
+                <p:cNvSpPr>
+                  <a:spLocks noRot="1" noChangeAspect="1" noMove="1" noResize="1" noEditPoints="1" noAdjustHandles="1" noChangeArrowheads="1" noChangeShapeType="1" noTextEdit="1"/>
+                </p:cNvSpPr>
+                <p:nvPr/>
+              </p:nvSpPr>
+              <p:spPr>
+                <a:xfrm>
+                  <a:off x="8918510" y="5459953"/>
+                  <a:ext cx="541176" cy="541176"/>
+                </a:xfrm>
+                <a:prstGeom prst="ellipse">
+                  <a:avLst/>
+                </a:prstGeom>
+                <a:blipFill>
+                  <a:blip r:embed="rId10"/>
+                  <a:stretch>
+                    <a:fillRect/>
+                  </a:stretch>
+                </a:blipFill>
+                <a:ln w="19050">
+                  <a:solidFill>
+                    <a:schemeClr val="tx1"/>
+                  </a:solidFill>
+                </a:ln>
+              </p:spPr>
+              <p:txBody>
+                <a:bodyPr/>
+                <a:lstStyle/>
+                <a:p>
+                  <a:r>
+                    <a:rPr lang="zh-CN" altLang="en-US">
+                      <a:noFill/>
+                    </a:rPr>
+                    <a:t> </a:t>
+                  </a:r>
+                </a:p>
+              </p:txBody>
+            </p:sp>
+          </mc:Fallback>
+        </mc:AlternateContent>
+        <mc:AlternateContent xmlns:mc="http://schemas.openxmlformats.org/markup-compatibility/2006">
+          <mc:Choice xmlns:a14="http://schemas.microsoft.com/office/drawing/2010/main" Requires="a14">
+            <p:sp>
+              <p:nvSpPr>
+                <p:cNvPr id="76" name="矩形 75">
+                  <a:extLst>
+                    <a:ext uri="{FF2B5EF4-FFF2-40B4-BE49-F238E27FC236}">
+                      <a16:creationId xmlns:a16="http://schemas.microsoft.com/office/drawing/2014/main" id="{C3E9D4A0-98A5-4672-B69E-535A1B8C5D11}"/>
+                    </a:ext>
+                  </a:extLst>
+                </p:cNvPr>
+                <p:cNvSpPr/>
+                <p:nvPr/>
+              </p:nvSpPr>
+              <p:spPr>
+                <a:xfrm>
+                  <a:off x="8918511" y="4377608"/>
+                  <a:ext cx="541175" cy="541175"/>
+                </a:xfrm>
+                <a:prstGeom prst="rect">
+                  <a:avLst/>
+                </a:prstGeom>
+                <a:noFill/>
+                <a:ln w="19050">
+                  <a:solidFill>
+                    <a:schemeClr val="tx1"/>
+                  </a:solidFill>
+                </a:ln>
+              </p:spPr>
+              <p:style>
+                <a:lnRef idx="2">
+                  <a:schemeClr val="accent1">
+                    <a:shade val="50000"/>
+                  </a:schemeClr>
+                </a:lnRef>
+                <a:fillRef idx="1">
+                  <a:schemeClr val="accent1"/>
+                </a:fillRef>
+                <a:effectRef idx="0">
+                  <a:schemeClr val="accent1"/>
+                </a:effectRef>
+                <a:fontRef idx="minor">
+                  <a:schemeClr val="lt1"/>
+                </a:fontRef>
+              </p:style>
+              <p:txBody>
+                <a:bodyPr rtlCol="0" anchor="ctr"/>
+                <a:lstStyle/>
+                <a:p>
+                  <a:pPr algn="ctr"/>
+                  <a14:m>
+                    <m:oMathPara xmlns:m="http://schemas.openxmlformats.org/officeDocument/2006/math">
+                      <m:oMathParaPr>
+                        <m:jc m:val="centerGroup"/>
+                      </m:oMathParaPr>
+                      <m:oMath xmlns:m="http://schemas.openxmlformats.org/officeDocument/2006/math">
+                        <m:r>
+                          <a:rPr lang="en-US" altLang="zh-CN" b="0" i="1" smtClean="0">
+                            <a:solidFill>
+                              <a:sysClr val="windowText" lastClr="000000"/>
+                            </a:solidFill>
+                            <a:latin typeface="Cambria Math" panose="02040503050406030204" pitchFamily="18" charset="0"/>
+                          </a:rPr>
+                          <m:t>1</m:t>
+                        </m:r>
+                      </m:oMath>
+                    </m:oMathPara>
+                  </a14:m>
+                  <a:endParaRPr lang="zh-CN" altLang="en-US" dirty="0">
+                    <a:solidFill>
+                      <a:sysClr val="windowText" lastClr="000000"/>
+                    </a:solidFill>
+                  </a:endParaRPr>
+                </a:p>
+              </p:txBody>
+            </p:sp>
+          </mc:Choice>
+          <mc:Fallback>
+            <p:sp>
+              <p:nvSpPr>
+                <p:cNvPr id="76" name="矩形 75">
+                  <a:extLst>
+                    <a:ext uri="{FF2B5EF4-FFF2-40B4-BE49-F238E27FC236}">
+                      <a16:creationId xmlns:a16="http://schemas.microsoft.com/office/drawing/2014/main" id="{C3E9D4A0-98A5-4672-B69E-535A1B8C5D11}"/>
+                    </a:ext>
+                  </a:extLst>
+                </p:cNvPr>
+                <p:cNvSpPr>
+                  <a:spLocks noRot="1" noChangeAspect="1" noMove="1" noResize="1" noEditPoints="1" noAdjustHandles="1" noChangeArrowheads="1" noChangeShapeType="1" noTextEdit="1"/>
+                </p:cNvSpPr>
+                <p:nvPr/>
+              </p:nvSpPr>
+              <p:spPr>
+                <a:xfrm>
+                  <a:off x="8918511" y="4377608"/>
+                  <a:ext cx="541175" cy="541175"/>
+                </a:xfrm>
+                <a:prstGeom prst="rect">
+                  <a:avLst/>
+                </a:prstGeom>
+                <a:blipFill>
+                  <a:blip r:embed="rId11"/>
+                  <a:stretch>
+                    <a:fillRect/>
+                  </a:stretch>
+                </a:blipFill>
+                <a:ln w="19050">
+                  <a:solidFill>
+                    <a:schemeClr val="tx1"/>
+                  </a:solidFill>
+                </a:ln>
+              </p:spPr>
+              <p:txBody>
+                <a:bodyPr/>
+                <a:lstStyle/>
+                <a:p>
+                  <a:r>
+                    <a:rPr lang="zh-CN" altLang="en-US">
+                      <a:noFill/>
+                    </a:rPr>
+                    <a:t> </a:t>
+                  </a:r>
+                </a:p>
+              </p:txBody>
+            </p:sp>
+          </mc:Fallback>
+        </mc:AlternateContent>
+        <mc:AlternateContent xmlns:mc="http://schemas.openxmlformats.org/markup-compatibility/2006">
+          <mc:Choice xmlns:a14="http://schemas.microsoft.com/office/drawing/2010/main" Requires="a14">
+            <p:sp>
+              <p:nvSpPr>
+                <p:cNvPr id="77" name="椭圆 76">
+                  <a:extLst>
+                    <a:ext uri="{FF2B5EF4-FFF2-40B4-BE49-F238E27FC236}">
+                      <a16:creationId xmlns:a16="http://schemas.microsoft.com/office/drawing/2014/main" id="{8FF0ADDA-4AB6-4AC7-B50F-9D784207B89A}"/>
+                    </a:ext>
+                  </a:extLst>
+                </p:cNvPr>
+                <p:cNvSpPr/>
+                <p:nvPr/>
+              </p:nvSpPr>
+              <p:spPr>
+                <a:xfrm>
+                  <a:off x="7615333" y="4379168"/>
+                  <a:ext cx="541176" cy="541176"/>
+                </a:xfrm>
+                <a:prstGeom prst="ellipse">
+                  <a:avLst/>
+                </a:prstGeom>
+                <a:noFill/>
+                <a:ln w="19050">
+                  <a:solidFill>
+                    <a:schemeClr val="tx1"/>
+                  </a:solidFill>
+                </a:ln>
+              </p:spPr>
+              <p:style>
+                <a:lnRef idx="2">
+                  <a:schemeClr val="accent1">
+                    <a:shade val="50000"/>
+                  </a:schemeClr>
+                </a:lnRef>
+                <a:fillRef idx="1">
+                  <a:schemeClr val="accent1"/>
+                </a:fillRef>
+                <a:effectRef idx="0">
+                  <a:schemeClr val="accent1"/>
+                </a:effectRef>
+                <a:fontRef idx="minor">
+                  <a:schemeClr val="lt1"/>
+                </a:fontRef>
+              </p:style>
+              <p:txBody>
+                <a:bodyPr rtlCol="0" anchor="ctr"/>
+                <a:lstStyle/>
+                <a:p>
+                  <a:pPr algn="ctr"/>
+                  <a14:m>
+                    <m:oMathPara xmlns:m="http://schemas.openxmlformats.org/officeDocument/2006/math">
+                      <m:oMathParaPr>
+                        <m:jc m:val="centerGroup"/>
+                      </m:oMathParaPr>
+                      <m:oMath xmlns:m="http://schemas.openxmlformats.org/officeDocument/2006/math">
+                        <m:r>
+                          <a:rPr lang="en-US" altLang="zh-CN" i="1" smtClean="0">
+                            <a:solidFill>
+                              <a:sysClr val="windowText" lastClr="000000"/>
+                            </a:solidFill>
+                            <a:latin typeface="Cambria Math" panose="02040503050406030204" pitchFamily="18" charset="0"/>
+                          </a:rPr>
+                          <m:t>×</m:t>
+                        </m:r>
+                      </m:oMath>
+                    </m:oMathPara>
+                  </a14:m>
+                  <a:endParaRPr lang="zh-CN" altLang="en-US" dirty="0">
+                    <a:solidFill>
+                      <a:sysClr val="windowText" lastClr="000000"/>
+                    </a:solidFill>
+                  </a:endParaRPr>
+                </a:p>
+              </p:txBody>
+            </p:sp>
+          </mc:Choice>
+          <mc:Fallback>
+            <p:sp>
+              <p:nvSpPr>
+                <p:cNvPr id="77" name="椭圆 76">
+                  <a:extLst>
+                    <a:ext uri="{FF2B5EF4-FFF2-40B4-BE49-F238E27FC236}">
+                      <a16:creationId xmlns:a16="http://schemas.microsoft.com/office/drawing/2014/main" id="{8FF0ADDA-4AB6-4AC7-B50F-9D784207B89A}"/>
+                    </a:ext>
+                  </a:extLst>
+                </p:cNvPr>
+                <p:cNvSpPr>
+                  <a:spLocks noRot="1" noChangeAspect="1" noMove="1" noResize="1" noEditPoints="1" noAdjustHandles="1" noChangeArrowheads="1" noChangeShapeType="1" noTextEdit="1"/>
+                </p:cNvSpPr>
+                <p:nvPr/>
+              </p:nvSpPr>
+              <p:spPr>
+                <a:xfrm>
+                  <a:off x="7615333" y="4379168"/>
+                  <a:ext cx="541176" cy="541176"/>
+                </a:xfrm>
+                <a:prstGeom prst="ellipse">
+                  <a:avLst/>
+                </a:prstGeom>
+                <a:blipFill>
+                  <a:blip r:embed="rId12"/>
+                  <a:stretch>
+                    <a:fillRect/>
+                  </a:stretch>
+                </a:blipFill>
+                <a:ln w="19050">
+                  <a:solidFill>
+                    <a:schemeClr val="tx1"/>
+                  </a:solidFill>
+                </a:ln>
+              </p:spPr>
+              <p:txBody>
+                <a:bodyPr/>
+                <a:lstStyle/>
+                <a:p>
+                  <a:r>
+                    <a:rPr lang="zh-CN" altLang="en-US">
+                      <a:noFill/>
+                    </a:rPr>
+                    <a:t> </a:t>
+                  </a:r>
+                </a:p>
+              </p:txBody>
+            </p:sp>
+          </mc:Fallback>
+        </mc:AlternateContent>
+        <p:grpSp>
+          <p:nvGrpSpPr>
+            <p:cNvPr id="84" name="组合 83">
+              <a:extLst>
+                <a:ext uri="{FF2B5EF4-FFF2-40B4-BE49-F238E27FC236}">
+                  <a16:creationId xmlns:a16="http://schemas.microsoft.com/office/drawing/2014/main" id="{7020B1E2-9A20-4211-861D-A69C31108EE2}"/>
+                </a:ext>
+              </a:extLst>
+            </p:cNvPr>
+            <p:cNvGrpSpPr/>
+            <p:nvPr/>
+          </p:nvGrpSpPr>
+          <p:grpSpPr>
+            <a:xfrm>
+              <a:off x="2088498" y="2481994"/>
+              <a:ext cx="2248677" cy="1356051"/>
+              <a:chOff x="836646" y="404324"/>
+              <a:chExt cx="2248677" cy="1356051"/>
+            </a:xfrm>
+          </p:grpSpPr>
+          <p:grpSp>
+            <p:nvGrpSpPr>
+              <p:cNvPr id="85" name="组合 84">
+                <a:extLst>
+                  <a:ext uri="{FF2B5EF4-FFF2-40B4-BE49-F238E27FC236}">
+                    <a16:creationId xmlns:a16="http://schemas.microsoft.com/office/drawing/2014/main" id="{90C871CC-C6E9-4522-A58B-2CF514511B0C}"/>
+                  </a:ext>
+                </a:extLst>
+              </p:cNvPr>
+              <p:cNvGrpSpPr/>
+              <p:nvPr/>
+            </p:nvGrpSpPr>
+            <p:grpSpPr>
+              <a:xfrm>
+                <a:off x="1250298" y="404324"/>
+                <a:ext cx="1835025" cy="1356051"/>
+                <a:chOff x="1250298" y="404324"/>
+                <a:chExt cx="1835025" cy="1356051"/>
+              </a:xfrm>
+            </p:grpSpPr>
+            <mc:AlternateContent xmlns:mc="http://schemas.openxmlformats.org/markup-compatibility/2006">
+              <mc:Choice xmlns:a14="http://schemas.microsoft.com/office/drawing/2010/main" Requires="a14">
+                <p:sp>
+                  <p:nvSpPr>
+                    <p:cNvPr id="87" name="椭圆 86">
+                      <a:extLst>
+                        <a:ext uri="{FF2B5EF4-FFF2-40B4-BE49-F238E27FC236}">
+                          <a16:creationId xmlns:a16="http://schemas.microsoft.com/office/drawing/2014/main" id="{36D60BC4-03CF-472E-A518-07136FAAD988}"/>
+                        </a:ext>
+                      </a:extLst>
+                    </p:cNvPr>
+                    <p:cNvSpPr/>
+                    <p:nvPr/>
+                  </p:nvSpPr>
+                  <p:spPr>
+                    <a:xfrm>
+                      <a:off x="2544147" y="1219199"/>
+                      <a:ext cx="541176" cy="541176"/>
+                    </a:xfrm>
+                    <a:prstGeom prst="ellipse">
+                      <a:avLst/>
+                    </a:prstGeom>
+                    <a:noFill/>
+                    <a:ln w="19050">
+                      <a:solidFill>
+                        <a:schemeClr val="tx1"/>
+                      </a:solidFill>
+                    </a:ln>
+                  </p:spPr>
+                  <p:style>
+                    <a:lnRef idx="2">
+                      <a:schemeClr val="accent1">
+                        <a:shade val="50000"/>
+                      </a:schemeClr>
+                    </a:lnRef>
+                    <a:fillRef idx="1">
+                      <a:schemeClr val="accent1"/>
+                    </a:fillRef>
+                    <a:effectRef idx="0">
+                      <a:schemeClr val="accent1"/>
+                    </a:effectRef>
+                    <a:fontRef idx="minor">
+                      <a:schemeClr val="lt1"/>
+                    </a:fontRef>
+                  </p:style>
+                  <p:txBody>
+                    <a:bodyPr rtlCol="0" anchor="ctr"/>
+                    <a:lstStyle/>
+                    <a:p>
+                      <a:pPr algn="ctr"/>
+                      <a14:m>
+                        <m:oMathPara xmlns:m="http://schemas.openxmlformats.org/officeDocument/2006/math">
+                          <m:oMathParaPr>
+                            <m:jc m:val="centerGroup"/>
+                          </m:oMathParaPr>
+                          <m:oMath xmlns:m="http://schemas.openxmlformats.org/officeDocument/2006/math">
+                            <m:r>
+                              <a:rPr lang="en-US" altLang="zh-CN" i="1" smtClean="0">
+                                <a:solidFill>
+                                  <a:sysClr val="windowText" lastClr="000000"/>
+                                </a:solidFill>
+                                <a:latin typeface="Cambria Math" panose="02040503050406030204" pitchFamily="18" charset="0"/>
+                              </a:rPr>
+                              <m:t>×</m:t>
+                            </m:r>
+                          </m:oMath>
+                        </m:oMathPara>
+                      </a14:m>
+                      <a:endParaRPr lang="zh-CN" altLang="en-US" dirty="0">
+                        <a:solidFill>
+                          <a:sysClr val="windowText" lastClr="000000"/>
+                        </a:solidFill>
+                      </a:endParaRPr>
+                    </a:p>
+                  </p:txBody>
+                </p:sp>
+              </mc:Choice>
+              <mc:Fallback>
+                <p:sp>
+                  <p:nvSpPr>
+                    <p:cNvPr id="87" name="椭圆 86">
+                      <a:extLst>
+                        <a:ext uri="{FF2B5EF4-FFF2-40B4-BE49-F238E27FC236}">
+                          <a16:creationId xmlns:a16="http://schemas.microsoft.com/office/drawing/2014/main" id="{36D60BC4-03CF-472E-A518-07136FAAD988}"/>
+                        </a:ext>
+                      </a:extLst>
+                    </p:cNvPr>
+                    <p:cNvSpPr>
+                      <a:spLocks noRot="1" noChangeAspect="1" noMove="1" noResize="1" noEditPoints="1" noAdjustHandles="1" noChangeArrowheads="1" noChangeShapeType="1" noTextEdit="1"/>
+                    </p:cNvSpPr>
+                    <p:nvPr/>
+                  </p:nvSpPr>
+                  <p:spPr>
+                    <a:xfrm>
+                      <a:off x="2544147" y="1219199"/>
+                      <a:ext cx="541176" cy="541176"/>
+                    </a:xfrm>
+                    <a:prstGeom prst="ellipse">
+                      <a:avLst/>
+                    </a:prstGeom>
+                    <a:blipFill>
+                      <a:blip r:embed="rId13"/>
+                      <a:stretch>
+                        <a:fillRect/>
+                      </a:stretch>
+                    </a:blipFill>
+                    <a:ln w="19050">
+                      <a:solidFill>
+                        <a:schemeClr val="tx1"/>
+                      </a:solidFill>
+                    </a:ln>
+                  </p:spPr>
+                  <p:txBody>
+                    <a:bodyPr/>
+                    <a:lstStyle/>
+                    <a:p>
+                      <a:r>
+                        <a:rPr lang="zh-CN" altLang="en-US">
+                          <a:noFill/>
+                        </a:rPr>
+                        <a:t> </a:t>
+                      </a:r>
+                    </a:p>
+                  </p:txBody>
+                </p:sp>
+              </mc:Fallback>
+            </mc:AlternateContent>
+            <mc:AlternateContent xmlns:mc="http://schemas.openxmlformats.org/markup-compatibility/2006">
+              <mc:Choice xmlns:a14="http://schemas.microsoft.com/office/drawing/2010/main" Requires="a14">
+                <p:sp>
+                  <p:nvSpPr>
+                    <p:cNvPr id="88" name="矩形 87">
+                      <a:extLst>
+                        <a:ext uri="{FF2B5EF4-FFF2-40B4-BE49-F238E27FC236}">
+                          <a16:creationId xmlns:a16="http://schemas.microsoft.com/office/drawing/2014/main" id="{3F207FD2-E213-445C-913A-60173EDCCD6D}"/>
+                        </a:ext>
+                      </a:extLst>
+                    </p:cNvPr>
+                    <p:cNvSpPr/>
+                    <p:nvPr/>
+                  </p:nvSpPr>
+                  <p:spPr>
+                    <a:xfrm>
+                      <a:off x="2544147" y="404324"/>
+                      <a:ext cx="541175" cy="541175"/>
+                    </a:xfrm>
+                    <a:prstGeom prst="rect">
+                      <a:avLst/>
+                    </a:prstGeom>
+                    <a:noFill/>
+                    <a:ln w="19050">
+                      <a:solidFill>
+                        <a:schemeClr val="tx1"/>
+                      </a:solidFill>
+                    </a:ln>
+                  </p:spPr>
+                  <p:style>
+                    <a:lnRef idx="2">
+                      <a:schemeClr val="accent1">
+                        <a:shade val="50000"/>
+                      </a:schemeClr>
+                    </a:lnRef>
+                    <a:fillRef idx="1">
+                      <a:schemeClr val="accent1"/>
+                    </a:fillRef>
+                    <a:effectRef idx="0">
+                      <a:schemeClr val="accent1"/>
+                    </a:effectRef>
+                    <a:fontRef idx="minor">
+                      <a:schemeClr val="lt1"/>
+                    </a:fontRef>
+                  </p:style>
+                  <p:txBody>
+                    <a:bodyPr rtlCol="0" anchor="ctr"/>
+                    <a:lstStyle/>
+                    <a:p>
+                      <a:pPr algn="ctr"/>
+                      <a14:m>
+                        <m:oMathPara xmlns:m="http://schemas.openxmlformats.org/officeDocument/2006/math">
+                          <m:oMathParaPr>
+                            <m:jc m:val="centerGroup"/>
+                          </m:oMathParaPr>
+                          <m:oMath xmlns:m="http://schemas.openxmlformats.org/officeDocument/2006/math">
+                            <m:sSub>
+                              <m:sSubPr>
+                                <m:ctrlPr>
+                                  <a:rPr lang="en-US" altLang="zh-CN" i="1" smtClean="0">
+                                    <a:solidFill>
+                                      <a:sysClr val="windowText" lastClr="000000"/>
+                                    </a:solidFill>
+                                    <a:latin typeface="Cambria Math" panose="02040503050406030204" pitchFamily="18" charset="0"/>
+                                  </a:rPr>
+                                </m:ctrlPr>
+                              </m:sSubPr>
+                              <m:e>
+                                <m:r>
+                                  <a:rPr lang="en-US" altLang="zh-CN" b="0" i="1" smtClean="0">
+                                    <a:solidFill>
+                                      <a:sysClr val="windowText" lastClr="000000"/>
+                                    </a:solidFill>
+                                    <a:latin typeface="Cambria Math" panose="02040503050406030204" pitchFamily="18" charset="0"/>
+                                  </a:rPr>
+                                  <m:t>𝑤</m:t>
+                                </m:r>
+                              </m:e>
+                              <m:sub>
+                                <m:r>
+                                  <a:rPr lang="en-US" altLang="zh-CN" b="0" i="1" smtClean="0">
+                                    <a:solidFill>
+                                      <a:sysClr val="windowText" lastClr="000000"/>
+                                    </a:solidFill>
+                                    <a:latin typeface="Cambria Math" panose="02040503050406030204" pitchFamily="18" charset="0"/>
+                                  </a:rPr>
+                                  <m:t>𝑖</m:t>
+                                </m:r>
+                                <m:r>
+                                  <a:rPr lang="en-US" altLang="zh-CN" b="0" i="1" smtClean="0">
+                                    <a:solidFill>
+                                      <a:sysClr val="windowText" lastClr="000000"/>
+                                    </a:solidFill>
+                                    <a:latin typeface="Cambria Math" panose="02040503050406030204" pitchFamily="18" charset="0"/>
+                                  </a:rPr>
+                                  <m:t>2</m:t>
+                                </m:r>
+                              </m:sub>
+                            </m:sSub>
+                          </m:oMath>
+                        </m:oMathPara>
+                      </a14:m>
+                      <a:endParaRPr lang="zh-CN" altLang="en-US" dirty="0">
+                        <a:solidFill>
+                          <a:sysClr val="windowText" lastClr="000000"/>
+                        </a:solidFill>
+                      </a:endParaRPr>
+                    </a:p>
+                  </p:txBody>
+                </p:sp>
+              </mc:Choice>
+              <mc:Fallback>
+                <p:sp>
+                  <p:nvSpPr>
+                    <p:cNvPr id="88" name="矩形 87">
+                      <a:extLst>
+                        <a:ext uri="{FF2B5EF4-FFF2-40B4-BE49-F238E27FC236}">
+                          <a16:creationId xmlns:a16="http://schemas.microsoft.com/office/drawing/2014/main" id="{3F207FD2-E213-445C-913A-60173EDCCD6D}"/>
+                        </a:ext>
+                      </a:extLst>
+                    </p:cNvPr>
+                    <p:cNvSpPr>
+                      <a:spLocks noRot="1" noChangeAspect="1" noMove="1" noResize="1" noEditPoints="1" noAdjustHandles="1" noChangeArrowheads="1" noChangeShapeType="1" noTextEdit="1"/>
+                    </p:cNvSpPr>
+                    <p:nvPr/>
+                  </p:nvSpPr>
+                  <p:spPr>
+                    <a:xfrm>
+                      <a:off x="2544147" y="404324"/>
+                      <a:ext cx="541175" cy="541175"/>
+                    </a:xfrm>
+                    <a:prstGeom prst="rect">
+                      <a:avLst/>
+                    </a:prstGeom>
+                    <a:blipFill>
+                      <a:blip r:embed="rId14"/>
+                      <a:stretch>
+                        <a:fillRect/>
+                      </a:stretch>
+                    </a:blipFill>
+                    <a:ln w="19050">
+                      <a:solidFill>
+                        <a:schemeClr val="tx1"/>
+                      </a:solidFill>
+                    </a:ln>
+                  </p:spPr>
+                  <p:txBody>
+                    <a:bodyPr/>
+                    <a:lstStyle/>
+                    <a:p>
+                      <a:r>
+                        <a:rPr lang="zh-CN" altLang="en-US">
+                          <a:noFill/>
+                        </a:rPr>
+                        <a:t> </a:t>
+                      </a:r>
+                    </a:p>
+                  </p:txBody>
+                </p:sp>
+              </mc:Fallback>
+            </mc:AlternateContent>
+            <mc:AlternateContent xmlns:mc="http://schemas.openxmlformats.org/markup-compatibility/2006">
+              <mc:Choice xmlns:a14="http://schemas.microsoft.com/office/drawing/2010/main" Requires="a14">
+                <p:sp>
+                  <p:nvSpPr>
+                    <p:cNvPr id="89" name="矩形 88">
+                      <a:extLst>
+                        <a:ext uri="{FF2B5EF4-FFF2-40B4-BE49-F238E27FC236}">
+                          <a16:creationId xmlns:a16="http://schemas.microsoft.com/office/drawing/2014/main" id="{138FB40D-BCD5-429E-ABB8-22FE2533F428}"/>
+                        </a:ext>
+                      </a:extLst>
+                    </p:cNvPr>
+                    <p:cNvSpPr/>
+                    <p:nvPr/>
+                  </p:nvSpPr>
+                  <p:spPr>
+                    <a:xfrm>
+                      <a:off x="1250298" y="1219200"/>
+                      <a:ext cx="1029481" cy="541175"/>
+                    </a:xfrm>
+                    <a:prstGeom prst="rect">
+                      <a:avLst/>
+                    </a:prstGeom>
+                    <a:noFill/>
+                    <a:ln w="19050">
+                      <a:solidFill>
+                        <a:schemeClr val="tx1"/>
+                      </a:solidFill>
+                    </a:ln>
+                  </p:spPr>
+                  <p:style>
+                    <a:lnRef idx="2">
+                      <a:schemeClr val="accent1">
+                        <a:shade val="50000"/>
+                      </a:schemeClr>
+                    </a:lnRef>
+                    <a:fillRef idx="1">
+                      <a:schemeClr val="accent1"/>
+                    </a:fillRef>
+                    <a:effectRef idx="0">
+                      <a:schemeClr val="accent1"/>
+                    </a:effectRef>
+                    <a:fontRef idx="minor">
+                      <a:schemeClr val="lt1"/>
+                    </a:fontRef>
+                  </p:style>
+                  <p:txBody>
+                    <a:bodyPr rtlCol="0" anchor="ctr"/>
+                    <a:lstStyle/>
+                    <a:p>
+                      <a:pPr algn="ctr"/>
+                      <a14:m>
+                        <m:oMathPara xmlns:m="http://schemas.openxmlformats.org/officeDocument/2006/math">
+                          <m:oMathParaPr>
+                            <m:jc m:val="centerGroup"/>
+                          </m:oMathParaPr>
+                          <m:oMath xmlns:m="http://schemas.openxmlformats.org/officeDocument/2006/math">
+                            <m:sSubSup>
+                              <m:sSubSupPr>
+                                <m:ctrlPr>
+                                  <a:rPr lang="en-US" altLang="zh-CN" i="1" smtClean="0">
+                                    <a:solidFill>
+                                      <a:sysClr val="windowText" lastClr="000000"/>
+                                    </a:solidFill>
+                                    <a:latin typeface="Cambria Math" panose="02040503050406030204" pitchFamily="18" charset="0"/>
+                                  </a:rPr>
+                                </m:ctrlPr>
+                              </m:sSubSupPr>
+                              <m:e>
+                                <m:r>
+                                  <a:rPr lang="en-US" altLang="zh-CN" b="0" i="1" smtClean="0">
+                                    <a:solidFill>
+                                      <a:sysClr val="windowText" lastClr="000000"/>
+                                    </a:solidFill>
+                                    <a:latin typeface="Cambria Math" panose="02040503050406030204" pitchFamily="18" charset="0"/>
+                                  </a:rPr>
+                                  <m:t>𝑋</m:t>
+                                </m:r>
+                              </m:e>
+                              <m:sub>
+                                <m:r>
+                                  <a:rPr lang="en-US" altLang="zh-CN" b="0" i="1" smtClean="0">
+                                    <a:solidFill>
+                                      <a:sysClr val="windowText" lastClr="000000"/>
+                                    </a:solidFill>
+                                    <a:latin typeface="Cambria Math" panose="02040503050406030204" pitchFamily="18" charset="0"/>
+                                  </a:rPr>
+                                  <m:t>2</m:t>
+                                </m:r>
+                              </m:sub>
+                              <m:sup>
+                                <m:r>
+                                  <a:rPr lang="en-US" altLang="zh-CN" b="0" i="1" smtClean="0">
+                                    <a:solidFill>
+                                      <a:sysClr val="windowText" lastClr="000000"/>
+                                    </a:solidFill>
+                                    <a:latin typeface="Cambria Math" panose="02040503050406030204" pitchFamily="18" charset="0"/>
+                                  </a:rPr>
+                                  <m:t>𝑙</m:t>
+                                </m:r>
+                                <m:r>
+                                  <a:rPr lang="en-US" altLang="zh-CN" b="0" i="1" smtClean="0">
+                                    <a:solidFill>
+                                      <a:sysClr val="windowText" lastClr="000000"/>
+                                    </a:solidFill>
+                                    <a:latin typeface="Cambria Math" panose="02040503050406030204" pitchFamily="18" charset="0"/>
+                                  </a:rPr>
+                                  <m:t>−1</m:t>
+                                </m:r>
+                              </m:sup>
+                            </m:sSubSup>
+                            <m:d>
+                              <m:dPr>
+                                <m:ctrlPr>
+                                  <a:rPr lang="en-US" altLang="zh-CN" b="0" i="1" smtClean="0">
+                                    <a:solidFill>
+                                      <a:sysClr val="windowText" lastClr="000000"/>
+                                    </a:solidFill>
+                                    <a:latin typeface="Cambria Math" panose="02040503050406030204" pitchFamily="18" charset="0"/>
+                                  </a:rPr>
+                                </m:ctrlPr>
+                              </m:dPr>
+                              <m:e>
+                                <m:r>
+                                  <a:rPr lang="en-US" altLang="zh-CN" b="0" i="1" smtClean="0">
+                                    <a:solidFill>
+                                      <a:sysClr val="windowText" lastClr="000000"/>
+                                    </a:solidFill>
+                                    <a:latin typeface="Cambria Math" panose="02040503050406030204" pitchFamily="18" charset="0"/>
+                                  </a:rPr>
+                                  <m:t>𝑡</m:t>
+                                </m:r>
+                              </m:e>
+                            </m:d>
+                          </m:oMath>
+                        </m:oMathPara>
+                      </a14:m>
+                      <a:endParaRPr lang="zh-CN" altLang="en-US" dirty="0">
+                        <a:solidFill>
+                          <a:sysClr val="windowText" lastClr="000000"/>
+                        </a:solidFill>
+                      </a:endParaRPr>
+                    </a:p>
+                  </p:txBody>
+                </p:sp>
+              </mc:Choice>
+              <mc:Fallback>
+                <p:sp>
+                  <p:nvSpPr>
+                    <p:cNvPr id="89" name="矩形 88">
+                      <a:extLst>
+                        <a:ext uri="{FF2B5EF4-FFF2-40B4-BE49-F238E27FC236}">
+                          <a16:creationId xmlns:a16="http://schemas.microsoft.com/office/drawing/2014/main" id="{138FB40D-BCD5-429E-ABB8-22FE2533F428}"/>
+                        </a:ext>
+                      </a:extLst>
+                    </p:cNvPr>
+                    <p:cNvSpPr>
+                      <a:spLocks noRot="1" noChangeAspect="1" noMove="1" noResize="1" noEditPoints="1" noAdjustHandles="1" noChangeArrowheads="1" noChangeShapeType="1" noTextEdit="1"/>
+                    </p:cNvSpPr>
+                    <p:nvPr/>
+                  </p:nvSpPr>
+                  <p:spPr>
+                    <a:xfrm>
+                      <a:off x="1250298" y="1219200"/>
+                      <a:ext cx="1029481" cy="541175"/>
+                    </a:xfrm>
+                    <a:prstGeom prst="rect">
+                      <a:avLst/>
+                    </a:prstGeom>
+                    <a:blipFill>
+                      <a:blip r:embed="rId15"/>
+                      <a:stretch>
+                        <a:fillRect/>
+                      </a:stretch>
+                    </a:blipFill>
+                    <a:ln w="19050">
+                      <a:solidFill>
+                        <a:schemeClr val="tx1"/>
+                      </a:solidFill>
+                    </a:ln>
+                  </p:spPr>
+                  <p:txBody>
+                    <a:bodyPr/>
+                    <a:lstStyle/>
+                    <a:p>
+                      <a:r>
+                        <a:rPr lang="zh-CN" altLang="en-US">
+                          <a:noFill/>
+                        </a:rPr>
+                        <a:t> </a:t>
+                      </a:r>
+                    </a:p>
+                  </p:txBody>
+                </p:sp>
+              </mc:Fallback>
+            </mc:AlternateContent>
+            <p:cxnSp>
+              <p:nvCxnSpPr>
+                <p:cNvPr id="90" name="直接箭头连接符 89">
+                  <a:extLst>
+                    <a:ext uri="{FF2B5EF4-FFF2-40B4-BE49-F238E27FC236}">
+                      <a16:creationId xmlns:a16="http://schemas.microsoft.com/office/drawing/2014/main" id="{9A53E8F9-850D-4AE6-8AF1-2B003DEA96FC}"/>
+                    </a:ext>
+                  </a:extLst>
+                </p:cNvPr>
+                <p:cNvCxnSpPr>
+                  <a:stCxn id="88" idx="2"/>
+                  <a:endCxn id="87" idx="0"/>
+                </p:cNvCxnSpPr>
+                <p:nvPr/>
+              </p:nvCxnSpPr>
+              <p:spPr>
+                <a:xfrm>
+                  <a:off x="2814735" y="945499"/>
+                  <a:ext cx="0" cy="273700"/>
+                </a:xfrm>
+                <a:prstGeom prst="straightConnector1">
+                  <a:avLst/>
+                </a:prstGeom>
+                <a:ln w="19050">
+                  <a:solidFill>
+                    <a:schemeClr val="tx1"/>
+                  </a:solidFill>
+                  <a:headEnd type="none" w="med" len="med"/>
+                  <a:tailEnd type="arrow" w="med" len="med"/>
+                </a:ln>
+              </p:spPr>
+              <p:style>
+                <a:lnRef idx="1">
+                  <a:schemeClr val="accent1"/>
+                </a:lnRef>
+                <a:fillRef idx="0">
+                  <a:schemeClr val="accent1"/>
+                </a:fillRef>
+                <a:effectRef idx="0">
+                  <a:schemeClr val="accent1"/>
+                </a:effectRef>
+                <a:fontRef idx="minor">
+                  <a:schemeClr val="tx1"/>
+                </a:fontRef>
+              </p:style>
+            </p:cxnSp>
+            <p:cxnSp>
+              <p:nvCxnSpPr>
+                <p:cNvPr id="91" name="直接箭头连接符 90">
+                  <a:extLst>
+                    <a:ext uri="{FF2B5EF4-FFF2-40B4-BE49-F238E27FC236}">
+                      <a16:creationId xmlns:a16="http://schemas.microsoft.com/office/drawing/2014/main" id="{AFEA26EA-A6F1-405F-81D7-FB708BDBCA5F}"/>
+                    </a:ext>
+                  </a:extLst>
+                </p:cNvPr>
+                <p:cNvCxnSpPr>
+                  <a:cxnSpLocks/>
+                  <a:stCxn id="89" idx="3"/>
+                  <a:endCxn id="87" idx="2"/>
+                </p:cNvCxnSpPr>
+                <p:nvPr/>
+              </p:nvCxnSpPr>
+              <p:spPr>
+                <a:xfrm flipV="1">
+                  <a:off x="2279779" y="1489787"/>
+                  <a:ext cx="264368" cy="1"/>
+                </a:xfrm>
+                <a:prstGeom prst="straightConnector1">
+                  <a:avLst/>
+                </a:prstGeom>
+                <a:ln w="19050">
+                  <a:solidFill>
+                    <a:schemeClr val="tx1"/>
+                  </a:solidFill>
+                  <a:headEnd type="none" w="med" len="med"/>
+                  <a:tailEnd type="arrow" w="med" len="med"/>
+                </a:ln>
+              </p:spPr>
+              <p:style>
+                <a:lnRef idx="1">
+                  <a:schemeClr val="accent1"/>
+                </a:lnRef>
+                <a:fillRef idx="0">
+                  <a:schemeClr val="accent1"/>
+                </a:fillRef>
+                <a:effectRef idx="0">
+                  <a:schemeClr val="accent1"/>
+                </a:effectRef>
+                <a:fontRef idx="minor">
+                  <a:schemeClr val="tx1"/>
+                </a:fontRef>
+              </p:style>
+            </p:cxnSp>
+          </p:grpSp>
+          <p:cxnSp>
+            <p:nvCxnSpPr>
+              <p:cNvPr id="86" name="直接箭头连接符 85">
+                <a:extLst>
+                  <a:ext uri="{FF2B5EF4-FFF2-40B4-BE49-F238E27FC236}">
+                    <a16:creationId xmlns:a16="http://schemas.microsoft.com/office/drawing/2014/main" id="{E758F543-6394-4C17-848A-6D25A99BAEF8}"/>
+                  </a:ext>
+                </a:extLst>
+              </p:cNvPr>
+              <p:cNvCxnSpPr>
+                <a:cxnSpLocks/>
+                <a:endCxn id="89" idx="1"/>
+              </p:cNvCxnSpPr>
+              <p:nvPr/>
+            </p:nvCxnSpPr>
+            <p:spPr>
+              <a:xfrm>
+                <a:off x="836646" y="1489788"/>
+                <a:ext cx="413652" cy="0"/>
+              </a:xfrm>
+              <a:prstGeom prst="straightConnector1">
+                <a:avLst/>
+              </a:prstGeom>
+              <a:ln w="19050">
+                <a:solidFill>
+                  <a:schemeClr val="tx1"/>
+                </a:solidFill>
+                <a:headEnd type="none" w="med" len="med"/>
+                <a:tailEnd type="arrow" w="med" len="med"/>
+              </a:ln>
+            </p:spPr>
+            <p:style>
+              <a:lnRef idx="1">
+                <a:schemeClr val="accent1"/>
+              </a:lnRef>
+              <a:fillRef idx="0">
+                <a:schemeClr val="accent1"/>
+              </a:fillRef>
+              <a:effectRef idx="0">
+                <a:schemeClr val="accent1"/>
+              </a:effectRef>
+              <a:fontRef idx="minor">
+                <a:schemeClr val="tx1"/>
+              </a:fontRef>
+            </p:style>
+          </p:cxnSp>
+        </p:grpSp>
+        <p:grpSp>
+          <p:nvGrpSpPr>
+            <p:cNvPr id="92" name="组合 91">
+              <a:extLst>
+                <a:ext uri="{FF2B5EF4-FFF2-40B4-BE49-F238E27FC236}">
+                  <a16:creationId xmlns:a16="http://schemas.microsoft.com/office/drawing/2014/main" id="{B169FF65-B225-4EFB-A605-7D591C6406DE}"/>
+                </a:ext>
+              </a:extLst>
+            </p:cNvPr>
+            <p:cNvGrpSpPr/>
+            <p:nvPr/>
+          </p:nvGrpSpPr>
+          <p:grpSpPr>
+            <a:xfrm>
+              <a:off x="2088497" y="4645078"/>
+              <a:ext cx="2248677" cy="1356051"/>
+              <a:chOff x="836646" y="404324"/>
+              <a:chExt cx="2248677" cy="1356051"/>
+            </a:xfrm>
+          </p:grpSpPr>
+          <p:grpSp>
+            <p:nvGrpSpPr>
+              <p:cNvPr id="93" name="组合 92">
+                <a:extLst>
+                  <a:ext uri="{FF2B5EF4-FFF2-40B4-BE49-F238E27FC236}">
+                    <a16:creationId xmlns:a16="http://schemas.microsoft.com/office/drawing/2014/main" id="{A1E01EE5-7CA5-4551-8F40-E44F942436C1}"/>
+                  </a:ext>
+                </a:extLst>
+              </p:cNvPr>
+              <p:cNvGrpSpPr/>
+              <p:nvPr/>
+            </p:nvGrpSpPr>
+            <p:grpSpPr>
+              <a:xfrm>
+                <a:off x="1250298" y="404324"/>
+                <a:ext cx="1835025" cy="1356051"/>
+                <a:chOff x="1250298" y="404324"/>
+                <a:chExt cx="1835025" cy="1356051"/>
+              </a:xfrm>
+            </p:grpSpPr>
+            <mc:AlternateContent xmlns:mc="http://schemas.openxmlformats.org/markup-compatibility/2006">
+              <mc:Choice xmlns:a14="http://schemas.microsoft.com/office/drawing/2010/main" Requires="a14">
+                <p:sp>
+                  <p:nvSpPr>
+                    <p:cNvPr id="95" name="椭圆 94">
+                      <a:extLst>
+                        <a:ext uri="{FF2B5EF4-FFF2-40B4-BE49-F238E27FC236}">
+                          <a16:creationId xmlns:a16="http://schemas.microsoft.com/office/drawing/2014/main" id="{1ED5312F-C8B1-4713-AD99-8CE6ADE6A290}"/>
+                        </a:ext>
+                      </a:extLst>
+                    </p:cNvPr>
+                    <p:cNvSpPr/>
+                    <p:nvPr/>
+                  </p:nvSpPr>
+                  <p:spPr>
+                    <a:xfrm>
+                      <a:off x="2544147" y="1219199"/>
+                      <a:ext cx="541176" cy="541176"/>
+                    </a:xfrm>
+                    <a:prstGeom prst="ellipse">
+                      <a:avLst/>
+                    </a:prstGeom>
+                    <a:noFill/>
+                    <a:ln w="19050">
+                      <a:solidFill>
+                        <a:schemeClr val="tx1"/>
+                      </a:solidFill>
+                    </a:ln>
+                  </p:spPr>
+                  <p:style>
+                    <a:lnRef idx="2">
+                      <a:schemeClr val="accent1">
+                        <a:shade val="50000"/>
+                      </a:schemeClr>
+                    </a:lnRef>
+                    <a:fillRef idx="1">
+                      <a:schemeClr val="accent1"/>
+                    </a:fillRef>
+                    <a:effectRef idx="0">
+                      <a:schemeClr val="accent1"/>
+                    </a:effectRef>
+                    <a:fontRef idx="minor">
+                      <a:schemeClr val="lt1"/>
+                    </a:fontRef>
+                  </p:style>
+                  <p:txBody>
+                    <a:bodyPr rtlCol="0" anchor="ctr"/>
+                    <a:lstStyle/>
+                    <a:p>
+                      <a:pPr algn="ctr"/>
+                      <a14:m>
+                        <m:oMathPara xmlns:m="http://schemas.openxmlformats.org/officeDocument/2006/math">
+                          <m:oMathParaPr>
+                            <m:jc m:val="centerGroup"/>
+                          </m:oMathParaPr>
+                          <m:oMath xmlns:m="http://schemas.openxmlformats.org/officeDocument/2006/math">
+                            <m:r>
+                              <a:rPr lang="en-US" altLang="zh-CN" i="1" smtClean="0">
+                                <a:solidFill>
+                                  <a:sysClr val="windowText" lastClr="000000"/>
+                                </a:solidFill>
+                                <a:latin typeface="Cambria Math" panose="02040503050406030204" pitchFamily="18" charset="0"/>
+                              </a:rPr>
+                              <m:t>×</m:t>
+                            </m:r>
+                          </m:oMath>
+                        </m:oMathPara>
+                      </a14:m>
+                      <a:endParaRPr lang="zh-CN" altLang="en-US" dirty="0">
+                        <a:solidFill>
+                          <a:sysClr val="windowText" lastClr="000000"/>
+                        </a:solidFill>
+                      </a:endParaRPr>
+                    </a:p>
+                  </p:txBody>
+                </p:sp>
+              </mc:Choice>
+              <mc:Fallback>
+                <p:sp>
+                  <p:nvSpPr>
+                    <p:cNvPr id="95" name="椭圆 94">
+                      <a:extLst>
+                        <a:ext uri="{FF2B5EF4-FFF2-40B4-BE49-F238E27FC236}">
+                          <a16:creationId xmlns:a16="http://schemas.microsoft.com/office/drawing/2014/main" id="{1ED5312F-C8B1-4713-AD99-8CE6ADE6A290}"/>
+                        </a:ext>
+                      </a:extLst>
+                    </p:cNvPr>
+                    <p:cNvSpPr>
+                      <a:spLocks noRot="1" noChangeAspect="1" noMove="1" noResize="1" noEditPoints="1" noAdjustHandles="1" noChangeArrowheads="1" noChangeShapeType="1" noTextEdit="1"/>
+                    </p:cNvSpPr>
+                    <p:nvPr/>
+                  </p:nvSpPr>
+                  <p:spPr>
+                    <a:xfrm>
+                      <a:off x="2544147" y="1219199"/>
+                      <a:ext cx="541176" cy="541176"/>
+                    </a:xfrm>
+                    <a:prstGeom prst="ellipse">
+                      <a:avLst/>
+                    </a:prstGeom>
+                    <a:blipFill>
+                      <a:blip r:embed="rId16"/>
+                      <a:stretch>
+                        <a:fillRect/>
+                      </a:stretch>
+                    </a:blipFill>
+                    <a:ln w="19050">
+                      <a:solidFill>
+                        <a:schemeClr val="tx1"/>
+                      </a:solidFill>
+                    </a:ln>
+                  </p:spPr>
+                  <p:txBody>
+                    <a:bodyPr/>
+                    <a:lstStyle/>
+                    <a:p>
+                      <a:r>
+                        <a:rPr lang="zh-CN" altLang="en-US">
+                          <a:noFill/>
+                        </a:rPr>
+                        <a:t> </a:t>
+                      </a:r>
+                    </a:p>
+                  </p:txBody>
+                </p:sp>
+              </mc:Fallback>
+            </mc:AlternateContent>
+            <mc:AlternateContent xmlns:mc="http://schemas.openxmlformats.org/markup-compatibility/2006">
+              <mc:Choice xmlns:a14="http://schemas.microsoft.com/office/drawing/2010/main" Requires="a14">
+                <p:sp>
+                  <p:nvSpPr>
+                    <p:cNvPr id="96" name="矩形 95">
+                      <a:extLst>
+                        <a:ext uri="{FF2B5EF4-FFF2-40B4-BE49-F238E27FC236}">
+                          <a16:creationId xmlns:a16="http://schemas.microsoft.com/office/drawing/2014/main" id="{DC93F39C-27E6-42B9-A5D6-A0BD72E56CDE}"/>
+                        </a:ext>
+                      </a:extLst>
+                    </p:cNvPr>
+                    <p:cNvSpPr/>
+                    <p:nvPr/>
+                  </p:nvSpPr>
+                  <p:spPr>
+                    <a:xfrm>
+                      <a:off x="2544147" y="404324"/>
+                      <a:ext cx="541175" cy="541175"/>
+                    </a:xfrm>
+                    <a:prstGeom prst="rect">
+                      <a:avLst/>
+                    </a:prstGeom>
+                    <a:noFill/>
+                    <a:ln w="19050">
+                      <a:solidFill>
+                        <a:schemeClr val="tx1"/>
+                      </a:solidFill>
+                    </a:ln>
+                  </p:spPr>
+                  <p:style>
+                    <a:lnRef idx="2">
+                      <a:schemeClr val="accent1">
+                        <a:shade val="50000"/>
+                      </a:schemeClr>
+                    </a:lnRef>
+                    <a:fillRef idx="1">
+                      <a:schemeClr val="accent1"/>
+                    </a:fillRef>
+                    <a:effectRef idx="0">
+                      <a:schemeClr val="accent1"/>
+                    </a:effectRef>
+                    <a:fontRef idx="minor">
+                      <a:schemeClr val="lt1"/>
+                    </a:fontRef>
+                  </p:style>
+                  <p:txBody>
+                    <a:bodyPr rtlCol="0" anchor="ctr"/>
+                    <a:lstStyle/>
+                    <a:p>
+                      <a:pPr algn="ctr"/>
+                      <a14:m>
+                        <m:oMathPara xmlns:m="http://schemas.openxmlformats.org/officeDocument/2006/math">
+                          <m:oMathParaPr>
+                            <m:jc m:val="centerGroup"/>
+                          </m:oMathParaPr>
+                          <m:oMath xmlns:m="http://schemas.openxmlformats.org/officeDocument/2006/math">
+                            <m:sSub>
+                              <m:sSubPr>
+                                <m:ctrlPr>
+                                  <a:rPr lang="en-US" altLang="zh-CN" i="1" smtClean="0">
+                                    <a:solidFill>
+                                      <a:sysClr val="windowText" lastClr="000000"/>
+                                    </a:solidFill>
+                                    <a:latin typeface="Cambria Math" panose="02040503050406030204" pitchFamily="18" charset="0"/>
+                                  </a:rPr>
+                                </m:ctrlPr>
+                              </m:sSubPr>
+                              <m:e>
+                                <m:r>
+                                  <a:rPr lang="en-US" altLang="zh-CN" b="0" i="1" smtClean="0">
+                                    <a:solidFill>
+                                      <a:sysClr val="windowText" lastClr="000000"/>
+                                    </a:solidFill>
+                                    <a:latin typeface="Cambria Math" panose="02040503050406030204" pitchFamily="18" charset="0"/>
+                                  </a:rPr>
+                                  <m:t>𝑤</m:t>
+                                </m:r>
+                              </m:e>
+                              <m:sub>
+                                <m:r>
+                                  <a:rPr lang="en-US" altLang="zh-CN" b="0" i="1" smtClean="0">
+                                    <a:solidFill>
+                                      <a:sysClr val="windowText" lastClr="000000"/>
+                                    </a:solidFill>
+                                    <a:latin typeface="Cambria Math" panose="02040503050406030204" pitchFamily="18" charset="0"/>
+                                  </a:rPr>
+                                  <m:t>𝑖𝑛</m:t>
+                                </m:r>
+                              </m:sub>
+                            </m:sSub>
+                          </m:oMath>
+                        </m:oMathPara>
+                      </a14:m>
+                      <a:endParaRPr lang="zh-CN" altLang="en-US" dirty="0">
+                        <a:solidFill>
+                          <a:sysClr val="windowText" lastClr="000000"/>
+                        </a:solidFill>
+                      </a:endParaRPr>
+                    </a:p>
+                  </p:txBody>
+                </p:sp>
+              </mc:Choice>
+              <mc:Fallback>
+                <p:sp>
+                  <p:nvSpPr>
+                    <p:cNvPr id="96" name="矩形 95">
+                      <a:extLst>
+                        <a:ext uri="{FF2B5EF4-FFF2-40B4-BE49-F238E27FC236}">
+                          <a16:creationId xmlns:a16="http://schemas.microsoft.com/office/drawing/2014/main" id="{DC93F39C-27E6-42B9-A5D6-A0BD72E56CDE}"/>
+                        </a:ext>
+                      </a:extLst>
+                    </p:cNvPr>
+                    <p:cNvSpPr>
+                      <a:spLocks noRot="1" noChangeAspect="1" noMove="1" noResize="1" noEditPoints="1" noAdjustHandles="1" noChangeArrowheads="1" noChangeShapeType="1" noTextEdit="1"/>
+                    </p:cNvSpPr>
+                    <p:nvPr/>
+                  </p:nvSpPr>
+                  <p:spPr>
+                    <a:xfrm>
+                      <a:off x="2544147" y="404324"/>
+                      <a:ext cx="541175" cy="541175"/>
+                    </a:xfrm>
+                    <a:prstGeom prst="rect">
+                      <a:avLst/>
+                    </a:prstGeom>
+                    <a:blipFill>
+                      <a:blip r:embed="rId17"/>
+                      <a:stretch>
+                        <a:fillRect/>
+                      </a:stretch>
+                    </a:blipFill>
+                    <a:ln w="19050">
+                      <a:solidFill>
+                        <a:schemeClr val="tx1"/>
+                      </a:solidFill>
+                    </a:ln>
+                  </p:spPr>
+                  <p:txBody>
+                    <a:bodyPr/>
+                    <a:lstStyle/>
+                    <a:p>
+                      <a:r>
+                        <a:rPr lang="zh-CN" altLang="en-US">
+                          <a:noFill/>
+                        </a:rPr>
+                        <a:t> </a:t>
+                      </a:r>
+                    </a:p>
+                  </p:txBody>
+                </p:sp>
+              </mc:Fallback>
+            </mc:AlternateContent>
+            <mc:AlternateContent xmlns:mc="http://schemas.openxmlformats.org/markup-compatibility/2006">
+              <mc:Choice xmlns:a14="http://schemas.microsoft.com/office/drawing/2010/main" Requires="a14">
+                <p:sp>
+                  <p:nvSpPr>
+                    <p:cNvPr id="97" name="矩形 96">
+                      <a:extLst>
+                        <a:ext uri="{FF2B5EF4-FFF2-40B4-BE49-F238E27FC236}">
+                          <a16:creationId xmlns:a16="http://schemas.microsoft.com/office/drawing/2014/main" id="{C951C184-4130-485F-AC02-89EFCD39F914}"/>
+                        </a:ext>
+                      </a:extLst>
+                    </p:cNvPr>
+                    <p:cNvSpPr/>
+                    <p:nvPr/>
+                  </p:nvSpPr>
+                  <p:spPr>
+                    <a:xfrm>
+                      <a:off x="1250298" y="1219200"/>
+                      <a:ext cx="1029481" cy="541175"/>
+                    </a:xfrm>
+                    <a:prstGeom prst="rect">
+                      <a:avLst/>
+                    </a:prstGeom>
+                    <a:noFill/>
+                    <a:ln w="19050">
+                      <a:solidFill>
+                        <a:schemeClr val="tx1"/>
+                      </a:solidFill>
+                    </a:ln>
+                  </p:spPr>
+                  <p:style>
+                    <a:lnRef idx="2">
+                      <a:schemeClr val="accent1">
+                        <a:shade val="50000"/>
+                      </a:schemeClr>
+                    </a:lnRef>
+                    <a:fillRef idx="1">
+                      <a:schemeClr val="accent1"/>
+                    </a:fillRef>
+                    <a:effectRef idx="0">
+                      <a:schemeClr val="accent1"/>
+                    </a:effectRef>
+                    <a:fontRef idx="minor">
+                      <a:schemeClr val="lt1"/>
+                    </a:fontRef>
+                  </p:style>
+                  <p:txBody>
+                    <a:bodyPr rtlCol="0" anchor="ctr"/>
+                    <a:lstStyle/>
+                    <a:p>
+                      <a:pPr algn="ctr"/>
+                      <a14:m>
+                        <m:oMathPara xmlns:m="http://schemas.openxmlformats.org/officeDocument/2006/math">
+                          <m:oMathParaPr>
+                            <m:jc m:val="centerGroup"/>
+                          </m:oMathParaPr>
+                          <m:oMath xmlns:m="http://schemas.openxmlformats.org/officeDocument/2006/math">
+                            <m:sSubSup>
+                              <m:sSubSupPr>
+                                <m:ctrlPr>
+                                  <a:rPr lang="en-US" altLang="zh-CN" i="1" smtClean="0">
+                                    <a:solidFill>
+                                      <a:sysClr val="windowText" lastClr="000000"/>
+                                    </a:solidFill>
+                                    <a:latin typeface="Cambria Math" panose="02040503050406030204" pitchFamily="18" charset="0"/>
+                                  </a:rPr>
+                                </m:ctrlPr>
+                              </m:sSubSupPr>
+                              <m:e>
+                                <m:r>
+                                  <a:rPr lang="en-US" altLang="zh-CN" b="0" i="1" smtClean="0">
+                                    <a:solidFill>
+                                      <a:sysClr val="windowText" lastClr="000000"/>
+                                    </a:solidFill>
+                                    <a:latin typeface="Cambria Math" panose="02040503050406030204" pitchFamily="18" charset="0"/>
+                                  </a:rPr>
+                                  <m:t>𝑋</m:t>
+                                </m:r>
+                              </m:e>
+                              <m:sub>
+                                <m:r>
+                                  <a:rPr lang="en-US" altLang="zh-CN" b="0" i="1" smtClean="0">
+                                    <a:solidFill>
+                                      <a:sysClr val="windowText" lastClr="000000"/>
+                                    </a:solidFill>
+                                    <a:latin typeface="Cambria Math" panose="02040503050406030204" pitchFamily="18" charset="0"/>
+                                  </a:rPr>
+                                  <m:t>𝑛</m:t>
+                                </m:r>
+                              </m:sub>
+                              <m:sup>
+                                <m:r>
+                                  <a:rPr lang="en-US" altLang="zh-CN" b="0" i="1" smtClean="0">
+                                    <a:solidFill>
+                                      <a:sysClr val="windowText" lastClr="000000"/>
+                                    </a:solidFill>
+                                    <a:latin typeface="Cambria Math" panose="02040503050406030204" pitchFamily="18" charset="0"/>
+                                  </a:rPr>
+                                  <m:t>𝑙</m:t>
+                                </m:r>
+                                <m:r>
+                                  <a:rPr lang="en-US" altLang="zh-CN" b="0" i="1" smtClean="0">
+                                    <a:solidFill>
+                                      <a:sysClr val="windowText" lastClr="000000"/>
+                                    </a:solidFill>
+                                    <a:latin typeface="Cambria Math" panose="02040503050406030204" pitchFamily="18" charset="0"/>
+                                  </a:rPr>
+                                  <m:t>−1</m:t>
+                                </m:r>
+                              </m:sup>
+                            </m:sSubSup>
+                            <m:d>
+                              <m:dPr>
+                                <m:ctrlPr>
+                                  <a:rPr lang="en-US" altLang="zh-CN" b="0" i="1" smtClean="0">
+                                    <a:solidFill>
+                                      <a:sysClr val="windowText" lastClr="000000"/>
+                                    </a:solidFill>
+                                    <a:latin typeface="Cambria Math" panose="02040503050406030204" pitchFamily="18" charset="0"/>
+                                  </a:rPr>
+                                </m:ctrlPr>
+                              </m:dPr>
+                              <m:e>
+                                <m:r>
+                                  <a:rPr lang="en-US" altLang="zh-CN" b="0" i="1" smtClean="0">
+                                    <a:solidFill>
+                                      <a:sysClr val="windowText" lastClr="000000"/>
+                                    </a:solidFill>
+                                    <a:latin typeface="Cambria Math" panose="02040503050406030204" pitchFamily="18" charset="0"/>
+                                  </a:rPr>
+                                  <m:t>𝑡</m:t>
+                                </m:r>
+                              </m:e>
+                            </m:d>
+                          </m:oMath>
+                        </m:oMathPara>
+                      </a14:m>
+                      <a:endParaRPr lang="zh-CN" altLang="en-US" dirty="0">
+                        <a:solidFill>
+                          <a:sysClr val="windowText" lastClr="000000"/>
+                        </a:solidFill>
+                      </a:endParaRPr>
+                    </a:p>
+                  </p:txBody>
+                </p:sp>
+              </mc:Choice>
+              <mc:Fallback>
+                <p:sp>
+                  <p:nvSpPr>
+                    <p:cNvPr id="97" name="矩形 96">
+                      <a:extLst>
+                        <a:ext uri="{FF2B5EF4-FFF2-40B4-BE49-F238E27FC236}">
+                          <a16:creationId xmlns:a16="http://schemas.microsoft.com/office/drawing/2014/main" id="{C951C184-4130-485F-AC02-89EFCD39F914}"/>
+                        </a:ext>
+                      </a:extLst>
+                    </p:cNvPr>
+                    <p:cNvSpPr>
+                      <a:spLocks noRot="1" noChangeAspect="1" noMove="1" noResize="1" noEditPoints="1" noAdjustHandles="1" noChangeArrowheads="1" noChangeShapeType="1" noTextEdit="1"/>
+                    </p:cNvSpPr>
+                    <p:nvPr/>
+                  </p:nvSpPr>
+                  <p:spPr>
+                    <a:xfrm>
+                      <a:off x="1250298" y="1219200"/>
+                      <a:ext cx="1029481" cy="541175"/>
+                    </a:xfrm>
+                    <a:prstGeom prst="rect">
+                      <a:avLst/>
+                    </a:prstGeom>
+                    <a:blipFill>
+                      <a:blip r:embed="rId18"/>
+                      <a:stretch>
+                        <a:fillRect/>
+                      </a:stretch>
+                    </a:blipFill>
+                    <a:ln w="19050">
+                      <a:solidFill>
+                        <a:schemeClr val="tx1"/>
+                      </a:solidFill>
+                    </a:ln>
+                  </p:spPr>
+                  <p:txBody>
+                    <a:bodyPr/>
+                    <a:lstStyle/>
+                    <a:p>
+                      <a:r>
+                        <a:rPr lang="zh-CN" altLang="en-US">
+                          <a:noFill/>
+                        </a:rPr>
+                        <a:t> </a:t>
+                      </a:r>
+                    </a:p>
+                  </p:txBody>
+                </p:sp>
+              </mc:Fallback>
+            </mc:AlternateContent>
+            <p:cxnSp>
+              <p:nvCxnSpPr>
+                <p:cNvPr id="98" name="直接箭头连接符 97">
+                  <a:extLst>
+                    <a:ext uri="{FF2B5EF4-FFF2-40B4-BE49-F238E27FC236}">
+                      <a16:creationId xmlns:a16="http://schemas.microsoft.com/office/drawing/2014/main" id="{011E0932-5121-4C7E-9267-378D06B15828}"/>
+                    </a:ext>
+                  </a:extLst>
+                </p:cNvPr>
+                <p:cNvCxnSpPr>
+                  <a:stCxn id="96" idx="2"/>
+                  <a:endCxn id="95" idx="0"/>
+                </p:cNvCxnSpPr>
+                <p:nvPr/>
+              </p:nvCxnSpPr>
+              <p:spPr>
+                <a:xfrm>
+                  <a:off x="2814735" y="945499"/>
+                  <a:ext cx="0" cy="273700"/>
+                </a:xfrm>
+                <a:prstGeom prst="straightConnector1">
+                  <a:avLst/>
+                </a:prstGeom>
+                <a:ln w="19050">
+                  <a:solidFill>
+                    <a:schemeClr val="tx1"/>
+                  </a:solidFill>
+                  <a:headEnd type="none" w="med" len="med"/>
+                  <a:tailEnd type="arrow" w="med" len="med"/>
+                </a:ln>
+              </p:spPr>
+              <p:style>
+                <a:lnRef idx="1">
+                  <a:schemeClr val="accent1"/>
+                </a:lnRef>
+                <a:fillRef idx="0">
+                  <a:schemeClr val="accent1"/>
+                </a:fillRef>
+                <a:effectRef idx="0">
+                  <a:schemeClr val="accent1"/>
+                </a:effectRef>
+                <a:fontRef idx="minor">
+                  <a:schemeClr val="tx1"/>
+                </a:fontRef>
+              </p:style>
+            </p:cxnSp>
+            <p:cxnSp>
+              <p:nvCxnSpPr>
+                <p:cNvPr id="99" name="直接箭头连接符 98">
+                  <a:extLst>
+                    <a:ext uri="{FF2B5EF4-FFF2-40B4-BE49-F238E27FC236}">
+                      <a16:creationId xmlns:a16="http://schemas.microsoft.com/office/drawing/2014/main" id="{FE80C4CA-F979-4D15-B337-D45D428BD686}"/>
+                    </a:ext>
+                  </a:extLst>
+                </p:cNvPr>
+                <p:cNvCxnSpPr>
+                  <a:cxnSpLocks/>
+                  <a:stCxn id="97" idx="3"/>
+                  <a:endCxn id="95" idx="2"/>
+                </p:cNvCxnSpPr>
+                <p:nvPr/>
+              </p:nvCxnSpPr>
+              <p:spPr>
+                <a:xfrm flipV="1">
+                  <a:off x="2279779" y="1489787"/>
+                  <a:ext cx="264368" cy="1"/>
+                </a:xfrm>
+                <a:prstGeom prst="straightConnector1">
+                  <a:avLst/>
+                </a:prstGeom>
+                <a:ln w="19050">
+                  <a:solidFill>
+                    <a:schemeClr val="tx1"/>
+                  </a:solidFill>
+                  <a:headEnd type="none" w="med" len="med"/>
+                  <a:tailEnd type="arrow" w="med" len="med"/>
+                </a:ln>
+              </p:spPr>
+              <p:style>
+                <a:lnRef idx="1">
+                  <a:schemeClr val="accent1"/>
+                </a:lnRef>
+                <a:fillRef idx="0">
+                  <a:schemeClr val="accent1"/>
+                </a:fillRef>
+                <a:effectRef idx="0">
+                  <a:schemeClr val="accent1"/>
+                </a:effectRef>
+                <a:fontRef idx="minor">
+                  <a:schemeClr val="tx1"/>
+                </a:fontRef>
+              </p:style>
+            </p:cxnSp>
+          </p:grpSp>
+          <p:cxnSp>
+            <p:nvCxnSpPr>
+              <p:cNvPr id="94" name="直接箭头连接符 93">
+                <a:extLst>
+                  <a:ext uri="{FF2B5EF4-FFF2-40B4-BE49-F238E27FC236}">
+                    <a16:creationId xmlns:a16="http://schemas.microsoft.com/office/drawing/2014/main" id="{8E2BED0E-52FE-433F-8F88-106F160833E7}"/>
+                  </a:ext>
+                </a:extLst>
+              </p:cNvPr>
+              <p:cNvCxnSpPr>
+                <a:cxnSpLocks/>
+                <a:endCxn id="97" idx="1"/>
+              </p:cNvCxnSpPr>
+              <p:nvPr/>
+            </p:nvCxnSpPr>
+            <p:spPr>
+              <a:xfrm>
+                <a:off x="836646" y="1489788"/>
+                <a:ext cx="413652" cy="0"/>
+              </a:xfrm>
+              <a:prstGeom prst="straightConnector1">
+                <a:avLst/>
+              </a:prstGeom>
+              <a:ln w="19050">
+                <a:solidFill>
+                  <a:schemeClr val="tx1"/>
+                </a:solidFill>
+                <a:headEnd type="none" w="med" len="med"/>
+                <a:tailEnd type="arrow" w="med" len="med"/>
+              </a:ln>
+            </p:spPr>
+            <p:style>
+              <a:lnRef idx="1">
+                <a:schemeClr val="accent1"/>
+              </a:lnRef>
+              <a:fillRef idx="0">
+                <a:schemeClr val="accent1"/>
+              </a:fillRef>
+              <a:effectRef idx="0">
+                <a:schemeClr val="accent1"/>
+              </a:effectRef>
+              <a:fontRef idx="minor">
+                <a:schemeClr val="tx1"/>
+              </a:fontRef>
+            </p:style>
+          </p:cxnSp>
+        </p:grpSp>
+        <p:cxnSp>
+          <p:nvCxnSpPr>
+            <p:cNvPr id="103" name="直接箭头连接符 102">
+              <a:extLst>
+                <a:ext uri="{FF2B5EF4-FFF2-40B4-BE49-F238E27FC236}">
+                  <a16:creationId xmlns:a16="http://schemas.microsoft.com/office/drawing/2014/main" id="{428E9EF4-A38C-45E5-8A1E-87DB7CB698A0}"/>
+                </a:ext>
+              </a:extLst>
+            </p:cNvPr>
+            <p:cNvCxnSpPr>
+              <a:cxnSpLocks/>
+              <a:stCxn id="36" idx="6"/>
+              <a:endCxn id="48" idx="1"/>
+            </p:cNvCxnSpPr>
+            <p:nvPr/>
+          </p:nvCxnSpPr>
+          <p:spPr>
+            <a:xfrm>
+              <a:off x="6044681" y="3565852"/>
+              <a:ext cx="1489788" cy="1"/>
+            </a:xfrm>
+            <a:prstGeom prst="straightConnector1">
+              <a:avLst/>
+            </a:prstGeom>
+            <a:ln w="19050">
+              <a:solidFill>
+                <a:schemeClr val="tx1"/>
+              </a:solidFill>
+              <a:headEnd type="none" w="med" len="med"/>
+              <a:tailEnd type="arrow" w="med" len="med"/>
+            </a:ln>
+          </p:spPr>
+          <p:style>
+            <a:lnRef idx="1">
+              <a:schemeClr val="accent1"/>
+            </a:lnRef>
+            <a:fillRef idx="0">
+              <a:schemeClr val="accent1"/>
+            </a:fillRef>
+            <a:effectRef idx="0">
+              <a:schemeClr val="accent1"/>
+            </a:effectRef>
+            <a:fontRef idx="minor">
+              <a:schemeClr val="tx1"/>
+            </a:fontRef>
+          </p:style>
+        </p:cxnSp>
+        <p:cxnSp>
+          <p:nvCxnSpPr>
+            <p:cNvPr id="105" name="直接箭头连接符 104">
+              <a:extLst>
+                <a:ext uri="{FF2B5EF4-FFF2-40B4-BE49-F238E27FC236}">
+                  <a16:creationId xmlns:a16="http://schemas.microsoft.com/office/drawing/2014/main" id="{E7B4265F-2F94-4573-82AE-9E41C89ADE93}"/>
+                </a:ext>
+              </a:extLst>
+            </p:cNvPr>
+            <p:cNvCxnSpPr>
+              <a:cxnSpLocks/>
+              <a:stCxn id="48" idx="3"/>
+              <a:endCxn id="72" idx="2"/>
+            </p:cNvCxnSpPr>
+            <p:nvPr/>
+          </p:nvCxnSpPr>
+          <p:spPr>
+            <a:xfrm flipV="1">
+              <a:off x="8237375" y="3565850"/>
+              <a:ext cx="681135" cy="3"/>
+            </a:xfrm>
+            <a:prstGeom prst="straightConnector1">
+              <a:avLst/>
+            </a:prstGeom>
+            <a:ln w="19050">
+              <a:solidFill>
+                <a:schemeClr val="tx1"/>
+              </a:solidFill>
+              <a:headEnd type="none" w="med" len="med"/>
+              <a:tailEnd type="arrow" w="med" len="med"/>
+            </a:ln>
+          </p:spPr>
+          <p:style>
+            <a:lnRef idx="1">
+              <a:schemeClr val="accent1"/>
+            </a:lnRef>
+            <a:fillRef idx="0">
+              <a:schemeClr val="accent1"/>
+            </a:fillRef>
+            <a:effectRef idx="0">
+              <a:schemeClr val="accent1"/>
+            </a:effectRef>
+            <a:fontRef idx="minor">
+              <a:schemeClr val="tx1"/>
+            </a:fontRef>
+          </p:style>
+        </p:cxnSp>
+        <p:cxnSp>
+          <p:nvCxnSpPr>
+            <p:cNvPr id="107" name="直接箭头连接符 106">
+              <a:extLst>
+                <a:ext uri="{FF2B5EF4-FFF2-40B4-BE49-F238E27FC236}">
+                  <a16:creationId xmlns:a16="http://schemas.microsoft.com/office/drawing/2014/main" id="{B340F8D6-0B95-4D26-826B-AAEDBFAC5036}"/>
+                </a:ext>
+              </a:extLst>
+            </p:cNvPr>
+            <p:cNvCxnSpPr>
+              <a:cxnSpLocks/>
+              <a:stCxn id="72" idx="6"/>
+              <a:endCxn id="73" idx="1"/>
+            </p:cNvCxnSpPr>
+            <p:nvPr/>
+          </p:nvCxnSpPr>
+          <p:spPr>
+            <a:xfrm>
+              <a:off x="9459686" y="3565850"/>
+              <a:ext cx="671803" cy="0"/>
+            </a:xfrm>
+            <a:prstGeom prst="straightConnector1">
+              <a:avLst/>
+            </a:prstGeom>
+            <a:ln w="19050">
+              <a:solidFill>
+                <a:schemeClr val="tx1"/>
+              </a:solidFill>
+              <a:headEnd type="none" w="med" len="med"/>
+              <a:tailEnd type="arrow" w="med" len="med"/>
+            </a:ln>
+          </p:spPr>
+          <p:style>
+            <a:lnRef idx="1">
+              <a:schemeClr val="accent1"/>
+            </a:lnRef>
+            <a:fillRef idx="0">
+              <a:schemeClr val="accent1"/>
+            </a:fillRef>
+            <a:effectRef idx="0">
+              <a:schemeClr val="accent1"/>
+            </a:effectRef>
+            <a:fontRef idx="minor">
+              <a:schemeClr val="tx1"/>
+            </a:fontRef>
+          </p:style>
+        </p:cxnSp>
+        <p:cxnSp>
+          <p:nvCxnSpPr>
+            <p:cNvPr id="109" name="连接符: 肘形 108">
+              <a:extLst>
+                <a:ext uri="{FF2B5EF4-FFF2-40B4-BE49-F238E27FC236}">
+                  <a16:creationId xmlns:a16="http://schemas.microsoft.com/office/drawing/2014/main" id="{1C46B0F0-8942-4344-B73F-D793D9D71311}"/>
+                </a:ext>
+              </a:extLst>
+            </p:cNvPr>
+            <p:cNvCxnSpPr>
+              <a:cxnSpLocks/>
+              <a:stCxn id="73" idx="2"/>
+              <a:endCxn id="75" idx="6"/>
+            </p:cNvCxnSpPr>
+            <p:nvPr/>
+          </p:nvCxnSpPr>
+          <p:spPr>
+            <a:xfrm rot="5400000">
+              <a:off x="9028928" y="4267195"/>
+              <a:ext cx="1894104" cy="1032588"/>
+            </a:xfrm>
+            <a:prstGeom prst="bentConnector2">
+              <a:avLst/>
+            </a:prstGeom>
+            <a:ln w="19050">
+              <a:solidFill>
+                <a:schemeClr val="tx1"/>
+              </a:solidFill>
+              <a:headEnd type="none" w="med" len="med"/>
+              <a:tailEnd type="arrow" w="med" len="med"/>
+            </a:ln>
+          </p:spPr>
+          <p:style>
+            <a:lnRef idx="1">
+              <a:schemeClr val="accent1"/>
+            </a:lnRef>
+            <a:fillRef idx="0">
+              <a:schemeClr val="accent1"/>
+            </a:fillRef>
+            <a:effectRef idx="0">
+              <a:schemeClr val="accent1"/>
+            </a:effectRef>
+            <a:fontRef idx="minor">
+              <a:schemeClr val="tx1"/>
+            </a:fontRef>
+          </p:style>
+        </p:cxnSp>
+        <p:cxnSp>
+          <p:nvCxnSpPr>
+            <p:cNvPr id="111" name="直接箭头连接符 110">
+              <a:extLst>
+                <a:ext uri="{FF2B5EF4-FFF2-40B4-BE49-F238E27FC236}">
+                  <a16:creationId xmlns:a16="http://schemas.microsoft.com/office/drawing/2014/main" id="{B67D2CFD-0F9C-4F30-A471-8D334F4EA16A}"/>
+                </a:ext>
+              </a:extLst>
+            </p:cNvPr>
+            <p:cNvCxnSpPr>
+              <a:stCxn id="76" idx="2"/>
+              <a:endCxn id="75" idx="0"/>
+            </p:cNvCxnSpPr>
+            <p:nvPr/>
+          </p:nvCxnSpPr>
+          <p:spPr>
+            <a:xfrm flipH="1">
+              <a:off x="9189098" y="4918783"/>
+              <a:ext cx="1" cy="541170"/>
+            </a:xfrm>
+            <a:prstGeom prst="straightConnector1">
+              <a:avLst/>
+            </a:prstGeom>
+            <a:ln w="19050">
+              <a:solidFill>
+                <a:schemeClr val="tx1"/>
+              </a:solidFill>
+              <a:headEnd type="none" w="med" len="med"/>
+              <a:tailEnd type="arrow" w="med" len="med"/>
+            </a:ln>
+          </p:spPr>
+          <p:style>
+            <a:lnRef idx="1">
+              <a:schemeClr val="accent1"/>
+            </a:lnRef>
+            <a:fillRef idx="0">
+              <a:schemeClr val="accent1"/>
+            </a:fillRef>
+            <a:effectRef idx="0">
+              <a:schemeClr val="accent1"/>
+            </a:effectRef>
+            <a:fontRef idx="minor">
+              <a:schemeClr val="tx1"/>
+            </a:fontRef>
+          </p:style>
+        </p:cxnSp>
+        <p:cxnSp>
+          <p:nvCxnSpPr>
+            <p:cNvPr id="113" name="直接箭头连接符 112">
+              <a:extLst>
+                <a:ext uri="{FF2B5EF4-FFF2-40B4-BE49-F238E27FC236}">
+                  <a16:creationId xmlns:a16="http://schemas.microsoft.com/office/drawing/2014/main" id="{FB444BAA-13F6-4FEE-8F22-D5A6F73FD635}"/>
+                </a:ext>
+              </a:extLst>
+            </p:cNvPr>
+            <p:cNvCxnSpPr>
+              <a:cxnSpLocks/>
+              <a:stCxn id="75" idx="2"/>
+              <a:endCxn id="74" idx="6"/>
+            </p:cNvCxnSpPr>
+            <p:nvPr/>
+          </p:nvCxnSpPr>
+          <p:spPr>
+            <a:xfrm flipH="1">
+              <a:off x="8156509" y="5730541"/>
+              <a:ext cx="762001" cy="3119"/>
+            </a:xfrm>
+            <a:prstGeom prst="straightConnector1">
+              <a:avLst/>
+            </a:prstGeom>
+            <a:ln w="19050">
+              <a:solidFill>
+                <a:schemeClr val="tx1"/>
+              </a:solidFill>
+              <a:headEnd type="none" w="med" len="med"/>
+              <a:tailEnd type="arrow" w="med" len="med"/>
+            </a:ln>
+          </p:spPr>
+          <p:style>
+            <a:lnRef idx="1">
+              <a:schemeClr val="accent1"/>
+            </a:lnRef>
+            <a:fillRef idx="0">
+              <a:schemeClr val="accent1"/>
+            </a:fillRef>
+            <a:effectRef idx="0">
+              <a:schemeClr val="accent1"/>
+            </a:effectRef>
+            <a:fontRef idx="minor">
+              <a:schemeClr val="tx1"/>
+            </a:fontRef>
+          </p:style>
+        </p:cxnSp>
+        <p:cxnSp>
+          <p:nvCxnSpPr>
+            <p:cNvPr id="117" name="直接箭头连接符 116">
+              <a:extLst>
+                <a:ext uri="{FF2B5EF4-FFF2-40B4-BE49-F238E27FC236}">
+                  <a16:creationId xmlns:a16="http://schemas.microsoft.com/office/drawing/2014/main" id="{5AD3E661-5ADC-45F9-8F36-EA05B3F33858}"/>
+                </a:ext>
+              </a:extLst>
+            </p:cNvPr>
+            <p:cNvCxnSpPr>
+              <a:stCxn id="77" idx="4"/>
+              <a:endCxn id="74" idx="0"/>
+            </p:cNvCxnSpPr>
+            <p:nvPr/>
+          </p:nvCxnSpPr>
+          <p:spPr>
+            <a:xfrm>
+              <a:off x="7885921" y="4920344"/>
+              <a:ext cx="0" cy="542728"/>
+            </a:xfrm>
+            <a:prstGeom prst="straightConnector1">
+              <a:avLst/>
+            </a:prstGeom>
+            <a:ln w="19050">
+              <a:solidFill>
+                <a:schemeClr val="tx1"/>
+              </a:solidFill>
+              <a:headEnd type="none" w="med" len="med"/>
+              <a:tailEnd type="arrow" w="med" len="med"/>
+            </a:ln>
+          </p:spPr>
+          <p:style>
+            <a:lnRef idx="1">
+              <a:schemeClr val="accent1"/>
+            </a:lnRef>
+            <a:fillRef idx="0">
+              <a:schemeClr val="accent1"/>
+            </a:fillRef>
+            <a:effectRef idx="0">
+              <a:schemeClr val="accent1"/>
+            </a:effectRef>
+            <a:fontRef idx="minor">
+              <a:schemeClr val="tx1"/>
+            </a:fontRef>
+          </p:style>
+        </p:cxnSp>
+        <mc:AlternateContent xmlns:mc="http://schemas.openxmlformats.org/markup-compatibility/2006">
+          <mc:Choice xmlns:a14="http://schemas.microsoft.com/office/drawing/2010/main" Requires="a14">
+            <p:sp>
+              <p:nvSpPr>
+                <p:cNvPr id="118" name="矩形 117">
+                  <a:extLst>
+                    <a:ext uri="{FF2B5EF4-FFF2-40B4-BE49-F238E27FC236}">
+                      <a16:creationId xmlns:a16="http://schemas.microsoft.com/office/drawing/2014/main" id="{B18A277F-E123-4997-8CB0-3E492D6F170C}"/>
+                    </a:ext>
+                  </a:extLst>
+                </p:cNvPr>
+                <p:cNvSpPr/>
+                <p:nvPr/>
+              </p:nvSpPr>
+              <p:spPr>
+                <a:xfrm>
+                  <a:off x="6310607" y="4372948"/>
+                  <a:ext cx="541175" cy="541175"/>
+                </a:xfrm>
+                <a:prstGeom prst="rect">
+                  <a:avLst/>
+                </a:prstGeom>
+                <a:noFill/>
+                <a:ln w="19050">
+                  <a:solidFill>
+                    <a:schemeClr val="tx1"/>
+                  </a:solidFill>
+                </a:ln>
+              </p:spPr>
+              <p:style>
+                <a:lnRef idx="2">
+                  <a:schemeClr val="accent1">
+                    <a:shade val="50000"/>
+                  </a:schemeClr>
+                </a:lnRef>
+                <a:fillRef idx="1">
+                  <a:schemeClr val="accent1"/>
+                </a:fillRef>
+                <a:effectRef idx="0">
+                  <a:schemeClr val="accent1"/>
+                </a:effectRef>
+                <a:fontRef idx="minor">
+                  <a:schemeClr val="lt1"/>
+                </a:fontRef>
+              </p:style>
+              <p:txBody>
+                <a:bodyPr rtlCol="0" anchor="ctr"/>
+                <a:lstStyle/>
+                <a:p>
+                  <a:pPr algn="ctr"/>
+                  <a14:m>
+                    <m:oMathPara xmlns:m="http://schemas.openxmlformats.org/officeDocument/2006/math">
+                      <m:oMathParaPr>
+                        <m:jc m:val="centerGroup"/>
+                      </m:oMathParaPr>
+                      <m:oMath xmlns:m="http://schemas.openxmlformats.org/officeDocument/2006/math">
+                        <m:r>
+                          <m:rPr>
+                            <m:sty m:val="p"/>
+                          </m:rPr>
+                          <a:rPr lang="en-US" altLang="zh-CN" i="1">
+                            <a:solidFill>
+                              <a:sysClr val="windowText" lastClr="000000"/>
+                            </a:solidFill>
+                            <a:latin typeface="Cambria Math" panose="02040503050406030204" pitchFamily="18" charset="0"/>
+                          </a:rPr>
+                          <m:t>α</m:t>
+                        </m:r>
+                      </m:oMath>
+                    </m:oMathPara>
+                  </a14:m>
+                  <a:endParaRPr lang="zh-CN" altLang="en-US" dirty="0">
+                    <a:solidFill>
+                      <a:sysClr val="windowText" lastClr="000000"/>
+                    </a:solidFill>
+                  </a:endParaRPr>
+                </a:p>
+              </p:txBody>
+            </p:sp>
+          </mc:Choice>
+          <mc:Fallback>
+            <p:sp>
+              <p:nvSpPr>
+                <p:cNvPr id="118" name="矩形 117">
+                  <a:extLst>
+                    <a:ext uri="{FF2B5EF4-FFF2-40B4-BE49-F238E27FC236}">
+                      <a16:creationId xmlns:a16="http://schemas.microsoft.com/office/drawing/2014/main" id="{B18A277F-E123-4997-8CB0-3E492D6F170C}"/>
+                    </a:ext>
+                  </a:extLst>
+                </p:cNvPr>
+                <p:cNvSpPr>
+                  <a:spLocks noRot="1" noChangeAspect="1" noMove="1" noResize="1" noEditPoints="1" noAdjustHandles="1" noChangeArrowheads="1" noChangeShapeType="1" noTextEdit="1"/>
+                </p:cNvSpPr>
+                <p:nvPr/>
+              </p:nvSpPr>
+              <p:spPr>
+                <a:xfrm>
+                  <a:off x="6310607" y="4372948"/>
+                  <a:ext cx="541175" cy="541175"/>
+                </a:xfrm>
+                <a:prstGeom prst="rect">
+                  <a:avLst/>
+                </a:prstGeom>
+                <a:blipFill>
+                  <a:blip r:embed="rId19"/>
+                  <a:stretch>
+                    <a:fillRect/>
+                  </a:stretch>
+                </a:blipFill>
+                <a:ln w="19050">
+                  <a:solidFill>
+                    <a:schemeClr val="tx1"/>
+                  </a:solidFill>
+                </a:ln>
+              </p:spPr>
+              <p:txBody>
+                <a:bodyPr/>
+                <a:lstStyle/>
+                <a:p>
+                  <a:r>
+                    <a:rPr lang="zh-CN" altLang="en-US">
+                      <a:noFill/>
+                    </a:rPr>
+                    <a:t> </a:t>
+                  </a:r>
+                </a:p>
+              </p:txBody>
+            </p:sp>
+          </mc:Fallback>
+        </mc:AlternateContent>
+        <p:cxnSp>
+          <p:nvCxnSpPr>
+            <p:cNvPr id="120" name="直接箭头连接符 119">
+              <a:extLst>
+                <a:ext uri="{FF2B5EF4-FFF2-40B4-BE49-F238E27FC236}">
+                  <a16:creationId xmlns:a16="http://schemas.microsoft.com/office/drawing/2014/main" id="{E27AF434-2531-47F4-923F-F1A580ECB254}"/>
+                </a:ext>
+              </a:extLst>
+            </p:cNvPr>
+            <p:cNvCxnSpPr>
+              <a:cxnSpLocks/>
+              <a:stCxn id="118" idx="3"/>
+              <a:endCxn id="77" idx="2"/>
+            </p:cNvCxnSpPr>
+            <p:nvPr/>
+          </p:nvCxnSpPr>
+          <p:spPr>
+            <a:xfrm>
+              <a:off x="6851782" y="4643536"/>
+              <a:ext cx="763551" cy="6220"/>
+            </a:xfrm>
+            <a:prstGeom prst="straightConnector1">
+              <a:avLst/>
+            </a:prstGeom>
+            <a:ln w="19050">
+              <a:solidFill>
+                <a:schemeClr val="tx1"/>
+              </a:solidFill>
+              <a:headEnd type="none" w="med" len="med"/>
+              <a:tailEnd type="arrow" w="med" len="med"/>
+            </a:ln>
+          </p:spPr>
+          <p:style>
+            <a:lnRef idx="1">
+              <a:schemeClr val="accent1"/>
+            </a:lnRef>
+            <a:fillRef idx="0">
+              <a:schemeClr val="accent1"/>
+            </a:fillRef>
+            <a:effectRef idx="0">
+              <a:schemeClr val="accent1"/>
+            </a:effectRef>
+            <a:fontRef idx="minor">
+              <a:schemeClr val="tx1"/>
+            </a:fontRef>
+          </p:style>
+        </p:cxnSp>
+        <p:cxnSp>
+          <p:nvCxnSpPr>
+            <p:cNvPr id="123" name="直接箭头连接符 122">
+              <a:extLst>
+                <a:ext uri="{FF2B5EF4-FFF2-40B4-BE49-F238E27FC236}">
+                  <a16:creationId xmlns:a16="http://schemas.microsoft.com/office/drawing/2014/main" id="{85E1CA4E-6DA0-4872-BEAE-3CA8680A2CB4}"/>
+                </a:ext>
+              </a:extLst>
+            </p:cNvPr>
+            <p:cNvCxnSpPr>
+              <a:cxnSpLocks/>
+              <a:stCxn id="48" idx="2"/>
+              <a:endCxn id="77" idx="0"/>
+            </p:cNvCxnSpPr>
+            <p:nvPr/>
+          </p:nvCxnSpPr>
+          <p:spPr>
+            <a:xfrm flipH="1">
+              <a:off x="7885921" y="3836440"/>
+              <a:ext cx="1" cy="542728"/>
+            </a:xfrm>
+            <a:prstGeom prst="straightConnector1">
+              <a:avLst/>
+            </a:prstGeom>
+            <a:ln w="19050">
+              <a:solidFill>
+                <a:schemeClr val="tx1"/>
+              </a:solidFill>
+              <a:headEnd type="none" w="med" len="med"/>
+              <a:tailEnd type="arrow" w="med" len="med"/>
+            </a:ln>
+          </p:spPr>
+          <p:style>
+            <a:lnRef idx="1">
+              <a:schemeClr val="accent1"/>
+            </a:lnRef>
+            <a:fillRef idx="0">
+              <a:schemeClr val="accent1"/>
+            </a:fillRef>
+            <a:effectRef idx="0">
+              <a:schemeClr val="accent1"/>
+            </a:effectRef>
+            <a:fontRef idx="minor">
+              <a:schemeClr val="tx1"/>
+            </a:fontRef>
+          </p:style>
+        </p:cxnSp>
+        <mc:AlternateContent xmlns:mc="http://schemas.openxmlformats.org/markup-compatibility/2006">
+          <mc:Choice xmlns:a14="http://schemas.microsoft.com/office/drawing/2010/main" Requires="a14">
+            <p:sp>
+              <p:nvSpPr>
+                <p:cNvPr id="132" name="文本框 131">
+                  <a:extLst>
+                    <a:ext uri="{FF2B5EF4-FFF2-40B4-BE49-F238E27FC236}">
+                      <a16:creationId xmlns:a16="http://schemas.microsoft.com/office/drawing/2014/main" id="{F49147E6-9977-4904-9D09-21EF45AC0924}"/>
+                    </a:ext>
+                  </a:extLst>
+                </p:cNvPr>
+                <p:cNvSpPr txBox="1"/>
+                <p:nvPr/>
+              </p:nvSpPr>
+              <p:spPr>
+                <a:xfrm>
+                  <a:off x="3526191" y="4058432"/>
+                  <a:ext cx="859965" cy="369332"/>
+                </a:xfrm>
+                <a:prstGeom prst="rect">
+                  <a:avLst/>
+                </a:prstGeom>
+                <a:noFill/>
+              </p:spPr>
+              <p:txBody>
+                <a:bodyPr wrap="square" rtlCol="0">
+                  <a:spAutoFit/>
+                </a:bodyPr>
+                <a:lstStyle/>
+                <a:p>
+                  <a:pPr/>
+                  <a14:m>
+                    <m:oMathPara xmlns:m="http://schemas.openxmlformats.org/officeDocument/2006/math">
+                      <m:oMathParaPr>
+                        <m:jc m:val="centerGroup"/>
+                      </m:oMathParaPr>
+                      <m:oMath xmlns:m="http://schemas.openxmlformats.org/officeDocument/2006/math">
+                        <m:r>
+                          <a:rPr lang="en-US" altLang="zh-CN" i="1">
+                            <a:latin typeface="Cambria Math" panose="02040503050406030204" pitchFamily="18" charset="0"/>
+                          </a:rPr>
+                          <m:t>……</m:t>
+                        </m:r>
+                      </m:oMath>
+                    </m:oMathPara>
+                  </a14:m>
+                  <a:endParaRPr lang="zh-CN" altLang="en-US" dirty="0"/>
+                </a:p>
+              </p:txBody>
+            </p:sp>
+          </mc:Choice>
+          <mc:Fallback>
+            <p:sp>
+              <p:nvSpPr>
+                <p:cNvPr id="132" name="文本框 131">
+                  <a:extLst>
+                    <a:ext uri="{FF2B5EF4-FFF2-40B4-BE49-F238E27FC236}">
+                      <a16:creationId xmlns:a16="http://schemas.microsoft.com/office/drawing/2014/main" id="{F49147E6-9977-4904-9D09-21EF45AC0924}"/>
+                    </a:ext>
+                  </a:extLst>
+                </p:cNvPr>
+                <p:cNvSpPr txBox="1">
+                  <a:spLocks noRot="1" noChangeAspect="1" noMove="1" noResize="1" noEditPoints="1" noAdjustHandles="1" noChangeArrowheads="1" noChangeShapeType="1" noTextEdit="1"/>
+                </p:cNvSpPr>
+                <p:nvPr/>
+              </p:nvSpPr>
+              <p:spPr>
+                <a:xfrm>
+                  <a:off x="3526191" y="4058432"/>
+                  <a:ext cx="859965" cy="369332"/>
+                </a:xfrm>
+                <a:prstGeom prst="rect">
+                  <a:avLst/>
+                </a:prstGeom>
+                <a:blipFill>
+                  <a:blip r:embed="rId20"/>
+                  <a:stretch>
+                    <a:fillRect/>
+                  </a:stretch>
+                </a:blipFill>
+              </p:spPr>
+              <p:txBody>
+                <a:bodyPr/>
+                <a:lstStyle/>
+                <a:p>
+                  <a:r>
+                    <a:rPr lang="zh-CN" altLang="en-US">
+                      <a:noFill/>
+                    </a:rPr>
+                    <a:t> </a:t>
+                  </a:r>
+                </a:p>
+              </p:txBody>
+            </p:sp>
+          </mc:Fallback>
+        </mc:AlternateContent>
+        <p:cxnSp>
+          <p:nvCxnSpPr>
+            <p:cNvPr id="134" name="连接符: 肘形 133">
+              <a:extLst>
+                <a:ext uri="{FF2B5EF4-FFF2-40B4-BE49-F238E27FC236}">
+                  <a16:creationId xmlns:a16="http://schemas.microsoft.com/office/drawing/2014/main" id="{0D7EA87A-1476-4DD6-947B-DFAECA5987DD}"/>
+                </a:ext>
+              </a:extLst>
+            </p:cNvPr>
+            <p:cNvCxnSpPr>
+              <a:stCxn id="132" idx="3"/>
+            </p:cNvCxnSpPr>
+            <p:nvPr/>
+          </p:nvCxnSpPr>
+          <p:spPr>
+            <a:xfrm flipV="1">
+              <a:off x="4386156" y="3686720"/>
+              <a:ext cx="1117348" cy="556378"/>
+            </a:xfrm>
+            <a:prstGeom prst="bentConnector3">
+              <a:avLst/>
+            </a:prstGeom>
+            <a:ln w="19050">
+              <a:solidFill>
+                <a:schemeClr val="tx1"/>
+              </a:solidFill>
+              <a:headEnd type="none" w="med" len="med"/>
+              <a:tailEnd type="arrow" w="med" len="med"/>
+            </a:ln>
+          </p:spPr>
+          <p:style>
+            <a:lnRef idx="1">
+              <a:schemeClr val="accent1"/>
+            </a:lnRef>
+            <a:fillRef idx="0">
+              <a:schemeClr val="accent1"/>
+            </a:fillRef>
+            <a:effectRef idx="0">
+              <a:schemeClr val="accent1"/>
+            </a:effectRef>
+            <a:fontRef idx="minor">
+              <a:schemeClr val="tx1"/>
+            </a:fontRef>
+          </p:style>
+        </p:cxnSp>
+        <mc:AlternateContent xmlns:mc="http://schemas.openxmlformats.org/markup-compatibility/2006">
+          <mc:Choice xmlns:a14="http://schemas.microsoft.com/office/drawing/2010/main" Requires="a14">
+            <p:sp>
+              <p:nvSpPr>
+                <p:cNvPr id="57" name="矩形 56">
+                  <a:extLst>
+                    <a:ext uri="{FF2B5EF4-FFF2-40B4-BE49-F238E27FC236}">
+                      <a16:creationId xmlns:a16="http://schemas.microsoft.com/office/drawing/2014/main" id="{FF85EA96-F5FB-49D3-BA4A-0A06882F5987}"/>
+                    </a:ext>
+                  </a:extLst>
+                </p:cNvPr>
+                <p:cNvSpPr/>
+                <p:nvPr/>
+              </p:nvSpPr>
+              <p:spPr>
+                <a:xfrm>
+                  <a:off x="6310608" y="6593631"/>
+                  <a:ext cx="541175" cy="541175"/>
+                </a:xfrm>
+                <a:prstGeom prst="rect">
+                  <a:avLst/>
+                </a:prstGeom>
+                <a:noFill/>
+                <a:ln w="19050">
+                  <a:solidFill>
+                    <a:schemeClr val="tx1"/>
+                  </a:solidFill>
+                </a:ln>
+              </p:spPr>
+              <p:style>
+                <a:lnRef idx="2">
+                  <a:schemeClr val="accent1">
+                    <a:shade val="50000"/>
+                  </a:schemeClr>
+                </a:lnRef>
+                <a:fillRef idx="1">
+                  <a:schemeClr val="accent1"/>
+                </a:fillRef>
+                <a:effectRef idx="0">
+                  <a:schemeClr val="accent1"/>
+                </a:effectRef>
+                <a:fontRef idx="minor">
+                  <a:schemeClr val="lt1"/>
+                </a:fontRef>
+              </p:style>
+              <p:txBody>
+                <a:bodyPr rtlCol="0" anchor="ctr"/>
+                <a:lstStyle/>
+                <a:p>
+                  <a:pPr algn="ctr"/>
+                  <a14:m>
+                    <m:oMathPara xmlns:m="http://schemas.openxmlformats.org/officeDocument/2006/math">
+                      <m:oMathParaPr>
+                        <m:jc m:val="centerGroup"/>
+                      </m:oMathParaPr>
+                      <m:oMath xmlns:m="http://schemas.openxmlformats.org/officeDocument/2006/math">
+                        <m:r>
+                          <m:rPr>
+                            <m:sty m:val="p"/>
+                          </m:rPr>
+                          <a:rPr lang="en-US" altLang="zh-CN" i="1">
+                            <a:solidFill>
+                              <a:sysClr val="windowText" lastClr="000000"/>
+                            </a:solidFill>
+                            <a:latin typeface="Cambria Math" panose="02040503050406030204" pitchFamily="18" charset="0"/>
+                          </a:rPr>
+                          <m:t>β</m:t>
+                        </m:r>
+                      </m:oMath>
+                    </m:oMathPara>
+                  </a14:m>
+                  <a:endParaRPr lang="zh-CN" altLang="en-US" dirty="0">
+                    <a:solidFill>
+                      <a:sysClr val="windowText" lastClr="000000"/>
+                    </a:solidFill>
+                  </a:endParaRPr>
+                </a:p>
+              </p:txBody>
+            </p:sp>
+          </mc:Choice>
+          <mc:Fallback>
+            <p:sp>
+              <p:nvSpPr>
+                <p:cNvPr id="57" name="矩形 56">
+                  <a:extLst>
+                    <a:ext uri="{FF2B5EF4-FFF2-40B4-BE49-F238E27FC236}">
+                      <a16:creationId xmlns:a16="http://schemas.microsoft.com/office/drawing/2014/main" id="{FF85EA96-F5FB-49D3-BA4A-0A06882F5987}"/>
+                    </a:ext>
+                  </a:extLst>
+                </p:cNvPr>
+                <p:cNvSpPr>
+                  <a:spLocks noRot="1" noChangeAspect="1" noMove="1" noResize="1" noEditPoints="1" noAdjustHandles="1" noChangeArrowheads="1" noChangeShapeType="1" noTextEdit="1"/>
+                </p:cNvSpPr>
+                <p:nvPr/>
+              </p:nvSpPr>
+              <p:spPr>
+                <a:xfrm>
+                  <a:off x="6310608" y="6593631"/>
+                  <a:ext cx="541175" cy="541175"/>
+                </a:xfrm>
+                <a:prstGeom prst="rect">
+                  <a:avLst/>
+                </a:prstGeom>
+                <a:blipFill>
+                  <a:blip r:embed="rId21"/>
+                  <a:stretch>
+                    <a:fillRect/>
+                  </a:stretch>
+                </a:blipFill>
+                <a:ln w="19050">
+                  <a:solidFill>
+                    <a:schemeClr val="tx1"/>
+                  </a:solidFill>
+                </a:ln>
+              </p:spPr>
+              <p:txBody>
+                <a:bodyPr/>
+                <a:lstStyle/>
+                <a:p>
+                  <a:r>
+                    <a:rPr lang="zh-CN" altLang="en-US">
+                      <a:noFill/>
+                    </a:rPr>
+                    <a:t> </a:t>
+                  </a:r>
+                </a:p>
+              </p:txBody>
+            </p:sp>
+          </mc:Fallback>
+        </mc:AlternateContent>
+        <mc:AlternateContent xmlns:mc="http://schemas.openxmlformats.org/markup-compatibility/2006">
+          <mc:Choice xmlns:a14="http://schemas.microsoft.com/office/drawing/2010/main" Requires="a14">
+            <p:sp>
+              <p:nvSpPr>
+                <p:cNvPr id="58" name="椭圆 57">
+                  <a:extLst>
+                    <a:ext uri="{FF2B5EF4-FFF2-40B4-BE49-F238E27FC236}">
+                      <a16:creationId xmlns:a16="http://schemas.microsoft.com/office/drawing/2014/main" id="{A1A8810C-40EC-4C2A-84A1-1D40C12C1087}"/>
+                    </a:ext>
+                  </a:extLst>
+                </p:cNvPr>
+                <p:cNvSpPr/>
+                <p:nvPr/>
+              </p:nvSpPr>
+              <p:spPr>
+                <a:xfrm>
+                  <a:off x="6310606" y="5459953"/>
+                  <a:ext cx="541176" cy="541176"/>
+                </a:xfrm>
+                <a:prstGeom prst="ellipse">
+                  <a:avLst/>
+                </a:prstGeom>
+                <a:noFill/>
+                <a:ln w="19050">
+                  <a:solidFill>
+                    <a:schemeClr val="tx1"/>
+                  </a:solidFill>
+                </a:ln>
+              </p:spPr>
+              <p:style>
+                <a:lnRef idx="2">
+                  <a:schemeClr val="accent1">
+                    <a:shade val="50000"/>
+                  </a:schemeClr>
+                </a:lnRef>
+                <a:fillRef idx="1">
+                  <a:schemeClr val="accent1"/>
+                </a:fillRef>
+                <a:effectRef idx="0">
+                  <a:schemeClr val="accent1"/>
+                </a:effectRef>
+                <a:fontRef idx="minor">
+                  <a:schemeClr val="lt1"/>
+                </a:fontRef>
+              </p:style>
+              <p:txBody>
+                <a:bodyPr rtlCol="0" anchor="ctr"/>
+                <a:lstStyle/>
+                <a:p>
+                  <a:pPr algn="ctr"/>
+                  <a14:m>
+                    <m:oMathPara xmlns:m="http://schemas.openxmlformats.org/officeDocument/2006/math">
+                      <m:oMathParaPr>
+                        <m:jc m:val="centerGroup"/>
+                      </m:oMathParaPr>
+                      <m:oMath xmlns:m="http://schemas.openxmlformats.org/officeDocument/2006/math">
+                        <m:r>
+                          <a:rPr lang="en-US" altLang="zh-CN" b="0" i="1" smtClean="0">
+                            <a:solidFill>
+                              <a:sysClr val="windowText" lastClr="000000"/>
+                            </a:solidFill>
+                            <a:latin typeface="Cambria Math" panose="02040503050406030204" pitchFamily="18" charset="0"/>
+                          </a:rPr>
+                          <m:t>+</m:t>
+                        </m:r>
+                      </m:oMath>
+                    </m:oMathPara>
+                  </a14:m>
+                  <a:endParaRPr lang="zh-CN" altLang="en-US" dirty="0">
+                    <a:solidFill>
+                      <a:sysClr val="windowText" lastClr="000000"/>
+                    </a:solidFill>
+                  </a:endParaRPr>
+                </a:p>
+              </p:txBody>
+            </p:sp>
+          </mc:Choice>
+          <mc:Fallback>
+            <p:sp>
+              <p:nvSpPr>
+                <p:cNvPr id="58" name="椭圆 57">
+                  <a:extLst>
+                    <a:ext uri="{FF2B5EF4-FFF2-40B4-BE49-F238E27FC236}">
+                      <a16:creationId xmlns:a16="http://schemas.microsoft.com/office/drawing/2014/main" id="{A1A8810C-40EC-4C2A-84A1-1D40C12C1087}"/>
+                    </a:ext>
+                  </a:extLst>
+                </p:cNvPr>
+                <p:cNvSpPr>
+                  <a:spLocks noRot="1" noChangeAspect="1" noMove="1" noResize="1" noEditPoints="1" noAdjustHandles="1" noChangeArrowheads="1" noChangeShapeType="1" noTextEdit="1"/>
+                </p:cNvSpPr>
+                <p:nvPr/>
+              </p:nvSpPr>
+              <p:spPr>
+                <a:xfrm>
+                  <a:off x="6310606" y="5459953"/>
+                  <a:ext cx="541176" cy="541176"/>
+                </a:xfrm>
+                <a:prstGeom prst="ellipse">
+                  <a:avLst/>
+                </a:prstGeom>
+                <a:blipFill>
+                  <a:blip r:embed="rId22"/>
+                  <a:stretch>
+                    <a:fillRect/>
+                  </a:stretch>
+                </a:blipFill>
+                <a:ln w="19050">
+                  <a:solidFill>
+                    <a:schemeClr val="tx1"/>
+                  </a:solidFill>
+                </a:ln>
+              </p:spPr>
+              <p:txBody>
+                <a:bodyPr/>
+                <a:lstStyle/>
+                <a:p>
+                  <a:r>
+                    <a:rPr lang="zh-CN" altLang="en-US">
+                      <a:noFill/>
+                    </a:rPr>
+                    <a:t> </a:t>
+                  </a:r>
+                </a:p>
+              </p:txBody>
+            </p:sp>
+          </mc:Fallback>
+        </mc:AlternateContent>
+        <p:cxnSp>
+          <p:nvCxnSpPr>
+            <p:cNvPr id="9" name="直接箭头连接符 8">
+              <a:extLst>
+                <a:ext uri="{FF2B5EF4-FFF2-40B4-BE49-F238E27FC236}">
+                  <a16:creationId xmlns:a16="http://schemas.microsoft.com/office/drawing/2014/main" id="{774E2333-0506-47C3-9F80-9EAB4594E552}"/>
+                </a:ext>
+              </a:extLst>
+            </p:cNvPr>
+            <p:cNvCxnSpPr>
+              <a:stCxn id="57" idx="0"/>
+              <a:endCxn id="58" idx="4"/>
+            </p:cNvCxnSpPr>
+            <p:nvPr/>
+          </p:nvCxnSpPr>
+          <p:spPr>
+            <a:xfrm flipH="1" flipV="1">
+              <a:off x="6581194" y="6001129"/>
+              <a:ext cx="2" cy="592502"/>
+            </a:xfrm>
+            <a:prstGeom prst="straightConnector1">
+              <a:avLst/>
+            </a:prstGeom>
+            <a:ln w="19050">
+              <a:solidFill>
+                <a:schemeClr val="tx1"/>
+              </a:solidFill>
+              <a:headEnd type="none" w="med" len="med"/>
+              <a:tailEnd type="arrow" w="med" len="med"/>
+            </a:ln>
+          </p:spPr>
+          <p:style>
+            <a:lnRef idx="1">
+              <a:schemeClr val="accent1"/>
+            </a:lnRef>
+            <a:fillRef idx="0">
+              <a:schemeClr val="accent1"/>
+            </a:fillRef>
+            <a:effectRef idx="0">
+              <a:schemeClr val="accent1"/>
+            </a:effectRef>
+            <a:fontRef idx="minor">
+              <a:schemeClr val="tx1"/>
+            </a:fontRef>
+          </p:style>
+        </p:cxnSp>
+        <p:cxnSp>
+          <p:nvCxnSpPr>
+            <p:cNvPr id="12" name="直接箭头连接符 11">
+              <a:extLst>
+                <a:ext uri="{FF2B5EF4-FFF2-40B4-BE49-F238E27FC236}">
+                  <a16:creationId xmlns:a16="http://schemas.microsoft.com/office/drawing/2014/main" id="{C648DBEB-96BD-4C46-88F1-9A63B72479FC}"/>
+                </a:ext>
+              </a:extLst>
+            </p:cNvPr>
+            <p:cNvCxnSpPr>
+              <a:stCxn id="74" idx="2"/>
+              <a:endCxn id="58" idx="6"/>
+            </p:cNvCxnSpPr>
+            <p:nvPr/>
+          </p:nvCxnSpPr>
+          <p:spPr>
+            <a:xfrm flipH="1" flipV="1">
+              <a:off x="6851782" y="5730541"/>
+              <a:ext cx="763551" cy="3119"/>
+            </a:xfrm>
+            <a:prstGeom prst="straightConnector1">
+              <a:avLst/>
+            </a:prstGeom>
+            <a:ln w="19050">
+              <a:solidFill>
+                <a:schemeClr val="tx1"/>
+              </a:solidFill>
+              <a:headEnd type="none" w="med" len="med"/>
+              <a:tailEnd type="arrow" w="med" len="med"/>
+            </a:ln>
+          </p:spPr>
+          <p:style>
+            <a:lnRef idx="1">
+              <a:schemeClr val="accent1"/>
+            </a:lnRef>
+            <a:fillRef idx="0">
+              <a:schemeClr val="accent1"/>
+            </a:fillRef>
+            <a:effectRef idx="0">
+              <a:schemeClr val="accent1"/>
+            </a:effectRef>
+            <a:fontRef idx="minor">
+              <a:schemeClr val="tx1"/>
+            </a:fontRef>
+          </p:style>
+        </p:cxnSp>
+        <p:cxnSp>
+          <p:nvCxnSpPr>
+            <p:cNvPr id="17" name="连接符: 肘形 16">
+              <a:extLst>
+                <a:ext uri="{FF2B5EF4-FFF2-40B4-BE49-F238E27FC236}">
+                  <a16:creationId xmlns:a16="http://schemas.microsoft.com/office/drawing/2014/main" id="{154EE0FF-1B3E-41CA-9188-3B5FE571CCED}"/>
+                </a:ext>
+              </a:extLst>
+            </p:cNvPr>
+            <p:cNvCxnSpPr>
+              <a:stCxn id="58" idx="2"/>
+              <a:endCxn id="36" idx="4"/>
+            </p:cNvCxnSpPr>
+            <p:nvPr/>
+          </p:nvCxnSpPr>
+          <p:spPr>
+            <a:xfrm rot="10800000">
+              <a:off x="5774094" y="3836441"/>
+              <a:ext cx="536513" cy="1894101"/>
+            </a:xfrm>
+            <a:prstGeom prst="bentConnector2">
+              <a:avLst/>
+            </a:prstGeom>
+            <a:ln w="19050">
+              <a:solidFill>
+                <a:schemeClr val="tx1"/>
+              </a:solidFill>
+              <a:headEnd type="none" w="med" len="med"/>
+              <a:tailEnd type="arrow" w="med" len="med"/>
+            </a:ln>
+          </p:spPr>
+          <p:style>
+            <a:lnRef idx="1">
+              <a:schemeClr val="accent1"/>
+            </a:lnRef>
+            <a:fillRef idx="0">
+              <a:schemeClr val="accent1"/>
+            </a:fillRef>
+            <a:effectRef idx="0">
+              <a:schemeClr val="accent1"/>
+            </a:effectRef>
+            <a:fontRef idx="minor">
+              <a:schemeClr val="tx1"/>
+            </a:fontRef>
+          </p:style>
+        </p:cxnSp>
+        <mc:AlternateContent xmlns:mc="http://schemas.openxmlformats.org/markup-compatibility/2006">
+          <mc:Choice xmlns:a14="http://schemas.microsoft.com/office/drawing/2010/main" Requires="a14">
+            <p:sp>
+              <p:nvSpPr>
+                <p:cNvPr id="68" name="椭圆 67">
+                  <a:extLst>
+                    <a:ext uri="{FF2B5EF4-FFF2-40B4-BE49-F238E27FC236}">
+                      <a16:creationId xmlns:a16="http://schemas.microsoft.com/office/drawing/2014/main" id="{9C52B902-0C76-4B5C-B772-6F2E6FA7A867}"/>
+                    </a:ext>
+                  </a:extLst>
+                </p:cNvPr>
+                <p:cNvSpPr/>
+                <p:nvPr/>
+              </p:nvSpPr>
+              <p:spPr>
+                <a:xfrm>
+                  <a:off x="7615333" y="1939212"/>
+                  <a:ext cx="541176" cy="541176"/>
+                </a:xfrm>
+                <a:prstGeom prst="ellipse">
+                  <a:avLst/>
+                </a:prstGeom>
+                <a:noFill/>
+                <a:ln w="19050">
+                  <a:solidFill>
+                    <a:schemeClr val="tx1"/>
+                  </a:solidFill>
+                </a:ln>
+              </p:spPr>
+              <p:style>
+                <a:lnRef idx="2">
+                  <a:schemeClr val="accent1">
+                    <a:shade val="50000"/>
+                  </a:schemeClr>
+                </a:lnRef>
+                <a:fillRef idx="1">
+                  <a:schemeClr val="accent1"/>
+                </a:fillRef>
+                <a:effectRef idx="0">
+                  <a:schemeClr val="accent1"/>
+                </a:effectRef>
+                <a:fontRef idx="minor">
+                  <a:schemeClr val="lt1"/>
+                </a:fontRef>
+              </p:style>
+              <p:txBody>
+                <a:bodyPr rtlCol="0" anchor="ctr"/>
+                <a:lstStyle/>
+                <a:p>
+                  <a:pPr algn="ctr"/>
+                  <a14:m>
+                    <m:oMathPara xmlns:m="http://schemas.openxmlformats.org/officeDocument/2006/math">
+                      <m:oMathParaPr>
+                        <m:jc m:val="centerGroup"/>
+                      </m:oMathParaPr>
+                      <m:oMath xmlns:m="http://schemas.openxmlformats.org/officeDocument/2006/math">
+                        <m:r>
+                          <a:rPr lang="en-US" altLang="zh-CN" b="0" i="1" smtClean="0">
+                            <a:solidFill>
+                              <a:sysClr val="windowText" lastClr="000000"/>
+                            </a:solidFill>
+                            <a:latin typeface="Cambria Math" panose="02040503050406030204" pitchFamily="18" charset="0"/>
+                          </a:rPr>
+                          <m:t>𝑓</m:t>
+                        </m:r>
+                      </m:oMath>
+                    </m:oMathPara>
+                  </a14:m>
+                  <a:endParaRPr lang="zh-CN" altLang="en-US" dirty="0">
+                    <a:solidFill>
+                      <a:sysClr val="windowText" lastClr="000000"/>
+                    </a:solidFill>
+                  </a:endParaRPr>
+                </a:p>
+              </p:txBody>
+            </p:sp>
+          </mc:Choice>
+          <mc:Fallback>
+            <p:sp>
+              <p:nvSpPr>
+                <p:cNvPr id="68" name="椭圆 67">
+                  <a:extLst>
+                    <a:ext uri="{FF2B5EF4-FFF2-40B4-BE49-F238E27FC236}">
+                      <a16:creationId xmlns:a16="http://schemas.microsoft.com/office/drawing/2014/main" id="{9C52B902-0C76-4B5C-B772-6F2E6FA7A867}"/>
+                    </a:ext>
+                  </a:extLst>
+                </p:cNvPr>
+                <p:cNvSpPr>
+                  <a:spLocks noRot="1" noChangeAspect="1" noMove="1" noResize="1" noEditPoints="1" noAdjustHandles="1" noChangeArrowheads="1" noChangeShapeType="1" noTextEdit="1"/>
+                </p:cNvSpPr>
+                <p:nvPr/>
+              </p:nvSpPr>
+              <p:spPr>
+                <a:xfrm>
+                  <a:off x="7615333" y="1939212"/>
+                  <a:ext cx="541176" cy="541176"/>
+                </a:xfrm>
+                <a:prstGeom prst="ellipse">
+                  <a:avLst/>
+                </a:prstGeom>
+                <a:blipFill>
+                  <a:blip r:embed="rId23"/>
+                  <a:stretch>
+                    <a:fillRect/>
+                  </a:stretch>
+                </a:blipFill>
+                <a:ln w="19050">
+                  <a:solidFill>
+                    <a:schemeClr val="tx1"/>
+                  </a:solidFill>
+                </a:ln>
+              </p:spPr>
+              <p:txBody>
+                <a:bodyPr/>
+                <a:lstStyle/>
+                <a:p>
+                  <a:r>
+                    <a:rPr lang="zh-CN" altLang="en-US">
+                      <a:noFill/>
+                    </a:rPr>
+                    <a:t> </a:t>
+                  </a:r>
+                </a:p>
+              </p:txBody>
+            </p:sp>
+          </mc:Fallback>
+        </mc:AlternateContent>
+        <mc:AlternateContent xmlns:mc="http://schemas.openxmlformats.org/markup-compatibility/2006">
+          <mc:Choice xmlns:a14="http://schemas.microsoft.com/office/drawing/2010/main" Requires="a14">
+            <p:sp>
+              <p:nvSpPr>
+                <p:cNvPr id="69" name="矩形 68">
+                  <a:extLst>
+                    <a:ext uri="{FF2B5EF4-FFF2-40B4-BE49-F238E27FC236}">
+                      <a16:creationId xmlns:a16="http://schemas.microsoft.com/office/drawing/2014/main" id="{DC010C03-252F-4687-A35A-D31EF662D867}"/>
+                    </a:ext>
+                  </a:extLst>
+                </p:cNvPr>
+                <p:cNvSpPr/>
+                <p:nvPr/>
+              </p:nvSpPr>
+              <p:spPr>
+                <a:xfrm>
+                  <a:off x="8825201" y="1939213"/>
+                  <a:ext cx="721570" cy="541175"/>
+                </a:xfrm>
+                <a:prstGeom prst="rect">
+                  <a:avLst/>
+                </a:prstGeom>
+                <a:noFill/>
+                <a:ln w="19050">
+                  <a:solidFill>
+                    <a:schemeClr val="tx1"/>
+                  </a:solidFill>
+                </a:ln>
+              </p:spPr>
+              <p:style>
+                <a:lnRef idx="2">
+                  <a:schemeClr val="accent1">
+                    <a:shade val="50000"/>
+                  </a:schemeClr>
+                </a:lnRef>
+                <a:fillRef idx="1">
+                  <a:schemeClr val="accent1"/>
+                </a:fillRef>
+                <a:effectRef idx="0">
+                  <a:schemeClr val="accent1"/>
+                </a:effectRef>
+                <a:fontRef idx="minor">
+                  <a:schemeClr val="lt1"/>
+                </a:fontRef>
+              </p:style>
+              <p:txBody>
+                <a:bodyPr rtlCol="0" anchor="ctr"/>
+                <a:lstStyle/>
+                <a:p>
+                  <a:pPr algn="ctr"/>
+                  <a14:m>
+                    <m:oMathPara xmlns:m="http://schemas.openxmlformats.org/officeDocument/2006/math">
+                      <m:oMathParaPr>
+                        <m:jc m:val="centerGroup"/>
+                      </m:oMathParaPr>
+                      <m:oMath xmlns:m="http://schemas.openxmlformats.org/officeDocument/2006/math">
+                        <m:sSubSup>
+                          <m:sSubSupPr>
+                            <m:ctrlPr>
+                              <a:rPr lang="en-US" altLang="zh-CN" i="1" smtClean="0">
+                                <a:solidFill>
+                                  <a:sysClr val="windowText" lastClr="000000"/>
+                                </a:solidFill>
+                                <a:latin typeface="Cambria Math" panose="02040503050406030204" pitchFamily="18" charset="0"/>
+                              </a:rPr>
+                            </m:ctrlPr>
+                          </m:sSubSupPr>
+                          <m:e>
+                            <m:r>
+                              <a:rPr lang="en-US" altLang="zh-CN" b="0" i="1" smtClean="0">
+                                <a:solidFill>
+                                  <a:sysClr val="windowText" lastClr="000000"/>
+                                </a:solidFill>
+                                <a:latin typeface="Cambria Math" panose="02040503050406030204" pitchFamily="18" charset="0"/>
+                              </a:rPr>
+                              <m:t>𝑋</m:t>
+                            </m:r>
+                          </m:e>
+                          <m:sub>
+                            <m:r>
+                              <a:rPr lang="en-US" altLang="zh-CN" b="0" i="1" smtClean="0">
+                                <a:solidFill>
+                                  <a:sysClr val="windowText" lastClr="000000"/>
+                                </a:solidFill>
+                                <a:latin typeface="Cambria Math" panose="02040503050406030204" pitchFamily="18" charset="0"/>
+                              </a:rPr>
+                              <m:t>𝑖</m:t>
+                            </m:r>
+                          </m:sub>
+                          <m:sup>
+                            <m:r>
+                              <a:rPr lang="en-US" altLang="zh-CN" b="0" i="1" smtClean="0">
+                                <a:solidFill>
+                                  <a:sysClr val="windowText" lastClr="000000"/>
+                                </a:solidFill>
+                                <a:latin typeface="Cambria Math" panose="02040503050406030204" pitchFamily="18" charset="0"/>
+                              </a:rPr>
+                              <m:t>𝑙</m:t>
+                            </m:r>
+                          </m:sup>
+                        </m:sSubSup>
+                        <m:d>
+                          <m:dPr>
+                            <m:ctrlPr>
+                              <a:rPr lang="en-US" altLang="zh-CN" b="0" i="1" smtClean="0">
+                                <a:solidFill>
+                                  <a:sysClr val="windowText" lastClr="000000"/>
+                                </a:solidFill>
+                                <a:latin typeface="Cambria Math" panose="02040503050406030204" pitchFamily="18" charset="0"/>
+                              </a:rPr>
+                            </m:ctrlPr>
+                          </m:dPr>
+                          <m:e>
+                            <m:r>
+                              <a:rPr lang="en-US" altLang="zh-CN" b="0" i="1" smtClean="0">
+                                <a:solidFill>
+                                  <a:sysClr val="windowText" lastClr="000000"/>
+                                </a:solidFill>
+                                <a:latin typeface="Cambria Math" panose="02040503050406030204" pitchFamily="18" charset="0"/>
+                              </a:rPr>
+                              <m:t>𝑡</m:t>
+                            </m:r>
+                          </m:e>
+                        </m:d>
+                      </m:oMath>
+                    </m:oMathPara>
+                  </a14:m>
+                  <a:endParaRPr lang="zh-CN" altLang="en-US" dirty="0">
+                    <a:solidFill>
+                      <a:sysClr val="windowText" lastClr="000000"/>
+                    </a:solidFill>
+                  </a:endParaRPr>
+                </a:p>
+              </p:txBody>
+            </p:sp>
+          </mc:Choice>
+          <mc:Fallback>
+            <p:sp>
+              <p:nvSpPr>
+                <p:cNvPr id="69" name="矩形 68">
+                  <a:extLst>
+                    <a:ext uri="{FF2B5EF4-FFF2-40B4-BE49-F238E27FC236}">
+                      <a16:creationId xmlns:a16="http://schemas.microsoft.com/office/drawing/2014/main" id="{DC010C03-252F-4687-A35A-D31EF662D867}"/>
+                    </a:ext>
+                  </a:extLst>
+                </p:cNvPr>
+                <p:cNvSpPr>
+                  <a:spLocks noRot="1" noChangeAspect="1" noMove="1" noResize="1" noEditPoints="1" noAdjustHandles="1" noChangeArrowheads="1" noChangeShapeType="1" noTextEdit="1"/>
+                </p:cNvSpPr>
+                <p:nvPr/>
+              </p:nvSpPr>
+              <p:spPr>
+                <a:xfrm>
+                  <a:off x="8825201" y="1939213"/>
+                  <a:ext cx="721570" cy="541175"/>
+                </a:xfrm>
+                <a:prstGeom prst="rect">
+                  <a:avLst/>
+                </a:prstGeom>
+                <a:blipFill>
+                  <a:blip r:embed="rId24"/>
+                  <a:stretch>
+                    <a:fillRect l="-826"/>
+                  </a:stretch>
+                </a:blipFill>
+                <a:ln w="19050">
+                  <a:solidFill>
+                    <a:schemeClr val="tx1"/>
+                  </a:solidFill>
+                </a:ln>
+              </p:spPr>
+              <p:txBody>
+                <a:bodyPr/>
+                <a:lstStyle/>
+                <a:p>
+                  <a:r>
+                    <a:rPr lang="zh-CN" altLang="en-US">
+                      <a:noFill/>
+                    </a:rPr>
+                    <a:t> </a:t>
+                  </a:r>
+                </a:p>
+              </p:txBody>
+            </p:sp>
+          </mc:Fallback>
+        </mc:AlternateContent>
+        <p:cxnSp>
+          <p:nvCxnSpPr>
+            <p:cNvPr id="19" name="直接箭头连接符 18">
+              <a:extLst>
+                <a:ext uri="{FF2B5EF4-FFF2-40B4-BE49-F238E27FC236}">
+                  <a16:creationId xmlns:a16="http://schemas.microsoft.com/office/drawing/2014/main" id="{1D2D9A62-665E-403D-AEE9-260166C953C5}"/>
+                </a:ext>
+              </a:extLst>
+            </p:cNvPr>
+            <p:cNvCxnSpPr>
+              <a:stCxn id="48" idx="0"/>
+              <a:endCxn id="68" idx="4"/>
+            </p:cNvCxnSpPr>
+            <p:nvPr/>
+          </p:nvCxnSpPr>
+          <p:spPr>
+            <a:xfrm flipH="1" flipV="1">
+              <a:off x="7885921" y="2480388"/>
+              <a:ext cx="1" cy="814877"/>
+            </a:xfrm>
+            <a:prstGeom prst="straightConnector1">
+              <a:avLst/>
+            </a:prstGeom>
+            <a:ln w="19050">
+              <a:solidFill>
+                <a:schemeClr val="tx1"/>
+              </a:solidFill>
+              <a:headEnd type="none" w="med" len="med"/>
+              <a:tailEnd type="arrow" w="med" len="med"/>
+            </a:ln>
+          </p:spPr>
+          <p:style>
+            <a:lnRef idx="1">
+              <a:schemeClr val="accent1"/>
+            </a:lnRef>
+            <a:fillRef idx="0">
+              <a:schemeClr val="accent1"/>
+            </a:fillRef>
+            <a:effectRef idx="0">
+              <a:schemeClr val="accent1"/>
+            </a:effectRef>
+            <a:fontRef idx="minor">
+              <a:schemeClr val="tx1"/>
+            </a:fontRef>
+          </p:style>
+        </p:cxnSp>
+        <p:cxnSp>
+          <p:nvCxnSpPr>
+            <p:cNvPr id="21" name="直接箭头连接符 20">
+              <a:extLst>
+                <a:ext uri="{FF2B5EF4-FFF2-40B4-BE49-F238E27FC236}">
+                  <a16:creationId xmlns:a16="http://schemas.microsoft.com/office/drawing/2014/main" id="{EF08A919-E5C3-4545-99B4-66E89821E9F4}"/>
+                </a:ext>
+              </a:extLst>
+            </p:cNvPr>
+            <p:cNvCxnSpPr>
+              <a:stCxn id="68" idx="6"/>
+              <a:endCxn id="69" idx="1"/>
+            </p:cNvCxnSpPr>
+            <p:nvPr/>
+          </p:nvCxnSpPr>
+          <p:spPr>
+            <a:xfrm>
+              <a:off x="8156509" y="2209800"/>
+              <a:ext cx="668692" cy="1"/>
+            </a:xfrm>
+            <a:prstGeom prst="straightConnector1">
+              <a:avLst/>
+            </a:prstGeom>
+            <a:ln w="19050">
+              <a:solidFill>
+                <a:schemeClr val="tx1"/>
+              </a:solidFill>
+              <a:headEnd type="none" w="med" len="med"/>
+              <a:tailEnd type="arrow" w="med" len="med"/>
+            </a:ln>
+          </p:spPr>
+          <p:style>
+            <a:lnRef idx="1">
+              <a:schemeClr val="accent1"/>
+            </a:lnRef>
+            <a:fillRef idx="0">
+              <a:schemeClr val="accent1"/>
+            </a:fillRef>
+            <a:effectRef idx="0">
+              <a:schemeClr val="accent1"/>
+            </a:effectRef>
+            <a:fontRef idx="minor">
+              <a:schemeClr val="tx1"/>
+            </a:fontRef>
+          </p:style>
+        </p:cxnSp>
+        <p:cxnSp>
+          <p:nvCxnSpPr>
+            <p:cNvPr id="24" name="直接箭头连接符 23">
+              <a:extLst>
+                <a:ext uri="{FF2B5EF4-FFF2-40B4-BE49-F238E27FC236}">
+                  <a16:creationId xmlns:a16="http://schemas.microsoft.com/office/drawing/2014/main" id="{B26192F1-6498-4D77-A7A6-0A07364A805A}"/>
+                </a:ext>
+              </a:extLst>
+            </p:cNvPr>
+            <p:cNvCxnSpPr>
+              <a:cxnSpLocks/>
+              <a:stCxn id="69" idx="3"/>
+            </p:cNvCxnSpPr>
+            <p:nvPr/>
+          </p:nvCxnSpPr>
+          <p:spPr>
+            <a:xfrm>
+              <a:off x="9546771" y="2209801"/>
+              <a:ext cx="1370045" cy="0"/>
+            </a:xfrm>
+            <a:prstGeom prst="straightConnector1">
+              <a:avLst/>
+            </a:prstGeom>
+            <a:ln w="19050">
+              <a:solidFill>
+                <a:schemeClr val="tx1"/>
+              </a:solidFill>
+              <a:headEnd type="none" w="med" len="med"/>
+              <a:tailEnd type="arrow" w="med" len="med"/>
+            </a:ln>
+          </p:spPr>
+          <p:style>
+            <a:lnRef idx="1">
+              <a:schemeClr val="accent1"/>
+            </a:lnRef>
+            <a:fillRef idx="0">
+              <a:schemeClr val="accent1"/>
+            </a:fillRef>
+            <a:effectRef idx="0">
+              <a:schemeClr val="accent1"/>
+            </a:effectRef>
+            <a:fontRef idx="minor">
+              <a:schemeClr val="tx1"/>
+            </a:fontRef>
+          </p:style>
+        </p:cxnSp>
+      </p:grpSp>
+    </p:spTree>
+    <p:extLst>
+      <p:ext uri="{BB962C8B-B14F-4D97-AF65-F5344CB8AC3E}">
+        <p14:creationId xmlns:p14="http://schemas.microsoft.com/office/powerpoint/2010/main" val="3114051156"/>
+      </p:ext>
+    </p:extLst>
+  </p:cSld>
+  <p:clrMapOvr>
+    <a:masterClrMapping/>
+  </p:clrMapOvr>
+</p:sld>
+</file>
+
 <file path=ppt/theme/theme1.xml><?xml version="1.0" encoding="utf-8"?>
 <a:theme xmlns:a="http://schemas.openxmlformats.org/drawingml/2006/main" name="Office 主题​​">
   <a:themeElements>

--- a/note_source/SNN/assets/images.pptx
+++ b/note_source/SNN/assets/images.pptx
@@ -6,8 +6,9 @@
   </p:sldMasterIdLst>
   <p:sldIdLst>
     <p:sldId id="256" r:id="rId2"/>
-    <p:sldId id="260" r:id="rId3"/>
-    <p:sldId id="261" r:id="rId4"/>
+    <p:sldId id="262" r:id="rId3"/>
+    <p:sldId id="260" r:id="rId4"/>
+    <p:sldId id="261" r:id="rId5"/>
   </p:sldIdLst>
   <p:sldSz cx="12192000" cy="6858000"/>
   <p:notesSz cx="6858000" cy="9144000"/>
@@ -3330,6 +3331,2637 @@
       </p:grpSpPr>
       <p:grpSp>
         <p:nvGrpSpPr>
+          <p:cNvPr id="24" name="组合 23">
+            <a:extLst>
+              <a:ext uri="{FF2B5EF4-FFF2-40B4-BE49-F238E27FC236}">
+                <a16:creationId xmlns:a16="http://schemas.microsoft.com/office/drawing/2014/main" id="{E569A11B-4AA8-4E8C-BE30-6BECD1163395}"/>
+              </a:ext>
+            </a:extLst>
+          </p:cNvPr>
+          <p:cNvGrpSpPr/>
+          <p:nvPr/>
+        </p:nvGrpSpPr>
+        <p:grpSpPr>
+          <a:xfrm>
+            <a:off x="614234" y="867834"/>
+            <a:ext cx="10963531" cy="5122331"/>
+            <a:chOff x="513036" y="905932"/>
+            <a:chExt cx="10963531" cy="5122331"/>
+          </a:xfrm>
+        </p:grpSpPr>
+        <p:grpSp>
+          <p:nvGrpSpPr>
+            <p:cNvPr id="7" name="组合 6">
+              <a:extLst>
+                <a:ext uri="{FF2B5EF4-FFF2-40B4-BE49-F238E27FC236}">
+                  <a16:creationId xmlns:a16="http://schemas.microsoft.com/office/drawing/2014/main" id="{842730B5-4C73-43D3-86C7-8CB9977B3CA9}"/>
+                </a:ext>
+              </a:extLst>
+            </p:cNvPr>
+            <p:cNvGrpSpPr/>
+            <p:nvPr/>
+          </p:nvGrpSpPr>
+          <p:grpSpPr>
+            <a:xfrm>
+              <a:off x="10460567" y="3251199"/>
+              <a:ext cx="1016000" cy="397934"/>
+              <a:chOff x="8229600" y="2658533"/>
+              <a:chExt cx="1016000" cy="397934"/>
+            </a:xfrm>
+          </p:grpSpPr>
+          <p:cxnSp>
+            <p:nvCxnSpPr>
+              <p:cNvPr id="5" name="直接连接符 4">
+                <a:extLst>
+                  <a:ext uri="{FF2B5EF4-FFF2-40B4-BE49-F238E27FC236}">
+                    <a16:creationId xmlns:a16="http://schemas.microsoft.com/office/drawing/2014/main" id="{306CA01E-E400-4EA6-B163-3556386BE3FF}"/>
+                  </a:ext>
+                </a:extLst>
+              </p:cNvPr>
+              <p:cNvCxnSpPr/>
+              <p:nvPr/>
+            </p:nvCxnSpPr>
+            <p:spPr>
+              <a:xfrm>
+                <a:off x="8229600" y="2658533"/>
+                <a:ext cx="1016000" cy="0"/>
+              </a:xfrm>
+              <a:prstGeom prst="line">
+                <a:avLst/>
+              </a:prstGeom>
+              <a:ln w="19050">
+                <a:solidFill>
+                  <a:schemeClr val="tx1"/>
+                </a:solidFill>
+              </a:ln>
+            </p:spPr>
+            <p:style>
+              <a:lnRef idx="1">
+                <a:schemeClr val="accent1"/>
+              </a:lnRef>
+              <a:fillRef idx="0">
+                <a:schemeClr val="accent1"/>
+              </a:fillRef>
+              <a:effectRef idx="0">
+                <a:schemeClr val="accent1"/>
+              </a:effectRef>
+              <a:fontRef idx="minor">
+                <a:schemeClr val="tx1"/>
+              </a:fontRef>
+            </p:style>
+          </p:cxnSp>
+          <p:cxnSp>
+            <p:nvCxnSpPr>
+              <p:cNvPr id="57" name="直接连接符 56">
+                <a:extLst>
+                  <a:ext uri="{FF2B5EF4-FFF2-40B4-BE49-F238E27FC236}">
+                    <a16:creationId xmlns:a16="http://schemas.microsoft.com/office/drawing/2014/main" id="{1B49106E-5BEF-4B0E-BA0A-456C35ECD4D4}"/>
+                  </a:ext>
+                </a:extLst>
+              </p:cNvPr>
+              <p:cNvCxnSpPr/>
+              <p:nvPr/>
+            </p:nvCxnSpPr>
+            <p:spPr>
+              <a:xfrm>
+                <a:off x="8229600" y="3056467"/>
+                <a:ext cx="1016000" cy="0"/>
+              </a:xfrm>
+              <a:prstGeom prst="line">
+                <a:avLst/>
+              </a:prstGeom>
+              <a:ln w="19050">
+                <a:solidFill>
+                  <a:schemeClr val="tx1"/>
+                </a:solidFill>
+              </a:ln>
+            </p:spPr>
+            <p:style>
+              <a:lnRef idx="1">
+                <a:schemeClr val="accent1"/>
+              </a:lnRef>
+              <a:fillRef idx="0">
+                <a:schemeClr val="accent1"/>
+              </a:fillRef>
+              <a:effectRef idx="0">
+                <a:schemeClr val="accent1"/>
+              </a:effectRef>
+              <a:fontRef idx="minor">
+                <a:schemeClr val="tx1"/>
+              </a:fontRef>
+            </p:style>
+          </p:cxnSp>
+        </p:grpSp>
+        <p:grpSp>
+          <p:nvGrpSpPr>
+            <p:cNvPr id="59" name="组合 58">
+              <a:extLst>
+                <a:ext uri="{FF2B5EF4-FFF2-40B4-BE49-F238E27FC236}">
+                  <a16:creationId xmlns:a16="http://schemas.microsoft.com/office/drawing/2014/main" id="{53A308EE-FEAE-486B-804C-BEA42E3B17A5}"/>
+                </a:ext>
+              </a:extLst>
+            </p:cNvPr>
+            <p:cNvGrpSpPr/>
+            <p:nvPr/>
+          </p:nvGrpSpPr>
+          <p:grpSpPr>
+            <a:xfrm rot="10800000">
+              <a:off x="7412567" y="4317999"/>
+              <a:ext cx="1016000" cy="397934"/>
+              <a:chOff x="8229600" y="2658533"/>
+              <a:chExt cx="1016000" cy="397934"/>
+            </a:xfrm>
+            <a:noFill/>
+          </p:grpSpPr>
+          <p:cxnSp>
+            <p:nvCxnSpPr>
+              <p:cNvPr id="60" name="直接连接符 59">
+                <a:extLst>
+                  <a:ext uri="{FF2B5EF4-FFF2-40B4-BE49-F238E27FC236}">
+                    <a16:creationId xmlns:a16="http://schemas.microsoft.com/office/drawing/2014/main" id="{94338055-AD43-4103-BEC4-EBD782E2192A}"/>
+                  </a:ext>
+                </a:extLst>
+              </p:cNvPr>
+              <p:cNvCxnSpPr>
+                <a:cxnSpLocks/>
+              </p:cNvCxnSpPr>
+              <p:nvPr/>
+            </p:nvCxnSpPr>
+            <p:spPr>
+              <a:xfrm>
+                <a:off x="8407400" y="2658533"/>
+                <a:ext cx="651934" cy="0"/>
+              </a:xfrm>
+              <a:prstGeom prst="line">
+                <a:avLst/>
+              </a:prstGeom>
+              <a:grpFill/>
+              <a:ln w="19050">
+                <a:solidFill>
+                  <a:schemeClr val="tx1"/>
+                </a:solidFill>
+              </a:ln>
+            </p:spPr>
+            <p:style>
+              <a:lnRef idx="1">
+                <a:schemeClr val="accent1"/>
+              </a:lnRef>
+              <a:fillRef idx="0">
+                <a:schemeClr val="accent1"/>
+              </a:fillRef>
+              <a:effectRef idx="0">
+                <a:schemeClr val="accent1"/>
+              </a:effectRef>
+              <a:fontRef idx="minor">
+                <a:schemeClr val="tx1"/>
+              </a:fontRef>
+            </p:style>
+          </p:cxnSp>
+          <p:cxnSp>
+            <p:nvCxnSpPr>
+              <p:cNvPr id="61" name="直接连接符 60">
+                <a:extLst>
+                  <a:ext uri="{FF2B5EF4-FFF2-40B4-BE49-F238E27FC236}">
+                    <a16:creationId xmlns:a16="http://schemas.microsoft.com/office/drawing/2014/main" id="{E12796FD-20BA-4FA2-A71F-4C2310400CD8}"/>
+                  </a:ext>
+                </a:extLst>
+              </p:cNvPr>
+              <p:cNvCxnSpPr/>
+              <p:nvPr/>
+            </p:nvCxnSpPr>
+            <p:spPr>
+              <a:xfrm>
+                <a:off x="8229600" y="3056467"/>
+                <a:ext cx="1016000" cy="0"/>
+              </a:xfrm>
+              <a:prstGeom prst="line">
+                <a:avLst/>
+              </a:prstGeom>
+              <a:grpFill/>
+              <a:ln w="19050">
+                <a:solidFill>
+                  <a:schemeClr val="tx1"/>
+                </a:solidFill>
+              </a:ln>
+            </p:spPr>
+            <p:style>
+              <a:lnRef idx="1">
+                <a:schemeClr val="accent1"/>
+              </a:lnRef>
+              <a:fillRef idx="0">
+                <a:schemeClr val="accent1"/>
+              </a:fillRef>
+              <a:effectRef idx="0">
+                <a:schemeClr val="accent1"/>
+              </a:effectRef>
+              <a:fontRef idx="minor">
+                <a:schemeClr val="tx1"/>
+              </a:fontRef>
+            </p:style>
+          </p:cxnSp>
+        </p:grpSp>
+        <p:sp>
+          <p:nvSpPr>
+            <p:cNvPr id="9" name="矩形 8">
+              <a:extLst>
+                <a:ext uri="{FF2B5EF4-FFF2-40B4-BE49-F238E27FC236}">
+                  <a16:creationId xmlns:a16="http://schemas.microsoft.com/office/drawing/2014/main" id="{16C873C7-03CA-4E00-AF9C-5E6E28FAD3E4}"/>
+                </a:ext>
+              </a:extLst>
+            </p:cNvPr>
+            <p:cNvSpPr/>
+            <p:nvPr/>
+          </p:nvSpPr>
+          <p:spPr>
+            <a:xfrm>
+              <a:off x="7586135" y="2048934"/>
+              <a:ext cx="651933" cy="1380066"/>
+            </a:xfrm>
+            <a:prstGeom prst="rect">
+              <a:avLst/>
+            </a:prstGeom>
+            <a:noFill/>
+            <a:ln w="19050">
+              <a:solidFill>
+                <a:schemeClr val="tx1"/>
+              </a:solidFill>
+            </a:ln>
+          </p:spPr>
+          <p:style>
+            <a:lnRef idx="2">
+              <a:schemeClr val="accent1">
+                <a:shade val="50000"/>
+              </a:schemeClr>
+            </a:lnRef>
+            <a:fillRef idx="1">
+              <a:schemeClr val="accent1"/>
+            </a:fillRef>
+            <a:effectRef idx="0">
+              <a:schemeClr val="accent1"/>
+            </a:effectRef>
+            <a:fontRef idx="minor">
+              <a:schemeClr val="lt1"/>
+            </a:fontRef>
+          </p:style>
+          <p:txBody>
+            <a:bodyPr rtlCol="0" anchor="ctr"/>
+            <a:lstStyle/>
+            <a:p>
+              <a:pPr algn="ctr"/>
+              <a:endParaRPr lang="zh-CN" altLang="en-US"/>
+            </a:p>
+          </p:txBody>
+        </p:sp>
+        <p:cxnSp>
+          <p:nvCxnSpPr>
+            <p:cNvPr id="12" name="直接连接符 11">
+              <a:extLst>
+                <a:ext uri="{FF2B5EF4-FFF2-40B4-BE49-F238E27FC236}">
+                  <a16:creationId xmlns:a16="http://schemas.microsoft.com/office/drawing/2014/main" id="{081B7876-FBF5-43C3-971C-1FA6AD9F22C9}"/>
+                </a:ext>
+              </a:extLst>
+            </p:cNvPr>
+            <p:cNvCxnSpPr>
+              <a:stCxn id="9" idx="2"/>
+            </p:cNvCxnSpPr>
+            <p:nvPr/>
+          </p:nvCxnSpPr>
+          <p:spPr>
+            <a:xfrm flipH="1">
+              <a:off x="7912101" y="3429000"/>
+              <a:ext cx="1" cy="888999"/>
+            </a:xfrm>
+            <a:prstGeom prst="line">
+              <a:avLst/>
+            </a:prstGeom>
+            <a:ln w="19050">
+              <a:solidFill>
+                <a:schemeClr val="tx1"/>
+              </a:solidFill>
+            </a:ln>
+          </p:spPr>
+          <p:style>
+            <a:lnRef idx="1">
+              <a:schemeClr val="accent1"/>
+            </a:lnRef>
+            <a:fillRef idx="0">
+              <a:schemeClr val="accent1"/>
+            </a:fillRef>
+            <a:effectRef idx="0">
+              <a:schemeClr val="accent1"/>
+            </a:effectRef>
+            <a:fontRef idx="minor">
+              <a:schemeClr val="tx1"/>
+            </a:fontRef>
+          </p:style>
+        </p:cxnSp>
+        <p:cxnSp>
+          <p:nvCxnSpPr>
+            <p:cNvPr id="69" name="直接连接符 68">
+              <a:extLst>
+                <a:ext uri="{FF2B5EF4-FFF2-40B4-BE49-F238E27FC236}">
+                  <a16:creationId xmlns:a16="http://schemas.microsoft.com/office/drawing/2014/main" id="{557537A3-E48D-4F75-B7CF-C63F36F2F3BA}"/>
+                </a:ext>
+              </a:extLst>
+            </p:cNvPr>
+            <p:cNvCxnSpPr>
+              <a:cxnSpLocks/>
+            </p:cNvCxnSpPr>
+            <p:nvPr/>
+          </p:nvCxnSpPr>
+          <p:spPr>
+            <a:xfrm flipH="1">
+              <a:off x="7920567" y="4707467"/>
+              <a:ext cx="1" cy="1312332"/>
+            </a:xfrm>
+            <a:prstGeom prst="line">
+              <a:avLst/>
+            </a:prstGeom>
+            <a:ln w="19050">
+              <a:solidFill>
+                <a:schemeClr val="tx1"/>
+              </a:solidFill>
+            </a:ln>
+          </p:spPr>
+          <p:style>
+            <a:lnRef idx="1">
+              <a:schemeClr val="accent1"/>
+            </a:lnRef>
+            <a:fillRef idx="0">
+              <a:schemeClr val="accent1"/>
+            </a:fillRef>
+            <a:effectRef idx="0">
+              <a:schemeClr val="accent1"/>
+            </a:effectRef>
+            <a:fontRef idx="minor">
+              <a:schemeClr val="tx1"/>
+            </a:fontRef>
+          </p:style>
+        </p:cxnSp>
+        <p:cxnSp>
+          <p:nvCxnSpPr>
+            <p:cNvPr id="71" name="直接连接符 70">
+              <a:extLst>
+                <a:ext uri="{FF2B5EF4-FFF2-40B4-BE49-F238E27FC236}">
+                  <a16:creationId xmlns:a16="http://schemas.microsoft.com/office/drawing/2014/main" id="{BB891A31-3BD8-415F-9FB3-4414510C603F}"/>
+                </a:ext>
+              </a:extLst>
+            </p:cNvPr>
+            <p:cNvCxnSpPr>
+              <a:cxnSpLocks/>
+              <a:endCxn id="9" idx="0"/>
+            </p:cNvCxnSpPr>
+            <p:nvPr/>
+          </p:nvCxnSpPr>
+          <p:spPr>
+            <a:xfrm>
+              <a:off x="7912102" y="905932"/>
+              <a:ext cx="0" cy="1143002"/>
+            </a:xfrm>
+            <a:prstGeom prst="line">
+              <a:avLst/>
+            </a:prstGeom>
+            <a:ln w="19050">
+              <a:solidFill>
+                <a:schemeClr val="tx1"/>
+              </a:solidFill>
+            </a:ln>
+          </p:spPr>
+          <p:style>
+            <a:lnRef idx="1">
+              <a:schemeClr val="accent1"/>
+            </a:lnRef>
+            <a:fillRef idx="0">
+              <a:schemeClr val="accent1"/>
+            </a:fillRef>
+            <a:effectRef idx="0">
+              <a:schemeClr val="accent1"/>
+            </a:effectRef>
+            <a:fontRef idx="minor">
+              <a:schemeClr val="tx1"/>
+            </a:fontRef>
+          </p:style>
+        </p:cxnSp>
+        <p:grpSp>
+          <p:nvGrpSpPr>
+            <p:cNvPr id="78" name="组合 77">
+              <a:extLst>
+                <a:ext uri="{FF2B5EF4-FFF2-40B4-BE49-F238E27FC236}">
+                  <a16:creationId xmlns:a16="http://schemas.microsoft.com/office/drawing/2014/main" id="{F5357CAB-28E4-4705-AF3A-DCFBDDCF97C8}"/>
+                </a:ext>
+              </a:extLst>
+            </p:cNvPr>
+            <p:cNvGrpSpPr/>
+            <p:nvPr/>
+          </p:nvGrpSpPr>
+          <p:grpSpPr>
+            <a:xfrm rot="10800000">
+              <a:off x="3805769" y="4317999"/>
+              <a:ext cx="1016000" cy="397934"/>
+              <a:chOff x="8229600" y="2658533"/>
+              <a:chExt cx="1016000" cy="397934"/>
+            </a:xfrm>
+            <a:noFill/>
+          </p:grpSpPr>
+          <p:cxnSp>
+            <p:nvCxnSpPr>
+              <p:cNvPr id="79" name="直接连接符 78">
+                <a:extLst>
+                  <a:ext uri="{FF2B5EF4-FFF2-40B4-BE49-F238E27FC236}">
+                    <a16:creationId xmlns:a16="http://schemas.microsoft.com/office/drawing/2014/main" id="{275A4B6A-3ECE-4CAA-AB14-4D087F997D33}"/>
+                  </a:ext>
+                </a:extLst>
+              </p:cNvPr>
+              <p:cNvCxnSpPr>
+                <a:cxnSpLocks/>
+              </p:cNvCxnSpPr>
+              <p:nvPr/>
+            </p:nvCxnSpPr>
+            <p:spPr>
+              <a:xfrm>
+                <a:off x="8407400" y="2658533"/>
+                <a:ext cx="651934" cy="0"/>
+              </a:xfrm>
+              <a:prstGeom prst="line">
+                <a:avLst/>
+              </a:prstGeom>
+              <a:grpFill/>
+              <a:ln w="19050">
+                <a:solidFill>
+                  <a:schemeClr val="tx1"/>
+                </a:solidFill>
+              </a:ln>
+            </p:spPr>
+            <p:style>
+              <a:lnRef idx="1">
+                <a:schemeClr val="accent1"/>
+              </a:lnRef>
+              <a:fillRef idx="0">
+                <a:schemeClr val="accent1"/>
+              </a:fillRef>
+              <a:effectRef idx="0">
+                <a:schemeClr val="accent1"/>
+              </a:effectRef>
+              <a:fontRef idx="minor">
+                <a:schemeClr val="tx1"/>
+              </a:fontRef>
+            </p:style>
+          </p:cxnSp>
+          <p:cxnSp>
+            <p:nvCxnSpPr>
+              <p:cNvPr id="80" name="直接连接符 79">
+                <a:extLst>
+                  <a:ext uri="{FF2B5EF4-FFF2-40B4-BE49-F238E27FC236}">
+                    <a16:creationId xmlns:a16="http://schemas.microsoft.com/office/drawing/2014/main" id="{9D64CC22-93D6-4E69-81ED-EFAE7C916E29}"/>
+                  </a:ext>
+                </a:extLst>
+              </p:cNvPr>
+              <p:cNvCxnSpPr/>
+              <p:nvPr/>
+            </p:nvCxnSpPr>
+            <p:spPr>
+              <a:xfrm>
+                <a:off x="8229600" y="3056467"/>
+                <a:ext cx="1016000" cy="0"/>
+              </a:xfrm>
+              <a:prstGeom prst="line">
+                <a:avLst/>
+              </a:prstGeom>
+              <a:grpFill/>
+              <a:ln w="19050">
+                <a:solidFill>
+                  <a:schemeClr val="tx1"/>
+                </a:solidFill>
+              </a:ln>
+            </p:spPr>
+            <p:style>
+              <a:lnRef idx="1">
+                <a:schemeClr val="accent1"/>
+              </a:lnRef>
+              <a:fillRef idx="0">
+                <a:schemeClr val="accent1"/>
+              </a:fillRef>
+              <a:effectRef idx="0">
+                <a:schemeClr val="accent1"/>
+              </a:effectRef>
+              <a:fontRef idx="minor">
+                <a:schemeClr val="tx1"/>
+              </a:fontRef>
+            </p:style>
+          </p:cxnSp>
+        </p:grpSp>
+        <p:sp>
+          <p:nvSpPr>
+            <p:cNvPr id="81" name="矩形 80">
+              <a:extLst>
+                <a:ext uri="{FF2B5EF4-FFF2-40B4-BE49-F238E27FC236}">
+                  <a16:creationId xmlns:a16="http://schemas.microsoft.com/office/drawing/2014/main" id="{38C5B035-89BF-4C59-AD4E-FC690C71F4EC}"/>
+                </a:ext>
+              </a:extLst>
+            </p:cNvPr>
+            <p:cNvSpPr/>
+            <p:nvPr/>
+          </p:nvSpPr>
+          <p:spPr>
+            <a:xfrm>
+              <a:off x="3979337" y="2048934"/>
+              <a:ext cx="651933" cy="1380066"/>
+            </a:xfrm>
+            <a:prstGeom prst="rect">
+              <a:avLst/>
+            </a:prstGeom>
+            <a:noFill/>
+            <a:ln w="19050">
+              <a:solidFill>
+                <a:schemeClr val="tx1"/>
+              </a:solidFill>
+            </a:ln>
+          </p:spPr>
+          <p:style>
+            <a:lnRef idx="2">
+              <a:schemeClr val="accent1">
+                <a:shade val="50000"/>
+              </a:schemeClr>
+            </a:lnRef>
+            <a:fillRef idx="1">
+              <a:schemeClr val="accent1"/>
+            </a:fillRef>
+            <a:effectRef idx="0">
+              <a:schemeClr val="accent1"/>
+            </a:effectRef>
+            <a:fontRef idx="minor">
+              <a:schemeClr val="lt1"/>
+            </a:fontRef>
+          </p:style>
+          <p:txBody>
+            <a:bodyPr rtlCol="0" anchor="ctr"/>
+            <a:lstStyle/>
+            <a:p>
+              <a:pPr algn="ctr"/>
+              <a:endParaRPr lang="zh-CN" altLang="en-US"/>
+            </a:p>
+          </p:txBody>
+        </p:sp>
+        <p:cxnSp>
+          <p:nvCxnSpPr>
+            <p:cNvPr id="82" name="直接连接符 81">
+              <a:extLst>
+                <a:ext uri="{FF2B5EF4-FFF2-40B4-BE49-F238E27FC236}">
+                  <a16:creationId xmlns:a16="http://schemas.microsoft.com/office/drawing/2014/main" id="{EB396D3E-AED6-4C02-946F-EF60912F7DDB}"/>
+                </a:ext>
+              </a:extLst>
+            </p:cNvPr>
+            <p:cNvCxnSpPr>
+              <a:stCxn id="81" idx="2"/>
+            </p:cNvCxnSpPr>
+            <p:nvPr/>
+          </p:nvCxnSpPr>
+          <p:spPr>
+            <a:xfrm flipH="1">
+              <a:off x="4305303" y="3429000"/>
+              <a:ext cx="1" cy="888999"/>
+            </a:xfrm>
+            <a:prstGeom prst="line">
+              <a:avLst/>
+            </a:prstGeom>
+            <a:ln w="19050">
+              <a:solidFill>
+                <a:schemeClr val="tx1"/>
+              </a:solidFill>
+            </a:ln>
+          </p:spPr>
+          <p:style>
+            <a:lnRef idx="1">
+              <a:schemeClr val="accent1"/>
+            </a:lnRef>
+            <a:fillRef idx="0">
+              <a:schemeClr val="accent1"/>
+            </a:fillRef>
+            <a:effectRef idx="0">
+              <a:schemeClr val="accent1"/>
+            </a:effectRef>
+            <a:fontRef idx="minor">
+              <a:schemeClr val="tx1"/>
+            </a:fontRef>
+          </p:style>
+        </p:cxnSp>
+        <p:cxnSp>
+          <p:nvCxnSpPr>
+            <p:cNvPr id="83" name="直接连接符 82">
+              <a:extLst>
+                <a:ext uri="{FF2B5EF4-FFF2-40B4-BE49-F238E27FC236}">
+                  <a16:creationId xmlns:a16="http://schemas.microsoft.com/office/drawing/2014/main" id="{AAB1C9D0-AB17-42EF-8D68-210B9113D872}"/>
+                </a:ext>
+              </a:extLst>
+            </p:cNvPr>
+            <p:cNvCxnSpPr>
+              <a:cxnSpLocks/>
+            </p:cNvCxnSpPr>
+            <p:nvPr/>
+          </p:nvCxnSpPr>
+          <p:spPr>
+            <a:xfrm flipH="1">
+              <a:off x="4313769" y="4707467"/>
+              <a:ext cx="1" cy="1312332"/>
+            </a:xfrm>
+            <a:prstGeom prst="line">
+              <a:avLst/>
+            </a:prstGeom>
+            <a:ln w="19050">
+              <a:solidFill>
+                <a:schemeClr val="tx1"/>
+              </a:solidFill>
+            </a:ln>
+          </p:spPr>
+          <p:style>
+            <a:lnRef idx="1">
+              <a:schemeClr val="accent1"/>
+            </a:lnRef>
+            <a:fillRef idx="0">
+              <a:schemeClr val="accent1"/>
+            </a:fillRef>
+            <a:effectRef idx="0">
+              <a:schemeClr val="accent1"/>
+            </a:effectRef>
+            <a:fontRef idx="minor">
+              <a:schemeClr val="tx1"/>
+            </a:fontRef>
+          </p:style>
+        </p:cxnSp>
+        <p:cxnSp>
+          <p:nvCxnSpPr>
+            <p:cNvPr id="100" name="直接连接符 99">
+              <a:extLst>
+                <a:ext uri="{FF2B5EF4-FFF2-40B4-BE49-F238E27FC236}">
+                  <a16:creationId xmlns:a16="http://schemas.microsoft.com/office/drawing/2014/main" id="{C8840FC2-BA77-4602-AD73-17647F38743C}"/>
+                </a:ext>
+              </a:extLst>
+            </p:cNvPr>
+            <p:cNvCxnSpPr>
+              <a:cxnSpLocks/>
+              <a:endCxn id="81" idx="0"/>
+            </p:cNvCxnSpPr>
+            <p:nvPr/>
+          </p:nvCxnSpPr>
+          <p:spPr>
+            <a:xfrm>
+              <a:off x="4305304" y="905932"/>
+              <a:ext cx="0" cy="1143002"/>
+            </a:xfrm>
+            <a:prstGeom prst="line">
+              <a:avLst/>
+            </a:prstGeom>
+            <a:ln w="19050">
+              <a:solidFill>
+                <a:schemeClr val="tx1"/>
+              </a:solidFill>
+            </a:ln>
+          </p:spPr>
+          <p:style>
+            <a:lnRef idx="1">
+              <a:schemeClr val="accent1"/>
+            </a:lnRef>
+            <a:fillRef idx="0">
+              <a:schemeClr val="accent1"/>
+            </a:fillRef>
+            <a:effectRef idx="0">
+              <a:schemeClr val="accent1"/>
+            </a:effectRef>
+            <a:fontRef idx="minor">
+              <a:schemeClr val="tx1"/>
+            </a:fontRef>
+          </p:style>
+        </p:cxnSp>
+        <p:sp>
+          <p:nvSpPr>
+            <p:cNvPr id="19" name="任意多边形: 形状 18">
+              <a:extLst>
+                <a:ext uri="{FF2B5EF4-FFF2-40B4-BE49-F238E27FC236}">
+                  <a16:creationId xmlns:a16="http://schemas.microsoft.com/office/drawing/2014/main" id="{4DC04D8D-82AF-436B-93F4-9F5ABD96F487}"/>
+                </a:ext>
+              </a:extLst>
+            </p:cNvPr>
+            <p:cNvSpPr/>
+            <p:nvPr/>
+          </p:nvSpPr>
+          <p:spPr>
+            <a:xfrm>
+              <a:off x="1041400" y="905933"/>
+              <a:ext cx="9931400" cy="2345266"/>
+            </a:xfrm>
+            <a:custGeom>
+              <a:avLst/>
+              <a:gdLst>
+                <a:gd name="connsiteX0" fmla="*/ 0 w 9931400"/>
+                <a:gd name="connsiteY0" fmla="*/ 0 h 2345266"/>
+                <a:gd name="connsiteX1" fmla="*/ 9931400 w 9931400"/>
+                <a:gd name="connsiteY1" fmla="*/ 0 h 2345266"/>
+                <a:gd name="connsiteX2" fmla="*/ 9931400 w 9931400"/>
+                <a:gd name="connsiteY2" fmla="*/ 2345266 h 2345266"/>
+              </a:gdLst>
+              <a:ahLst/>
+              <a:cxnLst>
+                <a:cxn ang="0">
+                  <a:pos x="connsiteX0" y="connsiteY0"/>
+                </a:cxn>
+                <a:cxn ang="0">
+                  <a:pos x="connsiteX1" y="connsiteY1"/>
+                </a:cxn>
+                <a:cxn ang="0">
+                  <a:pos x="connsiteX2" y="connsiteY2"/>
+                </a:cxn>
+              </a:cxnLst>
+              <a:rect l="l" t="t" r="r" b="b"/>
+              <a:pathLst>
+                <a:path w="9931400" h="2345266">
+                  <a:moveTo>
+                    <a:pt x="0" y="0"/>
+                  </a:moveTo>
+                  <a:lnTo>
+                    <a:pt x="9931400" y="0"/>
+                  </a:lnTo>
+                  <a:lnTo>
+                    <a:pt x="9931400" y="2345266"/>
+                  </a:lnTo>
+                </a:path>
+              </a:pathLst>
+            </a:custGeom>
+            <a:noFill/>
+            <a:ln w="19050">
+              <a:solidFill>
+                <a:schemeClr val="tx1"/>
+              </a:solidFill>
+            </a:ln>
+          </p:spPr>
+          <p:style>
+            <a:lnRef idx="2">
+              <a:schemeClr val="accent1">
+                <a:shade val="50000"/>
+              </a:schemeClr>
+            </a:lnRef>
+            <a:fillRef idx="1">
+              <a:schemeClr val="accent1"/>
+            </a:fillRef>
+            <a:effectRef idx="0">
+              <a:schemeClr val="accent1"/>
+            </a:effectRef>
+            <a:fontRef idx="minor">
+              <a:schemeClr val="lt1"/>
+            </a:fontRef>
+          </p:style>
+          <p:txBody>
+            <a:bodyPr rtlCol="0" anchor="ctr"/>
+            <a:lstStyle/>
+            <a:p>
+              <a:pPr algn="ctr"/>
+              <a:endParaRPr lang="zh-CN" altLang="en-US"/>
+            </a:p>
+          </p:txBody>
+        </p:sp>
+        <p:sp>
+          <p:nvSpPr>
+            <p:cNvPr id="101" name="任意多边形: 形状 100">
+              <a:extLst>
+                <a:ext uri="{FF2B5EF4-FFF2-40B4-BE49-F238E27FC236}">
+                  <a16:creationId xmlns:a16="http://schemas.microsoft.com/office/drawing/2014/main" id="{DF58B936-9958-44E1-8423-D0669B818C54}"/>
+                </a:ext>
+              </a:extLst>
+            </p:cNvPr>
+            <p:cNvSpPr/>
+            <p:nvPr/>
+          </p:nvSpPr>
+          <p:spPr>
+            <a:xfrm flipV="1">
+              <a:off x="1041400" y="3657599"/>
+              <a:ext cx="9931400" cy="2370664"/>
+            </a:xfrm>
+            <a:custGeom>
+              <a:avLst/>
+              <a:gdLst>
+                <a:gd name="connsiteX0" fmla="*/ 0 w 9931400"/>
+                <a:gd name="connsiteY0" fmla="*/ 0 h 2345266"/>
+                <a:gd name="connsiteX1" fmla="*/ 9931400 w 9931400"/>
+                <a:gd name="connsiteY1" fmla="*/ 0 h 2345266"/>
+                <a:gd name="connsiteX2" fmla="*/ 9931400 w 9931400"/>
+                <a:gd name="connsiteY2" fmla="*/ 2345266 h 2345266"/>
+              </a:gdLst>
+              <a:ahLst/>
+              <a:cxnLst>
+                <a:cxn ang="0">
+                  <a:pos x="connsiteX0" y="connsiteY0"/>
+                </a:cxn>
+                <a:cxn ang="0">
+                  <a:pos x="connsiteX1" y="connsiteY1"/>
+                </a:cxn>
+                <a:cxn ang="0">
+                  <a:pos x="connsiteX2" y="connsiteY2"/>
+                </a:cxn>
+              </a:cxnLst>
+              <a:rect l="l" t="t" r="r" b="b"/>
+              <a:pathLst>
+                <a:path w="9931400" h="2345266">
+                  <a:moveTo>
+                    <a:pt x="0" y="0"/>
+                  </a:moveTo>
+                  <a:lnTo>
+                    <a:pt x="9931400" y="0"/>
+                  </a:lnTo>
+                  <a:lnTo>
+                    <a:pt x="9931400" y="2345266"/>
+                  </a:lnTo>
+                </a:path>
+              </a:pathLst>
+            </a:custGeom>
+            <a:noFill/>
+            <a:ln w="19050">
+              <a:solidFill>
+                <a:schemeClr val="tx1"/>
+              </a:solidFill>
+            </a:ln>
+          </p:spPr>
+          <p:style>
+            <a:lnRef idx="2">
+              <a:schemeClr val="accent1">
+                <a:shade val="50000"/>
+              </a:schemeClr>
+            </a:lnRef>
+            <a:fillRef idx="1">
+              <a:schemeClr val="accent1"/>
+            </a:fillRef>
+            <a:effectRef idx="0">
+              <a:schemeClr val="accent1"/>
+            </a:effectRef>
+            <a:fontRef idx="minor">
+              <a:schemeClr val="lt1"/>
+            </a:fontRef>
+          </p:style>
+          <p:txBody>
+            <a:bodyPr rtlCol="0" anchor="ctr"/>
+            <a:lstStyle/>
+            <a:p>
+              <a:pPr algn="ctr"/>
+              <a:endParaRPr lang="zh-CN" altLang="en-US"/>
+            </a:p>
+          </p:txBody>
+        </p:sp>
+        <p:grpSp>
+          <p:nvGrpSpPr>
+            <p:cNvPr id="102" name="组合 101">
+              <a:extLst>
+                <a:ext uri="{FF2B5EF4-FFF2-40B4-BE49-F238E27FC236}">
+                  <a16:creationId xmlns:a16="http://schemas.microsoft.com/office/drawing/2014/main" id="{F2A2F367-8F33-4B09-8C6D-FCBF41DB0DC1}"/>
+                </a:ext>
+              </a:extLst>
+            </p:cNvPr>
+            <p:cNvGrpSpPr/>
+            <p:nvPr/>
+          </p:nvGrpSpPr>
+          <p:grpSpPr>
+            <a:xfrm>
+              <a:off x="537635" y="4317999"/>
+              <a:ext cx="1016000" cy="397934"/>
+              <a:chOff x="8229600" y="2658533"/>
+              <a:chExt cx="1016000" cy="397934"/>
+            </a:xfrm>
+            <a:noFill/>
+          </p:grpSpPr>
+          <p:cxnSp>
+            <p:nvCxnSpPr>
+              <p:cNvPr id="104" name="直接连接符 103">
+                <a:extLst>
+                  <a:ext uri="{FF2B5EF4-FFF2-40B4-BE49-F238E27FC236}">
+                    <a16:creationId xmlns:a16="http://schemas.microsoft.com/office/drawing/2014/main" id="{BE3C0062-7D59-4E6C-A73F-C984C69C66A2}"/>
+                  </a:ext>
+                </a:extLst>
+              </p:cNvPr>
+              <p:cNvCxnSpPr>
+                <a:cxnSpLocks/>
+              </p:cNvCxnSpPr>
+              <p:nvPr/>
+            </p:nvCxnSpPr>
+            <p:spPr>
+              <a:xfrm>
+                <a:off x="8407400" y="2658533"/>
+                <a:ext cx="651934" cy="0"/>
+              </a:xfrm>
+              <a:prstGeom prst="line">
+                <a:avLst/>
+              </a:prstGeom>
+              <a:grpFill/>
+              <a:ln w="19050">
+                <a:solidFill>
+                  <a:schemeClr val="tx1"/>
+                </a:solidFill>
+              </a:ln>
+            </p:spPr>
+            <p:style>
+              <a:lnRef idx="1">
+                <a:schemeClr val="accent1"/>
+              </a:lnRef>
+              <a:fillRef idx="0">
+                <a:schemeClr val="accent1"/>
+              </a:fillRef>
+              <a:effectRef idx="0">
+                <a:schemeClr val="accent1"/>
+              </a:effectRef>
+              <a:fontRef idx="minor">
+                <a:schemeClr val="tx1"/>
+              </a:fontRef>
+            </p:style>
+          </p:cxnSp>
+          <p:cxnSp>
+            <p:nvCxnSpPr>
+              <p:cNvPr id="106" name="直接连接符 105">
+                <a:extLst>
+                  <a:ext uri="{FF2B5EF4-FFF2-40B4-BE49-F238E27FC236}">
+                    <a16:creationId xmlns:a16="http://schemas.microsoft.com/office/drawing/2014/main" id="{0192F941-DDAD-4C1A-BCBD-0393A5CD26BC}"/>
+                  </a:ext>
+                </a:extLst>
+              </p:cNvPr>
+              <p:cNvCxnSpPr/>
+              <p:nvPr/>
+            </p:nvCxnSpPr>
+            <p:spPr>
+              <a:xfrm>
+                <a:off x="8229600" y="3056467"/>
+                <a:ext cx="1016000" cy="0"/>
+              </a:xfrm>
+              <a:prstGeom prst="line">
+                <a:avLst/>
+              </a:prstGeom>
+              <a:grpFill/>
+              <a:ln w="19050">
+                <a:solidFill>
+                  <a:schemeClr val="tx1"/>
+                </a:solidFill>
+              </a:ln>
+            </p:spPr>
+            <p:style>
+              <a:lnRef idx="1">
+                <a:schemeClr val="accent1"/>
+              </a:lnRef>
+              <a:fillRef idx="0">
+                <a:schemeClr val="accent1"/>
+              </a:fillRef>
+              <a:effectRef idx="0">
+                <a:schemeClr val="accent1"/>
+              </a:effectRef>
+              <a:fontRef idx="minor">
+                <a:schemeClr val="tx1"/>
+              </a:fontRef>
+            </p:style>
+          </p:cxnSp>
+        </p:grpSp>
+        <p:sp>
+          <p:nvSpPr>
+            <p:cNvPr id="108" name="矩形 107">
+              <a:extLst>
+                <a:ext uri="{FF2B5EF4-FFF2-40B4-BE49-F238E27FC236}">
+                  <a16:creationId xmlns:a16="http://schemas.microsoft.com/office/drawing/2014/main" id="{EF4DD0E2-05E1-404A-9C85-51987A467653}"/>
+                </a:ext>
+              </a:extLst>
+            </p:cNvPr>
+            <p:cNvSpPr/>
+            <p:nvPr/>
+          </p:nvSpPr>
+          <p:spPr>
+            <a:xfrm>
+              <a:off x="711203" y="2048934"/>
+              <a:ext cx="651933" cy="1380066"/>
+            </a:xfrm>
+            <a:prstGeom prst="rect">
+              <a:avLst/>
+            </a:prstGeom>
+            <a:noFill/>
+            <a:ln w="19050">
+              <a:solidFill>
+                <a:schemeClr val="tx1"/>
+              </a:solidFill>
+            </a:ln>
+          </p:spPr>
+          <p:style>
+            <a:lnRef idx="2">
+              <a:schemeClr val="accent1">
+                <a:shade val="50000"/>
+              </a:schemeClr>
+            </a:lnRef>
+            <a:fillRef idx="1">
+              <a:schemeClr val="accent1"/>
+            </a:fillRef>
+            <a:effectRef idx="0">
+              <a:schemeClr val="accent1"/>
+            </a:effectRef>
+            <a:fontRef idx="minor">
+              <a:schemeClr val="lt1"/>
+            </a:fontRef>
+          </p:style>
+          <p:txBody>
+            <a:bodyPr rtlCol="0" anchor="ctr"/>
+            <a:lstStyle/>
+            <a:p>
+              <a:pPr algn="ctr"/>
+              <a:endParaRPr lang="zh-CN" altLang="en-US"/>
+            </a:p>
+          </p:txBody>
+        </p:sp>
+        <p:cxnSp>
+          <p:nvCxnSpPr>
+            <p:cNvPr id="110" name="直接连接符 109">
+              <a:extLst>
+                <a:ext uri="{FF2B5EF4-FFF2-40B4-BE49-F238E27FC236}">
+                  <a16:creationId xmlns:a16="http://schemas.microsoft.com/office/drawing/2014/main" id="{9EFB7934-1AC2-4669-A700-D9A0121E8B97}"/>
+                </a:ext>
+              </a:extLst>
+            </p:cNvPr>
+            <p:cNvCxnSpPr>
+              <a:stCxn id="108" idx="2"/>
+            </p:cNvCxnSpPr>
+            <p:nvPr/>
+          </p:nvCxnSpPr>
+          <p:spPr>
+            <a:xfrm flipH="1">
+              <a:off x="1037169" y="3429000"/>
+              <a:ext cx="1" cy="888999"/>
+            </a:xfrm>
+            <a:prstGeom prst="line">
+              <a:avLst/>
+            </a:prstGeom>
+            <a:ln w="19050">
+              <a:solidFill>
+                <a:schemeClr val="tx1"/>
+              </a:solidFill>
+            </a:ln>
+          </p:spPr>
+          <p:style>
+            <a:lnRef idx="1">
+              <a:schemeClr val="accent1"/>
+            </a:lnRef>
+            <a:fillRef idx="0">
+              <a:schemeClr val="accent1"/>
+            </a:fillRef>
+            <a:effectRef idx="0">
+              <a:schemeClr val="accent1"/>
+            </a:effectRef>
+            <a:fontRef idx="minor">
+              <a:schemeClr val="tx1"/>
+            </a:fontRef>
+          </p:style>
+        </p:cxnSp>
+        <p:cxnSp>
+          <p:nvCxnSpPr>
+            <p:cNvPr id="112" name="直接连接符 111">
+              <a:extLst>
+                <a:ext uri="{FF2B5EF4-FFF2-40B4-BE49-F238E27FC236}">
+                  <a16:creationId xmlns:a16="http://schemas.microsoft.com/office/drawing/2014/main" id="{2A2C2E43-AD43-49BD-B145-92FFE9ADCF4B}"/>
+                </a:ext>
+              </a:extLst>
+            </p:cNvPr>
+            <p:cNvCxnSpPr>
+              <a:cxnSpLocks/>
+            </p:cNvCxnSpPr>
+            <p:nvPr/>
+          </p:nvCxnSpPr>
+          <p:spPr>
+            <a:xfrm flipH="1">
+              <a:off x="1045635" y="4707467"/>
+              <a:ext cx="1" cy="1312332"/>
+            </a:xfrm>
+            <a:prstGeom prst="line">
+              <a:avLst/>
+            </a:prstGeom>
+            <a:ln w="19050">
+              <a:solidFill>
+                <a:schemeClr val="tx1"/>
+              </a:solidFill>
+            </a:ln>
+          </p:spPr>
+          <p:style>
+            <a:lnRef idx="1">
+              <a:schemeClr val="accent1"/>
+            </a:lnRef>
+            <a:fillRef idx="0">
+              <a:schemeClr val="accent1"/>
+            </a:fillRef>
+            <a:effectRef idx="0">
+              <a:schemeClr val="accent1"/>
+            </a:effectRef>
+            <a:fontRef idx="minor">
+              <a:schemeClr val="tx1"/>
+            </a:fontRef>
+          </p:style>
+        </p:cxnSp>
+        <p:cxnSp>
+          <p:nvCxnSpPr>
+            <p:cNvPr id="114" name="直接连接符 113">
+              <a:extLst>
+                <a:ext uri="{FF2B5EF4-FFF2-40B4-BE49-F238E27FC236}">
+                  <a16:creationId xmlns:a16="http://schemas.microsoft.com/office/drawing/2014/main" id="{0F61F07C-0236-4BC9-BB0F-3C89EE0DC405}"/>
+                </a:ext>
+              </a:extLst>
+            </p:cNvPr>
+            <p:cNvCxnSpPr>
+              <a:cxnSpLocks/>
+              <a:endCxn id="108" idx="0"/>
+            </p:cNvCxnSpPr>
+            <p:nvPr/>
+          </p:nvCxnSpPr>
+          <p:spPr>
+            <a:xfrm>
+              <a:off x="1037170" y="905932"/>
+              <a:ext cx="0" cy="1143002"/>
+            </a:xfrm>
+            <a:prstGeom prst="line">
+              <a:avLst/>
+            </a:prstGeom>
+            <a:ln w="19050">
+              <a:solidFill>
+                <a:schemeClr val="tx1"/>
+              </a:solidFill>
+            </a:ln>
+          </p:spPr>
+          <p:style>
+            <a:lnRef idx="1">
+              <a:schemeClr val="accent1"/>
+            </a:lnRef>
+            <a:fillRef idx="0">
+              <a:schemeClr val="accent1"/>
+            </a:fillRef>
+            <a:effectRef idx="0">
+              <a:schemeClr val="accent1"/>
+            </a:effectRef>
+            <a:fontRef idx="minor">
+              <a:schemeClr val="tx1"/>
+            </a:fontRef>
+          </p:style>
+        </p:cxnSp>
+        <mc:AlternateContent xmlns:mc="http://schemas.openxmlformats.org/markup-compatibility/2006">
+          <mc:Choice xmlns:a14="http://schemas.microsoft.com/office/drawing/2010/main" Requires="a14">
+            <p:sp>
+              <p:nvSpPr>
+                <p:cNvPr id="20" name="文本框 19">
+                  <a:extLst>
+                    <a:ext uri="{FF2B5EF4-FFF2-40B4-BE49-F238E27FC236}">
+                      <a16:creationId xmlns:a16="http://schemas.microsoft.com/office/drawing/2014/main" id="{7934A1B2-F7FE-47C2-BFFC-63408FB1C555}"/>
+                    </a:ext>
+                  </a:extLst>
+                </p:cNvPr>
+                <p:cNvSpPr txBox="1"/>
+                <p:nvPr/>
+              </p:nvSpPr>
+              <p:spPr>
+                <a:xfrm>
+                  <a:off x="4594684" y="3938600"/>
+                  <a:ext cx="420308" cy="369332"/>
+                </a:xfrm>
+                <a:prstGeom prst="rect">
+                  <a:avLst/>
+                </a:prstGeom>
+                <a:noFill/>
+              </p:spPr>
+              <p:txBody>
+                <a:bodyPr wrap="none" rtlCol="0">
+                  <a:spAutoFit/>
+                </a:bodyPr>
+                <a:lstStyle/>
+                <a:p>
+                  <a14:m>
+                    <m:oMathPara xmlns:m="http://schemas.openxmlformats.org/officeDocument/2006/math">
+                      <m:oMathParaPr>
+                        <m:jc m:val="centerGroup"/>
+                      </m:oMathParaPr>
+                      <m:oMath xmlns:m="http://schemas.openxmlformats.org/officeDocument/2006/math">
+                        <m:r>
+                          <a:rPr lang="en-US" altLang="zh-CN" i="1" dirty="0" smtClean="0">
+                            <a:latin typeface="Cambria Math" panose="02040503050406030204" pitchFamily="18" charset="0"/>
+                          </a:rPr>
+                          <m:t>+</m:t>
+                        </m:r>
+                      </m:oMath>
+                    </m:oMathPara>
+                  </a14:m>
+                  <a:endParaRPr lang="zh-CN" altLang="en-US" dirty="0"/>
+                </a:p>
+              </p:txBody>
+            </p:sp>
+          </mc:Choice>
+          <mc:Fallback>
+            <p:sp>
+              <p:nvSpPr>
+                <p:cNvPr id="20" name="文本框 19">
+                  <a:extLst>
+                    <a:ext uri="{FF2B5EF4-FFF2-40B4-BE49-F238E27FC236}">
+                      <a16:creationId xmlns:a16="http://schemas.microsoft.com/office/drawing/2014/main" id="{7934A1B2-F7FE-47C2-BFFC-63408FB1C555}"/>
+                    </a:ext>
+                  </a:extLst>
+                </p:cNvPr>
+                <p:cNvSpPr txBox="1">
+                  <a:spLocks noRot="1" noChangeAspect="1" noMove="1" noResize="1" noEditPoints="1" noAdjustHandles="1" noChangeArrowheads="1" noChangeShapeType="1" noTextEdit="1"/>
+                </p:cNvSpPr>
+                <p:nvPr/>
+              </p:nvSpPr>
+              <p:spPr>
+                <a:xfrm>
+                  <a:off x="4594684" y="3938600"/>
+                  <a:ext cx="420308" cy="369332"/>
+                </a:xfrm>
+                <a:prstGeom prst="rect">
+                  <a:avLst/>
+                </a:prstGeom>
+                <a:blipFill>
+                  <a:blip r:embed="rId2"/>
+                  <a:stretch>
+                    <a:fillRect/>
+                  </a:stretch>
+                </a:blipFill>
+              </p:spPr>
+              <p:txBody>
+                <a:bodyPr/>
+                <a:lstStyle/>
+                <a:p>
+                  <a:r>
+                    <a:rPr lang="zh-CN" altLang="en-US">
+                      <a:noFill/>
+                    </a:rPr>
+                    <a:t> </a:t>
+                  </a:r>
+                </a:p>
+              </p:txBody>
+            </p:sp>
+          </mc:Fallback>
+        </mc:AlternateContent>
+        <mc:AlternateContent xmlns:mc="http://schemas.openxmlformats.org/markup-compatibility/2006">
+          <mc:Choice xmlns:a14="http://schemas.microsoft.com/office/drawing/2010/main" Requires="a14">
+            <p:sp>
+              <p:nvSpPr>
+                <p:cNvPr id="116" name="文本框 115">
+                  <a:extLst>
+                    <a:ext uri="{FF2B5EF4-FFF2-40B4-BE49-F238E27FC236}">
+                      <a16:creationId xmlns:a16="http://schemas.microsoft.com/office/drawing/2014/main" id="{A93D0BB7-A52D-46A1-9930-31437355C8B6}"/>
+                    </a:ext>
+                  </a:extLst>
+                </p:cNvPr>
+                <p:cNvSpPr txBox="1"/>
+                <p:nvPr/>
+              </p:nvSpPr>
+              <p:spPr>
+                <a:xfrm>
+                  <a:off x="4594684" y="4714331"/>
+                  <a:ext cx="420307" cy="369332"/>
+                </a:xfrm>
+                <a:prstGeom prst="rect">
+                  <a:avLst/>
+                </a:prstGeom>
+                <a:noFill/>
+              </p:spPr>
+              <p:txBody>
+                <a:bodyPr wrap="none" rtlCol="0">
+                  <a:spAutoFit/>
+                </a:bodyPr>
+                <a:lstStyle/>
+                <a:p>
+                  <a14:m>
+                    <m:oMathPara xmlns:m="http://schemas.openxmlformats.org/officeDocument/2006/math">
+                      <m:oMathParaPr>
+                        <m:jc m:val="centerGroup"/>
+                      </m:oMathParaPr>
+                      <m:oMath xmlns:m="http://schemas.openxmlformats.org/officeDocument/2006/math">
+                        <m:r>
+                          <a:rPr lang="en-US" altLang="zh-CN" b="0" i="1" smtClean="0">
+                            <a:latin typeface="Cambria Math" panose="02040503050406030204" pitchFamily="18" charset="0"/>
+                          </a:rPr>
+                          <m:t>−</m:t>
+                        </m:r>
+                      </m:oMath>
+                    </m:oMathPara>
+                  </a14:m>
+                  <a:endParaRPr lang="zh-CN" altLang="en-US" dirty="0"/>
+                </a:p>
+              </p:txBody>
+            </p:sp>
+          </mc:Choice>
+          <mc:Fallback>
+            <p:sp>
+              <p:nvSpPr>
+                <p:cNvPr id="116" name="文本框 115">
+                  <a:extLst>
+                    <a:ext uri="{FF2B5EF4-FFF2-40B4-BE49-F238E27FC236}">
+                      <a16:creationId xmlns:a16="http://schemas.microsoft.com/office/drawing/2014/main" id="{A93D0BB7-A52D-46A1-9930-31437355C8B6}"/>
+                    </a:ext>
+                  </a:extLst>
+                </p:cNvPr>
+                <p:cNvSpPr txBox="1">
+                  <a:spLocks noRot="1" noChangeAspect="1" noMove="1" noResize="1" noEditPoints="1" noAdjustHandles="1" noChangeArrowheads="1" noChangeShapeType="1" noTextEdit="1"/>
+                </p:cNvSpPr>
+                <p:nvPr/>
+              </p:nvSpPr>
+              <p:spPr>
+                <a:xfrm>
+                  <a:off x="4594684" y="4714331"/>
+                  <a:ext cx="420307" cy="369332"/>
+                </a:xfrm>
+                <a:prstGeom prst="rect">
+                  <a:avLst/>
+                </a:prstGeom>
+                <a:blipFill>
+                  <a:blip r:embed="rId3"/>
+                  <a:stretch>
+                    <a:fillRect/>
+                  </a:stretch>
+                </a:blipFill>
+              </p:spPr>
+              <p:txBody>
+                <a:bodyPr/>
+                <a:lstStyle/>
+                <a:p>
+                  <a:r>
+                    <a:rPr lang="zh-CN" altLang="en-US">
+                      <a:noFill/>
+                    </a:rPr>
+                    <a:t> </a:t>
+                  </a:r>
+                </a:p>
+              </p:txBody>
+            </p:sp>
+          </mc:Fallback>
+        </mc:AlternateContent>
+        <mc:AlternateContent xmlns:mc="http://schemas.openxmlformats.org/markup-compatibility/2006">
+          <mc:Choice xmlns:a14="http://schemas.microsoft.com/office/drawing/2010/main" Requires="a14">
+            <p:sp>
+              <p:nvSpPr>
+                <p:cNvPr id="121" name="文本框 120">
+                  <a:extLst>
+                    <a:ext uri="{FF2B5EF4-FFF2-40B4-BE49-F238E27FC236}">
+                      <a16:creationId xmlns:a16="http://schemas.microsoft.com/office/drawing/2014/main" id="{0CA0DD44-79DF-4D95-94FF-A3F4F5C6F41E}"/>
+                    </a:ext>
+                  </a:extLst>
+                </p:cNvPr>
+                <p:cNvSpPr txBox="1"/>
+                <p:nvPr/>
+              </p:nvSpPr>
+              <p:spPr>
+                <a:xfrm>
+                  <a:off x="8201482" y="3938600"/>
+                  <a:ext cx="420308" cy="369332"/>
+                </a:xfrm>
+                <a:prstGeom prst="rect">
+                  <a:avLst/>
+                </a:prstGeom>
+                <a:noFill/>
+              </p:spPr>
+              <p:txBody>
+                <a:bodyPr wrap="none" rtlCol="0">
+                  <a:spAutoFit/>
+                </a:bodyPr>
+                <a:lstStyle/>
+                <a:p>
+                  <a14:m>
+                    <m:oMathPara xmlns:m="http://schemas.openxmlformats.org/officeDocument/2006/math">
+                      <m:oMathParaPr>
+                        <m:jc m:val="centerGroup"/>
+                      </m:oMathParaPr>
+                      <m:oMath xmlns:m="http://schemas.openxmlformats.org/officeDocument/2006/math">
+                        <m:r>
+                          <a:rPr lang="en-US" altLang="zh-CN" i="1" dirty="0" smtClean="0">
+                            <a:latin typeface="Cambria Math" panose="02040503050406030204" pitchFamily="18" charset="0"/>
+                          </a:rPr>
+                          <m:t>+</m:t>
+                        </m:r>
+                      </m:oMath>
+                    </m:oMathPara>
+                  </a14:m>
+                  <a:endParaRPr lang="zh-CN" altLang="en-US" dirty="0"/>
+                </a:p>
+              </p:txBody>
+            </p:sp>
+          </mc:Choice>
+          <mc:Fallback>
+            <p:sp>
+              <p:nvSpPr>
+                <p:cNvPr id="121" name="文本框 120">
+                  <a:extLst>
+                    <a:ext uri="{FF2B5EF4-FFF2-40B4-BE49-F238E27FC236}">
+                      <a16:creationId xmlns:a16="http://schemas.microsoft.com/office/drawing/2014/main" id="{0CA0DD44-79DF-4D95-94FF-A3F4F5C6F41E}"/>
+                    </a:ext>
+                  </a:extLst>
+                </p:cNvPr>
+                <p:cNvSpPr txBox="1">
+                  <a:spLocks noRot="1" noChangeAspect="1" noMove="1" noResize="1" noEditPoints="1" noAdjustHandles="1" noChangeArrowheads="1" noChangeShapeType="1" noTextEdit="1"/>
+                </p:cNvSpPr>
+                <p:nvPr/>
+              </p:nvSpPr>
+              <p:spPr>
+                <a:xfrm>
+                  <a:off x="8201482" y="3938600"/>
+                  <a:ext cx="420308" cy="369332"/>
+                </a:xfrm>
+                <a:prstGeom prst="rect">
+                  <a:avLst/>
+                </a:prstGeom>
+                <a:blipFill>
+                  <a:blip r:embed="rId4"/>
+                  <a:stretch>
+                    <a:fillRect/>
+                  </a:stretch>
+                </a:blipFill>
+              </p:spPr>
+              <p:txBody>
+                <a:bodyPr/>
+                <a:lstStyle/>
+                <a:p>
+                  <a:r>
+                    <a:rPr lang="zh-CN" altLang="en-US">
+                      <a:noFill/>
+                    </a:rPr>
+                    <a:t> </a:t>
+                  </a:r>
+                </a:p>
+              </p:txBody>
+            </p:sp>
+          </mc:Fallback>
+        </mc:AlternateContent>
+        <mc:AlternateContent xmlns:mc="http://schemas.openxmlformats.org/markup-compatibility/2006">
+          <mc:Choice xmlns:a14="http://schemas.microsoft.com/office/drawing/2010/main" Requires="a14">
+            <p:sp>
+              <p:nvSpPr>
+                <p:cNvPr id="122" name="文本框 121">
+                  <a:extLst>
+                    <a:ext uri="{FF2B5EF4-FFF2-40B4-BE49-F238E27FC236}">
+                      <a16:creationId xmlns:a16="http://schemas.microsoft.com/office/drawing/2014/main" id="{F1F0CE4C-F244-4EA1-9FD6-BA1A7A0B547A}"/>
+                    </a:ext>
+                  </a:extLst>
+                </p:cNvPr>
+                <p:cNvSpPr txBox="1"/>
+                <p:nvPr/>
+              </p:nvSpPr>
+              <p:spPr>
+                <a:xfrm>
+                  <a:off x="8201482" y="4714331"/>
+                  <a:ext cx="420307" cy="369332"/>
+                </a:xfrm>
+                <a:prstGeom prst="rect">
+                  <a:avLst/>
+                </a:prstGeom>
+                <a:noFill/>
+              </p:spPr>
+              <p:txBody>
+                <a:bodyPr wrap="none" rtlCol="0">
+                  <a:spAutoFit/>
+                </a:bodyPr>
+                <a:lstStyle/>
+                <a:p>
+                  <a14:m>
+                    <m:oMathPara xmlns:m="http://schemas.openxmlformats.org/officeDocument/2006/math">
+                      <m:oMathParaPr>
+                        <m:jc m:val="centerGroup"/>
+                      </m:oMathParaPr>
+                      <m:oMath xmlns:m="http://schemas.openxmlformats.org/officeDocument/2006/math">
+                        <m:r>
+                          <a:rPr lang="en-US" altLang="zh-CN" b="0" i="1" smtClean="0">
+                            <a:latin typeface="Cambria Math" panose="02040503050406030204" pitchFamily="18" charset="0"/>
+                          </a:rPr>
+                          <m:t>−</m:t>
+                        </m:r>
+                      </m:oMath>
+                    </m:oMathPara>
+                  </a14:m>
+                  <a:endParaRPr lang="zh-CN" altLang="en-US" dirty="0"/>
+                </a:p>
+              </p:txBody>
+            </p:sp>
+          </mc:Choice>
+          <mc:Fallback>
+            <p:sp>
+              <p:nvSpPr>
+                <p:cNvPr id="122" name="文本框 121">
+                  <a:extLst>
+                    <a:ext uri="{FF2B5EF4-FFF2-40B4-BE49-F238E27FC236}">
+                      <a16:creationId xmlns:a16="http://schemas.microsoft.com/office/drawing/2014/main" id="{F1F0CE4C-F244-4EA1-9FD6-BA1A7A0B547A}"/>
+                    </a:ext>
+                  </a:extLst>
+                </p:cNvPr>
+                <p:cNvSpPr txBox="1">
+                  <a:spLocks noRot="1" noChangeAspect="1" noMove="1" noResize="1" noEditPoints="1" noAdjustHandles="1" noChangeArrowheads="1" noChangeShapeType="1" noTextEdit="1"/>
+                </p:cNvSpPr>
+                <p:nvPr/>
+              </p:nvSpPr>
+              <p:spPr>
+                <a:xfrm>
+                  <a:off x="8201482" y="4714331"/>
+                  <a:ext cx="420307" cy="369332"/>
+                </a:xfrm>
+                <a:prstGeom prst="rect">
+                  <a:avLst/>
+                </a:prstGeom>
+                <a:blipFill>
+                  <a:blip r:embed="rId5"/>
+                  <a:stretch>
+                    <a:fillRect/>
+                  </a:stretch>
+                </a:blipFill>
+              </p:spPr>
+              <p:txBody>
+                <a:bodyPr/>
+                <a:lstStyle/>
+                <a:p>
+                  <a:r>
+                    <a:rPr lang="zh-CN" altLang="en-US">
+                      <a:noFill/>
+                    </a:rPr>
+                    <a:t> </a:t>
+                  </a:r>
+                </a:p>
+              </p:txBody>
+            </p:sp>
+          </mc:Fallback>
+        </mc:AlternateContent>
+        <mc:AlternateContent xmlns:mc="http://schemas.openxmlformats.org/markup-compatibility/2006">
+          <mc:Choice xmlns:a14="http://schemas.microsoft.com/office/drawing/2010/main" Requires="a14">
+            <p:sp>
+              <p:nvSpPr>
+                <p:cNvPr id="124" name="文本框 123">
+                  <a:extLst>
+                    <a:ext uri="{FF2B5EF4-FFF2-40B4-BE49-F238E27FC236}">
+                      <a16:creationId xmlns:a16="http://schemas.microsoft.com/office/drawing/2014/main" id="{FA28F67D-13E5-43D1-915A-EAF0F42C178D}"/>
+                    </a:ext>
+                  </a:extLst>
+                </p:cNvPr>
+                <p:cNvSpPr txBox="1"/>
+                <p:nvPr/>
+              </p:nvSpPr>
+              <p:spPr>
+                <a:xfrm>
+                  <a:off x="1326550" y="4707467"/>
+                  <a:ext cx="420308" cy="369332"/>
+                </a:xfrm>
+                <a:prstGeom prst="rect">
+                  <a:avLst/>
+                </a:prstGeom>
+                <a:noFill/>
+              </p:spPr>
+              <p:txBody>
+                <a:bodyPr wrap="none" rtlCol="0">
+                  <a:spAutoFit/>
+                </a:bodyPr>
+                <a:lstStyle/>
+                <a:p>
+                  <a14:m>
+                    <m:oMathPara xmlns:m="http://schemas.openxmlformats.org/officeDocument/2006/math">
+                      <m:oMathParaPr>
+                        <m:jc m:val="centerGroup"/>
+                      </m:oMathParaPr>
+                      <m:oMath xmlns:m="http://schemas.openxmlformats.org/officeDocument/2006/math">
+                        <m:r>
+                          <a:rPr lang="en-US" altLang="zh-CN" i="1" dirty="0" smtClean="0">
+                            <a:latin typeface="Cambria Math" panose="02040503050406030204" pitchFamily="18" charset="0"/>
+                          </a:rPr>
+                          <m:t>+</m:t>
+                        </m:r>
+                      </m:oMath>
+                    </m:oMathPara>
+                  </a14:m>
+                  <a:endParaRPr lang="zh-CN" altLang="en-US" dirty="0"/>
+                </a:p>
+              </p:txBody>
+            </p:sp>
+          </mc:Choice>
+          <mc:Fallback>
+            <p:sp>
+              <p:nvSpPr>
+                <p:cNvPr id="124" name="文本框 123">
+                  <a:extLst>
+                    <a:ext uri="{FF2B5EF4-FFF2-40B4-BE49-F238E27FC236}">
+                      <a16:creationId xmlns:a16="http://schemas.microsoft.com/office/drawing/2014/main" id="{FA28F67D-13E5-43D1-915A-EAF0F42C178D}"/>
+                    </a:ext>
+                  </a:extLst>
+                </p:cNvPr>
+                <p:cNvSpPr txBox="1">
+                  <a:spLocks noRot="1" noChangeAspect="1" noMove="1" noResize="1" noEditPoints="1" noAdjustHandles="1" noChangeArrowheads="1" noChangeShapeType="1" noTextEdit="1"/>
+                </p:cNvSpPr>
+                <p:nvPr/>
+              </p:nvSpPr>
+              <p:spPr>
+                <a:xfrm>
+                  <a:off x="1326550" y="4707467"/>
+                  <a:ext cx="420308" cy="369332"/>
+                </a:xfrm>
+                <a:prstGeom prst="rect">
+                  <a:avLst/>
+                </a:prstGeom>
+                <a:blipFill>
+                  <a:blip r:embed="rId6"/>
+                  <a:stretch>
+                    <a:fillRect/>
+                  </a:stretch>
+                </a:blipFill>
+              </p:spPr>
+              <p:txBody>
+                <a:bodyPr/>
+                <a:lstStyle/>
+                <a:p>
+                  <a:r>
+                    <a:rPr lang="zh-CN" altLang="en-US">
+                      <a:noFill/>
+                    </a:rPr>
+                    <a:t> </a:t>
+                  </a:r>
+                </a:p>
+              </p:txBody>
+            </p:sp>
+          </mc:Fallback>
+        </mc:AlternateContent>
+        <mc:AlternateContent xmlns:mc="http://schemas.openxmlformats.org/markup-compatibility/2006">
+          <mc:Choice xmlns:a14="http://schemas.microsoft.com/office/drawing/2010/main" Requires="a14">
+            <p:sp>
+              <p:nvSpPr>
+                <p:cNvPr id="125" name="文本框 124">
+                  <a:extLst>
+                    <a:ext uri="{FF2B5EF4-FFF2-40B4-BE49-F238E27FC236}">
+                      <a16:creationId xmlns:a16="http://schemas.microsoft.com/office/drawing/2014/main" id="{065CD279-FD2C-4C64-BB57-CC36D03EE3B3}"/>
+                    </a:ext>
+                  </a:extLst>
+                </p:cNvPr>
+                <p:cNvSpPr txBox="1"/>
+                <p:nvPr/>
+              </p:nvSpPr>
+              <p:spPr>
+                <a:xfrm>
+                  <a:off x="1326550" y="3948667"/>
+                  <a:ext cx="420307" cy="369332"/>
+                </a:xfrm>
+                <a:prstGeom prst="rect">
+                  <a:avLst/>
+                </a:prstGeom>
+                <a:noFill/>
+              </p:spPr>
+              <p:txBody>
+                <a:bodyPr wrap="none" rtlCol="0">
+                  <a:spAutoFit/>
+                </a:bodyPr>
+                <a:lstStyle/>
+                <a:p>
+                  <a14:m>
+                    <m:oMathPara xmlns:m="http://schemas.openxmlformats.org/officeDocument/2006/math">
+                      <m:oMathParaPr>
+                        <m:jc m:val="centerGroup"/>
+                      </m:oMathParaPr>
+                      <m:oMath xmlns:m="http://schemas.openxmlformats.org/officeDocument/2006/math">
+                        <m:r>
+                          <a:rPr lang="en-US" altLang="zh-CN" b="0" i="1" smtClean="0">
+                            <a:latin typeface="Cambria Math" panose="02040503050406030204" pitchFamily="18" charset="0"/>
+                          </a:rPr>
+                          <m:t>−</m:t>
+                        </m:r>
+                      </m:oMath>
+                    </m:oMathPara>
+                  </a14:m>
+                  <a:endParaRPr lang="zh-CN" altLang="en-US" dirty="0"/>
+                </a:p>
+              </p:txBody>
+            </p:sp>
+          </mc:Choice>
+          <mc:Fallback>
+            <p:sp>
+              <p:nvSpPr>
+                <p:cNvPr id="125" name="文本框 124">
+                  <a:extLst>
+                    <a:ext uri="{FF2B5EF4-FFF2-40B4-BE49-F238E27FC236}">
+                      <a16:creationId xmlns:a16="http://schemas.microsoft.com/office/drawing/2014/main" id="{065CD279-FD2C-4C64-BB57-CC36D03EE3B3}"/>
+                    </a:ext>
+                  </a:extLst>
+                </p:cNvPr>
+                <p:cNvSpPr txBox="1">
+                  <a:spLocks noRot="1" noChangeAspect="1" noMove="1" noResize="1" noEditPoints="1" noAdjustHandles="1" noChangeArrowheads="1" noChangeShapeType="1" noTextEdit="1"/>
+                </p:cNvSpPr>
+                <p:nvPr/>
+              </p:nvSpPr>
+              <p:spPr>
+                <a:xfrm>
+                  <a:off x="1326550" y="3948667"/>
+                  <a:ext cx="420307" cy="369332"/>
+                </a:xfrm>
+                <a:prstGeom prst="rect">
+                  <a:avLst/>
+                </a:prstGeom>
+                <a:blipFill>
+                  <a:blip r:embed="rId7"/>
+                  <a:stretch>
+                    <a:fillRect/>
+                  </a:stretch>
+                </a:blipFill>
+              </p:spPr>
+              <p:txBody>
+                <a:bodyPr/>
+                <a:lstStyle/>
+                <a:p>
+                  <a:r>
+                    <a:rPr lang="zh-CN" altLang="en-US">
+                      <a:noFill/>
+                    </a:rPr>
+                    <a:t> </a:t>
+                  </a:r>
+                </a:p>
+              </p:txBody>
+            </p:sp>
+          </mc:Fallback>
+        </mc:AlternateContent>
+        <mc:AlternateContent xmlns:mc="http://schemas.openxmlformats.org/markup-compatibility/2006">
+          <mc:Choice xmlns:a14="http://schemas.microsoft.com/office/drawing/2010/main" Requires="a14">
+            <p:sp>
+              <p:nvSpPr>
+                <p:cNvPr id="126" name="文本框 125">
+                  <a:extLst>
+                    <a:ext uri="{FF2B5EF4-FFF2-40B4-BE49-F238E27FC236}">
+                      <a16:creationId xmlns:a16="http://schemas.microsoft.com/office/drawing/2014/main" id="{A188CFA1-BE39-4F8F-87C5-7381B1A9338E}"/>
+                    </a:ext>
+                  </a:extLst>
+                </p:cNvPr>
+                <p:cNvSpPr txBox="1"/>
+                <p:nvPr/>
+              </p:nvSpPr>
+              <p:spPr>
+                <a:xfrm>
+                  <a:off x="8572502" y="4351865"/>
+                  <a:ext cx="484492" cy="369332"/>
+                </a:xfrm>
+                <a:prstGeom prst="rect">
+                  <a:avLst/>
+                </a:prstGeom>
+                <a:noFill/>
+              </p:spPr>
+              <p:txBody>
+                <a:bodyPr wrap="none" rtlCol="0">
+                  <a:spAutoFit/>
+                </a:bodyPr>
+                <a:lstStyle/>
+                <a:p>
+                  <a14:m>
+                    <m:oMathPara xmlns:m="http://schemas.openxmlformats.org/officeDocument/2006/math">
+                      <m:oMathParaPr>
+                        <m:jc m:val="centerGroup"/>
+                      </m:oMathParaPr>
+                      <m:oMath xmlns:m="http://schemas.openxmlformats.org/officeDocument/2006/math">
+                        <m:sSub>
+                          <m:sSubPr>
+                            <m:ctrlPr>
+                              <a:rPr lang="en-US" altLang="zh-CN" b="0" i="1" dirty="0" smtClean="0">
+                                <a:latin typeface="Cambria Math" panose="02040503050406030204" pitchFamily="18" charset="0"/>
+                              </a:rPr>
+                            </m:ctrlPr>
+                          </m:sSubPr>
+                          <m:e>
+                            <m:r>
+                              <a:rPr lang="en-US" altLang="zh-CN" b="0" i="1" dirty="0" smtClean="0">
+                                <a:latin typeface="Cambria Math" panose="02040503050406030204" pitchFamily="18" charset="0"/>
+                              </a:rPr>
+                              <m:t>𝐸</m:t>
+                            </m:r>
+                          </m:e>
+                          <m:sub>
+                            <m:r>
+                              <a:rPr lang="en-US" altLang="zh-CN" b="0" i="1" dirty="0" smtClean="0">
+                                <a:latin typeface="Cambria Math" panose="02040503050406030204" pitchFamily="18" charset="0"/>
+                              </a:rPr>
+                              <m:t>𝐿</m:t>
+                            </m:r>
+                          </m:sub>
+                        </m:sSub>
+                      </m:oMath>
+                    </m:oMathPara>
+                  </a14:m>
+                  <a:endParaRPr lang="zh-CN" altLang="en-US" dirty="0"/>
+                </a:p>
+              </p:txBody>
+            </p:sp>
+          </mc:Choice>
+          <mc:Fallback>
+            <p:sp>
+              <p:nvSpPr>
+                <p:cNvPr id="126" name="文本框 125">
+                  <a:extLst>
+                    <a:ext uri="{FF2B5EF4-FFF2-40B4-BE49-F238E27FC236}">
+                      <a16:creationId xmlns:a16="http://schemas.microsoft.com/office/drawing/2014/main" id="{A188CFA1-BE39-4F8F-87C5-7381B1A9338E}"/>
+                    </a:ext>
+                  </a:extLst>
+                </p:cNvPr>
+                <p:cNvSpPr txBox="1">
+                  <a:spLocks noRot="1" noChangeAspect="1" noMove="1" noResize="1" noEditPoints="1" noAdjustHandles="1" noChangeArrowheads="1" noChangeShapeType="1" noTextEdit="1"/>
+                </p:cNvSpPr>
+                <p:nvPr/>
+              </p:nvSpPr>
+              <p:spPr>
+                <a:xfrm>
+                  <a:off x="8572502" y="4351865"/>
+                  <a:ext cx="484492" cy="369332"/>
+                </a:xfrm>
+                <a:prstGeom prst="rect">
+                  <a:avLst/>
+                </a:prstGeom>
+                <a:blipFill>
+                  <a:blip r:embed="rId8"/>
+                  <a:stretch>
+                    <a:fillRect/>
+                  </a:stretch>
+                </a:blipFill>
+              </p:spPr>
+              <p:txBody>
+                <a:bodyPr/>
+                <a:lstStyle/>
+                <a:p>
+                  <a:r>
+                    <a:rPr lang="zh-CN" altLang="en-US">
+                      <a:noFill/>
+                    </a:rPr>
+                    <a:t> </a:t>
+                  </a:r>
+                </a:p>
+              </p:txBody>
+            </p:sp>
+          </mc:Fallback>
+        </mc:AlternateContent>
+        <mc:AlternateContent xmlns:mc="http://schemas.openxmlformats.org/markup-compatibility/2006">
+          <mc:Choice xmlns:a14="http://schemas.microsoft.com/office/drawing/2010/main" Requires="a14">
+            <p:sp>
+              <p:nvSpPr>
+                <p:cNvPr id="127" name="文本框 126">
+                  <a:extLst>
+                    <a:ext uri="{FF2B5EF4-FFF2-40B4-BE49-F238E27FC236}">
+                      <a16:creationId xmlns:a16="http://schemas.microsoft.com/office/drawing/2014/main" id="{B6F19C8F-DD66-48F6-8B9D-C5B940C15E8C}"/>
+                    </a:ext>
+                  </a:extLst>
+                </p:cNvPr>
+                <p:cNvSpPr txBox="1"/>
+                <p:nvPr/>
+              </p:nvSpPr>
+              <p:spPr>
+                <a:xfrm>
+                  <a:off x="4965704" y="4358732"/>
+                  <a:ext cx="625171" cy="369332"/>
+                </a:xfrm>
+                <a:prstGeom prst="rect">
+                  <a:avLst/>
+                </a:prstGeom>
+                <a:noFill/>
+              </p:spPr>
+              <p:txBody>
+                <a:bodyPr wrap="none" rtlCol="0">
+                  <a:spAutoFit/>
+                </a:bodyPr>
+                <a:lstStyle/>
+                <a:p>
+                  <a14:m>
+                    <m:oMathPara xmlns:m="http://schemas.openxmlformats.org/officeDocument/2006/math">
+                      <m:oMathParaPr>
+                        <m:jc m:val="centerGroup"/>
+                      </m:oMathParaPr>
+                      <m:oMath xmlns:m="http://schemas.openxmlformats.org/officeDocument/2006/math">
+                        <m:sSub>
+                          <m:sSubPr>
+                            <m:ctrlPr>
+                              <a:rPr lang="en-US" altLang="zh-CN" b="0" i="1" dirty="0" smtClean="0">
+                                <a:latin typeface="Cambria Math" panose="02040503050406030204" pitchFamily="18" charset="0"/>
+                              </a:rPr>
+                            </m:ctrlPr>
+                          </m:sSubPr>
+                          <m:e>
+                            <m:r>
+                              <a:rPr lang="en-US" altLang="zh-CN" b="0" i="1" dirty="0" smtClean="0">
+                                <a:latin typeface="Cambria Math" panose="02040503050406030204" pitchFamily="18" charset="0"/>
+                              </a:rPr>
+                              <m:t>𝐸</m:t>
+                            </m:r>
+                          </m:e>
+                          <m:sub>
+                            <m:r>
+                              <a:rPr lang="en-US" altLang="zh-CN" b="0" i="1" dirty="0" smtClean="0">
+                                <a:latin typeface="Cambria Math" panose="02040503050406030204" pitchFamily="18" charset="0"/>
+                              </a:rPr>
+                              <m:t>𝑁𝑎</m:t>
+                            </m:r>
+                          </m:sub>
+                        </m:sSub>
+                      </m:oMath>
+                    </m:oMathPara>
+                  </a14:m>
+                  <a:endParaRPr lang="zh-CN" altLang="en-US" dirty="0"/>
+                </a:p>
+              </p:txBody>
+            </p:sp>
+          </mc:Choice>
+          <mc:Fallback>
+            <p:sp>
+              <p:nvSpPr>
+                <p:cNvPr id="127" name="文本框 126">
+                  <a:extLst>
+                    <a:ext uri="{FF2B5EF4-FFF2-40B4-BE49-F238E27FC236}">
+                      <a16:creationId xmlns:a16="http://schemas.microsoft.com/office/drawing/2014/main" id="{B6F19C8F-DD66-48F6-8B9D-C5B940C15E8C}"/>
+                    </a:ext>
+                  </a:extLst>
+                </p:cNvPr>
+                <p:cNvSpPr txBox="1">
+                  <a:spLocks noRot="1" noChangeAspect="1" noMove="1" noResize="1" noEditPoints="1" noAdjustHandles="1" noChangeArrowheads="1" noChangeShapeType="1" noTextEdit="1"/>
+                </p:cNvSpPr>
+                <p:nvPr/>
+              </p:nvSpPr>
+              <p:spPr>
+                <a:xfrm>
+                  <a:off x="4965704" y="4358732"/>
+                  <a:ext cx="625171" cy="369332"/>
+                </a:xfrm>
+                <a:prstGeom prst="rect">
+                  <a:avLst/>
+                </a:prstGeom>
+                <a:blipFill>
+                  <a:blip r:embed="rId9"/>
+                  <a:stretch>
+                    <a:fillRect/>
+                  </a:stretch>
+                </a:blipFill>
+              </p:spPr>
+              <p:txBody>
+                <a:bodyPr/>
+                <a:lstStyle/>
+                <a:p>
+                  <a:r>
+                    <a:rPr lang="zh-CN" altLang="en-US">
+                      <a:noFill/>
+                    </a:rPr>
+                    <a:t> </a:t>
+                  </a:r>
+                </a:p>
+              </p:txBody>
+            </p:sp>
+          </mc:Fallback>
+        </mc:AlternateContent>
+        <mc:AlternateContent xmlns:mc="http://schemas.openxmlformats.org/markup-compatibility/2006">
+          <mc:Choice xmlns:a14="http://schemas.microsoft.com/office/drawing/2010/main" Requires="a14">
+            <p:sp>
+              <p:nvSpPr>
+                <p:cNvPr id="128" name="文本框 127">
+                  <a:extLst>
+                    <a:ext uri="{FF2B5EF4-FFF2-40B4-BE49-F238E27FC236}">
+                      <a16:creationId xmlns:a16="http://schemas.microsoft.com/office/drawing/2014/main" id="{C0AA37B0-CA58-4E78-A65A-6179359C5E22}"/>
+                    </a:ext>
+                  </a:extLst>
+                </p:cNvPr>
+                <p:cNvSpPr txBox="1"/>
+                <p:nvPr/>
+              </p:nvSpPr>
+              <p:spPr>
+                <a:xfrm>
+                  <a:off x="1697570" y="4351865"/>
+                  <a:ext cx="515526" cy="369332"/>
+                </a:xfrm>
+                <a:prstGeom prst="rect">
+                  <a:avLst/>
+                </a:prstGeom>
+                <a:noFill/>
+              </p:spPr>
+              <p:txBody>
+                <a:bodyPr wrap="none" rtlCol="0">
+                  <a:spAutoFit/>
+                </a:bodyPr>
+                <a:lstStyle/>
+                <a:p>
+                  <a14:m>
+                    <m:oMathPara xmlns:m="http://schemas.openxmlformats.org/officeDocument/2006/math">
+                      <m:oMathParaPr>
+                        <m:jc m:val="centerGroup"/>
+                      </m:oMathParaPr>
+                      <m:oMath xmlns:m="http://schemas.openxmlformats.org/officeDocument/2006/math">
+                        <m:sSub>
+                          <m:sSubPr>
+                            <m:ctrlPr>
+                              <a:rPr lang="en-US" altLang="zh-CN" b="0" i="1" dirty="0" smtClean="0">
+                                <a:latin typeface="Cambria Math" panose="02040503050406030204" pitchFamily="18" charset="0"/>
+                              </a:rPr>
+                            </m:ctrlPr>
+                          </m:sSubPr>
+                          <m:e>
+                            <m:r>
+                              <a:rPr lang="en-US" altLang="zh-CN" b="0" i="1" dirty="0" smtClean="0">
+                                <a:latin typeface="Cambria Math" panose="02040503050406030204" pitchFamily="18" charset="0"/>
+                              </a:rPr>
+                              <m:t>𝐸</m:t>
+                            </m:r>
+                          </m:e>
+                          <m:sub>
+                            <m:r>
+                              <a:rPr lang="en-US" altLang="zh-CN" b="0" i="1" dirty="0" smtClean="0">
+                                <a:latin typeface="Cambria Math" panose="02040503050406030204" pitchFamily="18" charset="0"/>
+                              </a:rPr>
+                              <m:t>𝐾</m:t>
+                            </m:r>
+                          </m:sub>
+                        </m:sSub>
+                      </m:oMath>
+                    </m:oMathPara>
+                  </a14:m>
+                  <a:endParaRPr lang="zh-CN" altLang="en-US" dirty="0"/>
+                </a:p>
+              </p:txBody>
+            </p:sp>
+          </mc:Choice>
+          <mc:Fallback>
+            <p:sp>
+              <p:nvSpPr>
+                <p:cNvPr id="128" name="文本框 127">
+                  <a:extLst>
+                    <a:ext uri="{FF2B5EF4-FFF2-40B4-BE49-F238E27FC236}">
+                      <a16:creationId xmlns:a16="http://schemas.microsoft.com/office/drawing/2014/main" id="{C0AA37B0-CA58-4E78-A65A-6179359C5E22}"/>
+                    </a:ext>
+                  </a:extLst>
+                </p:cNvPr>
+                <p:cNvSpPr txBox="1">
+                  <a:spLocks noRot="1" noChangeAspect="1" noMove="1" noResize="1" noEditPoints="1" noAdjustHandles="1" noChangeArrowheads="1" noChangeShapeType="1" noTextEdit="1"/>
+                </p:cNvSpPr>
+                <p:nvPr/>
+              </p:nvSpPr>
+              <p:spPr>
+                <a:xfrm>
+                  <a:off x="1697570" y="4351865"/>
+                  <a:ext cx="515526" cy="369332"/>
+                </a:xfrm>
+                <a:prstGeom prst="rect">
+                  <a:avLst/>
+                </a:prstGeom>
+                <a:blipFill>
+                  <a:blip r:embed="rId10"/>
+                  <a:stretch>
+                    <a:fillRect/>
+                  </a:stretch>
+                </a:blipFill>
+              </p:spPr>
+              <p:txBody>
+                <a:bodyPr/>
+                <a:lstStyle/>
+                <a:p>
+                  <a:r>
+                    <a:rPr lang="zh-CN" altLang="en-US">
+                      <a:noFill/>
+                    </a:rPr>
+                    <a:t> </a:t>
+                  </a:r>
+                </a:p>
+              </p:txBody>
+            </p:sp>
+          </mc:Fallback>
+        </mc:AlternateContent>
+        <mc:AlternateContent xmlns:mc="http://schemas.openxmlformats.org/markup-compatibility/2006">
+          <mc:Choice xmlns:a14="http://schemas.microsoft.com/office/drawing/2010/main" Requires="a14">
+            <p:sp>
+              <p:nvSpPr>
+                <p:cNvPr id="130" name="文本框 129">
+                  <a:extLst>
+                    <a:ext uri="{FF2B5EF4-FFF2-40B4-BE49-F238E27FC236}">
+                      <a16:creationId xmlns:a16="http://schemas.microsoft.com/office/drawing/2014/main" id="{04E02BCB-AE59-41F3-9203-D553D02A4A6B}"/>
+                    </a:ext>
+                  </a:extLst>
+                </p:cNvPr>
+                <p:cNvSpPr txBox="1"/>
+                <p:nvPr/>
+              </p:nvSpPr>
+              <p:spPr>
+                <a:xfrm>
+                  <a:off x="8325378" y="2577073"/>
+                  <a:ext cx="485774" cy="369332"/>
+                </a:xfrm>
+                <a:prstGeom prst="rect">
+                  <a:avLst/>
+                </a:prstGeom>
+                <a:noFill/>
+              </p:spPr>
+              <p:txBody>
+                <a:bodyPr wrap="none" rtlCol="0">
+                  <a:spAutoFit/>
+                </a:bodyPr>
+                <a:lstStyle/>
+                <a:p>
+                  <a14:m>
+                    <m:oMathPara xmlns:m="http://schemas.openxmlformats.org/officeDocument/2006/math">
+                      <m:oMathParaPr>
+                        <m:jc m:val="centerGroup"/>
+                      </m:oMathParaPr>
+                      <m:oMath xmlns:m="http://schemas.openxmlformats.org/officeDocument/2006/math">
+                        <m:sSub>
+                          <m:sSubPr>
+                            <m:ctrlPr>
+                              <a:rPr lang="en-US" altLang="zh-CN" b="0" i="1" dirty="0" smtClean="0">
+                                <a:latin typeface="Cambria Math" panose="02040503050406030204" pitchFamily="18" charset="0"/>
+                              </a:rPr>
+                            </m:ctrlPr>
+                          </m:sSubPr>
+                          <m:e>
+                            <m:r>
+                              <a:rPr lang="en-US" altLang="zh-CN" b="0" i="1" dirty="0" smtClean="0">
+                                <a:latin typeface="Cambria Math" panose="02040503050406030204" pitchFamily="18" charset="0"/>
+                              </a:rPr>
+                              <m:t>𝑔</m:t>
+                            </m:r>
+                          </m:e>
+                          <m:sub>
+                            <m:r>
+                              <a:rPr lang="en-US" altLang="zh-CN" b="0" i="1" dirty="0" smtClean="0">
+                                <a:latin typeface="Cambria Math" panose="02040503050406030204" pitchFamily="18" charset="0"/>
+                              </a:rPr>
+                              <m:t>𝐿</m:t>
+                            </m:r>
+                          </m:sub>
+                        </m:sSub>
+                      </m:oMath>
+                    </m:oMathPara>
+                  </a14:m>
+                  <a:endParaRPr lang="zh-CN" altLang="en-US" dirty="0"/>
+                </a:p>
+              </p:txBody>
+            </p:sp>
+          </mc:Choice>
+          <mc:Fallback>
+            <p:sp>
+              <p:nvSpPr>
+                <p:cNvPr id="130" name="文本框 129">
+                  <a:extLst>
+                    <a:ext uri="{FF2B5EF4-FFF2-40B4-BE49-F238E27FC236}">
+                      <a16:creationId xmlns:a16="http://schemas.microsoft.com/office/drawing/2014/main" id="{04E02BCB-AE59-41F3-9203-D553D02A4A6B}"/>
+                    </a:ext>
+                  </a:extLst>
+                </p:cNvPr>
+                <p:cNvSpPr txBox="1">
+                  <a:spLocks noRot="1" noChangeAspect="1" noMove="1" noResize="1" noEditPoints="1" noAdjustHandles="1" noChangeArrowheads="1" noChangeShapeType="1" noTextEdit="1"/>
+                </p:cNvSpPr>
+                <p:nvPr/>
+              </p:nvSpPr>
+              <p:spPr>
+                <a:xfrm>
+                  <a:off x="8325378" y="2577073"/>
+                  <a:ext cx="485774" cy="369332"/>
+                </a:xfrm>
+                <a:prstGeom prst="rect">
+                  <a:avLst/>
+                </a:prstGeom>
+                <a:blipFill>
+                  <a:blip r:embed="rId11"/>
+                  <a:stretch>
+                    <a:fillRect b="-6557"/>
+                  </a:stretch>
+                </a:blipFill>
+              </p:spPr>
+              <p:txBody>
+                <a:bodyPr/>
+                <a:lstStyle/>
+                <a:p>
+                  <a:r>
+                    <a:rPr lang="zh-CN" altLang="en-US">
+                      <a:noFill/>
+                    </a:rPr>
+                    <a:t> </a:t>
+                  </a:r>
+                </a:p>
+              </p:txBody>
+            </p:sp>
+          </mc:Fallback>
+        </mc:AlternateContent>
+        <mc:AlternateContent xmlns:mc="http://schemas.openxmlformats.org/markup-compatibility/2006">
+          <mc:Choice xmlns:a14="http://schemas.microsoft.com/office/drawing/2010/main" Requires="a14">
+            <p:sp>
+              <p:nvSpPr>
+                <p:cNvPr id="136" name="文本框 135">
+                  <a:extLst>
+                    <a:ext uri="{FF2B5EF4-FFF2-40B4-BE49-F238E27FC236}">
+                      <a16:creationId xmlns:a16="http://schemas.microsoft.com/office/drawing/2014/main" id="{A9D4D029-27AB-4B67-B999-02057EF250BD}"/>
+                    </a:ext>
+                  </a:extLst>
+                </p:cNvPr>
+                <p:cNvSpPr txBox="1"/>
+                <p:nvPr/>
+              </p:nvSpPr>
+              <p:spPr>
+                <a:xfrm>
+                  <a:off x="4701764" y="2568603"/>
+                  <a:ext cx="626454" cy="369332"/>
+                </a:xfrm>
+                <a:prstGeom prst="rect">
+                  <a:avLst/>
+                </a:prstGeom>
+                <a:noFill/>
+              </p:spPr>
+              <p:txBody>
+                <a:bodyPr wrap="none" rtlCol="0">
+                  <a:spAutoFit/>
+                </a:bodyPr>
+                <a:lstStyle/>
+                <a:p>
+                  <a14:m>
+                    <m:oMathPara xmlns:m="http://schemas.openxmlformats.org/officeDocument/2006/math">
+                      <m:oMathParaPr>
+                        <m:jc m:val="centerGroup"/>
+                      </m:oMathParaPr>
+                      <m:oMath xmlns:m="http://schemas.openxmlformats.org/officeDocument/2006/math">
+                        <m:sSub>
+                          <m:sSubPr>
+                            <m:ctrlPr>
+                              <a:rPr lang="en-US" altLang="zh-CN" b="0" i="1" dirty="0" smtClean="0">
+                                <a:latin typeface="Cambria Math" panose="02040503050406030204" pitchFamily="18" charset="0"/>
+                              </a:rPr>
+                            </m:ctrlPr>
+                          </m:sSubPr>
+                          <m:e>
+                            <m:r>
+                              <a:rPr lang="en-US" altLang="zh-CN" b="0" i="1" dirty="0" smtClean="0">
+                                <a:latin typeface="Cambria Math" panose="02040503050406030204" pitchFamily="18" charset="0"/>
+                              </a:rPr>
+                              <m:t>𝑔</m:t>
+                            </m:r>
+                          </m:e>
+                          <m:sub>
+                            <m:r>
+                              <a:rPr lang="en-US" altLang="zh-CN" b="0" i="1" dirty="0" smtClean="0">
+                                <a:latin typeface="Cambria Math" panose="02040503050406030204" pitchFamily="18" charset="0"/>
+                              </a:rPr>
+                              <m:t>𝑁𝑎</m:t>
+                            </m:r>
+                          </m:sub>
+                        </m:sSub>
+                      </m:oMath>
+                    </m:oMathPara>
+                  </a14:m>
+                  <a:endParaRPr lang="zh-CN" altLang="en-US" dirty="0"/>
+                </a:p>
+              </p:txBody>
+            </p:sp>
+          </mc:Choice>
+          <mc:Fallback>
+            <p:sp>
+              <p:nvSpPr>
+                <p:cNvPr id="136" name="文本框 135">
+                  <a:extLst>
+                    <a:ext uri="{FF2B5EF4-FFF2-40B4-BE49-F238E27FC236}">
+                      <a16:creationId xmlns:a16="http://schemas.microsoft.com/office/drawing/2014/main" id="{A9D4D029-27AB-4B67-B999-02057EF250BD}"/>
+                    </a:ext>
+                  </a:extLst>
+                </p:cNvPr>
+                <p:cNvSpPr txBox="1">
+                  <a:spLocks noRot="1" noChangeAspect="1" noMove="1" noResize="1" noEditPoints="1" noAdjustHandles="1" noChangeArrowheads="1" noChangeShapeType="1" noTextEdit="1"/>
+                </p:cNvSpPr>
+                <p:nvPr/>
+              </p:nvSpPr>
+              <p:spPr>
+                <a:xfrm>
+                  <a:off x="4701764" y="2568603"/>
+                  <a:ext cx="626454" cy="369332"/>
+                </a:xfrm>
+                <a:prstGeom prst="rect">
+                  <a:avLst/>
+                </a:prstGeom>
+                <a:blipFill>
+                  <a:blip r:embed="rId12"/>
+                  <a:stretch>
+                    <a:fillRect b="-6557"/>
+                  </a:stretch>
+                </a:blipFill>
+              </p:spPr>
+              <p:txBody>
+                <a:bodyPr/>
+                <a:lstStyle/>
+                <a:p>
+                  <a:r>
+                    <a:rPr lang="zh-CN" altLang="en-US">
+                      <a:noFill/>
+                    </a:rPr>
+                    <a:t> </a:t>
+                  </a:r>
+                </a:p>
+              </p:txBody>
+            </p:sp>
+          </mc:Fallback>
+        </mc:AlternateContent>
+        <mc:AlternateContent xmlns:mc="http://schemas.openxmlformats.org/markup-compatibility/2006">
+          <mc:Choice xmlns:a14="http://schemas.microsoft.com/office/drawing/2010/main" Requires="a14">
+            <p:sp>
+              <p:nvSpPr>
+                <p:cNvPr id="137" name="文本框 136">
+                  <a:extLst>
+                    <a:ext uri="{FF2B5EF4-FFF2-40B4-BE49-F238E27FC236}">
+                      <a16:creationId xmlns:a16="http://schemas.microsoft.com/office/drawing/2014/main" id="{32A59395-B72F-4A63-A1FE-AE26EA14A3CF}"/>
+                    </a:ext>
+                  </a:extLst>
+                </p:cNvPr>
+                <p:cNvSpPr txBox="1"/>
+                <p:nvPr/>
+              </p:nvSpPr>
+              <p:spPr>
+                <a:xfrm>
+                  <a:off x="1433630" y="2577073"/>
+                  <a:ext cx="516808" cy="369332"/>
+                </a:xfrm>
+                <a:prstGeom prst="rect">
+                  <a:avLst/>
+                </a:prstGeom>
+                <a:noFill/>
+              </p:spPr>
+              <p:txBody>
+                <a:bodyPr wrap="none" rtlCol="0">
+                  <a:spAutoFit/>
+                </a:bodyPr>
+                <a:lstStyle/>
+                <a:p>
+                  <a14:m>
+                    <m:oMathPara xmlns:m="http://schemas.openxmlformats.org/officeDocument/2006/math">
+                      <m:oMathParaPr>
+                        <m:jc m:val="centerGroup"/>
+                      </m:oMathParaPr>
+                      <m:oMath xmlns:m="http://schemas.openxmlformats.org/officeDocument/2006/math">
+                        <m:sSub>
+                          <m:sSubPr>
+                            <m:ctrlPr>
+                              <a:rPr lang="en-US" altLang="zh-CN" b="0" i="1" dirty="0" smtClean="0">
+                                <a:latin typeface="Cambria Math" panose="02040503050406030204" pitchFamily="18" charset="0"/>
+                              </a:rPr>
+                            </m:ctrlPr>
+                          </m:sSubPr>
+                          <m:e>
+                            <m:r>
+                              <a:rPr lang="en-US" altLang="zh-CN" b="0" i="1" dirty="0" smtClean="0">
+                                <a:latin typeface="Cambria Math" panose="02040503050406030204" pitchFamily="18" charset="0"/>
+                              </a:rPr>
+                              <m:t>𝑔</m:t>
+                            </m:r>
+                          </m:e>
+                          <m:sub>
+                            <m:r>
+                              <a:rPr lang="en-US" altLang="zh-CN" b="0" i="1" dirty="0" smtClean="0">
+                                <a:latin typeface="Cambria Math" panose="02040503050406030204" pitchFamily="18" charset="0"/>
+                              </a:rPr>
+                              <m:t>𝐾</m:t>
+                            </m:r>
+                          </m:sub>
+                        </m:sSub>
+                      </m:oMath>
+                    </m:oMathPara>
+                  </a14:m>
+                  <a:endParaRPr lang="zh-CN" altLang="en-US" dirty="0"/>
+                </a:p>
+              </p:txBody>
+            </p:sp>
+          </mc:Choice>
+          <mc:Fallback>
+            <p:sp>
+              <p:nvSpPr>
+                <p:cNvPr id="137" name="文本框 136">
+                  <a:extLst>
+                    <a:ext uri="{FF2B5EF4-FFF2-40B4-BE49-F238E27FC236}">
+                      <a16:creationId xmlns:a16="http://schemas.microsoft.com/office/drawing/2014/main" id="{32A59395-B72F-4A63-A1FE-AE26EA14A3CF}"/>
+                    </a:ext>
+                  </a:extLst>
+                </p:cNvPr>
+                <p:cNvSpPr txBox="1">
+                  <a:spLocks noRot="1" noChangeAspect="1" noMove="1" noResize="1" noEditPoints="1" noAdjustHandles="1" noChangeArrowheads="1" noChangeShapeType="1" noTextEdit="1"/>
+                </p:cNvSpPr>
+                <p:nvPr/>
+              </p:nvSpPr>
+              <p:spPr>
+                <a:xfrm>
+                  <a:off x="1433630" y="2577073"/>
+                  <a:ext cx="516808" cy="369332"/>
+                </a:xfrm>
+                <a:prstGeom prst="rect">
+                  <a:avLst/>
+                </a:prstGeom>
+                <a:blipFill>
+                  <a:blip r:embed="rId13"/>
+                  <a:stretch>
+                    <a:fillRect b="-6557"/>
+                  </a:stretch>
+                </a:blipFill>
+              </p:spPr>
+              <p:txBody>
+                <a:bodyPr/>
+                <a:lstStyle/>
+                <a:p>
+                  <a:r>
+                    <a:rPr lang="zh-CN" altLang="en-US">
+                      <a:noFill/>
+                    </a:rPr>
+                    <a:t> </a:t>
+                  </a:r>
+                </a:p>
+              </p:txBody>
+            </p:sp>
+          </mc:Fallback>
+        </mc:AlternateContent>
+        <mc:AlternateContent xmlns:mc="http://schemas.openxmlformats.org/markup-compatibility/2006">
+          <mc:Choice xmlns:a14="http://schemas.microsoft.com/office/drawing/2010/main" Requires="a14">
+            <p:sp>
+              <p:nvSpPr>
+                <p:cNvPr id="138" name="文本框 137">
+                  <a:extLst>
+                    <a:ext uri="{FF2B5EF4-FFF2-40B4-BE49-F238E27FC236}">
+                      <a16:creationId xmlns:a16="http://schemas.microsoft.com/office/drawing/2014/main" id="{1C77E538-0D05-4F24-BD60-50FB705BC8E1}"/>
+                    </a:ext>
+                  </a:extLst>
+                </p:cNvPr>
+                <p:cNvSpPr txBox="1"/>
+                <p:nvPr/>
+              </p:nvSpPr>
+              <p:spPr>
+                <a:xfrm>
+                  <a:off x="10460567" y="2863333"/>
+                  <a:ext cx="395173" cy="369332"/>
+                </a:xfrm>
+                <a:prstGeom prst="rect">
+                  <a:avLst/>
+                </a:prstGeom>
+                <a:noFill/>
+              </p:spPr>
+              <p:txBody>
+                <a:bodyPr wrap="none" rtlCol="0">
+                  <a:spAutoFit/>
+                </a:bodyPr>
+                <a:lstStyle/>
+                <a:p>
+                  <a14:m>
+                    <m:oMathPara xmlns:m="http://schemas.openxmlformats.org/officeDocument/2006/math">
+                      <m:oMathParaPr>
+                        <m:jc m:val="centerGroup"/>
+                      </m:oMathParaPr>
+                      <m:oMath xmlns:m="http://schemas.openxmlformats.org/officeDocument/2006/math">
+                        <m:r>
+                          <a:rPr lang="en-US" altLang="zh-CN" b="0" i="1" dirty="0" smtClean="0">
+                            <a:latin typeface="Cambria Math" panose="02040503050406030204" pitchFamily="18" charset="0"/>
+                          </a:rPr>
+                          <m:t>𝐶</m:t>
+                        </m:r>
+                      </m:oMath>
+                    </m:oMathPara>
+                  </a14:m>
+                  <a:endParaRPr lang="zh-CN" altLang="en-US" dirty="0"/>
+                </a:p>
+              </p:txBody>
+            </p:sp>
+          </mc:Choice>
+          <mc:Fallback>
+            <p:sp>
+              <p:nvSpPr>
+                <p:cNvPr id="138" name="文本框 137">
+                  <a:extLst>
+                    <a:ext uri="{FF2B5EF4-FFF2-40B4-BE49-F238E27FC236}">
+                      <a16:creationId xmlns:a16="http://schemas.microsoft.com/office/drawing/2014/main" id="{1C77E538-0D05-4F24-BD60-50FB705BC8E1}"/>
+                    </a:ext>
+                  </a:extLst>
+                </p:cNvPr>
+                <p:cNvSpPr txBox="1">
+                  <a:spLocks noRot="1" noChangeAspect="1" noMove="1" noResize="1" noEditPoints="1" noAdjustHandles="1" noChangeArrowheads="1" noChangeShapeType="1" noTextEdit="1"/>
+                </p:cNvSpPr>
+                <p:nvPr/>
+              </p:nvSpPr>
+              <p:spPr>
+                <a:xfrm>
+                  <a:off x="10460567" y="2863333"/>
+                  <a:ext cx="395173" cy="369332"/>
+                </a:xfrm>
+                <a:prstGeom prst="rect">
+                  <a:avLst/>
+                </a:prstGeom>
+                <a:blipFill>
+                  <a:blip r:embed="rId14"/>
+                  <a:stretch>
+                    <a:fillRect/>
+                  </a:stretch>
+                </a:blipFill>
+              </p:spPr>
+              <p:txBody>
+                <a:bodyPr/>
+                <a:lstStyle/>
+                <a:p>
+                  <a:r>
+                    <a:rPr lang="zh-CN" altLang="en-US">
+                      <a:noFill/>
+                    </a:rPr>
+                    <a:t> </a:t>
+                  </a:r>
+                </a:p>
+              </p:txBody>
+            </p:sp>
+          </mc:Fallback>
+        </mc:AlternateContent>
+        <p:cxnSp>
+          <p:nvCxnSpPr>
+            <p:cNvPr id="22" name="直接箭头连接符 21">
+              <a:extLst>
+                <a:ext uri="{FF2B5EF4-FFF2-40B4-BE49-F238E27FC236}">
+                  <a16:creationId xmlns:a16="http://schemas.microsoft.com/office/drawing/2014/main" id="{DA6141BE-61A2-405E-917A-5DF467A87B09}"/>
+                </a:ext>
+              </a:extLst>
+            </p:cNvPr>
+            <p:cNvCxnSpPr/>
+            <p:nvPr/>
+          </p:nvCxnSpPr>
+          <p:spPr>
+            <a:xfrm flipV="1">
+              <a:off x="513036" y="2218268"/>
+              <a:ext cx="1065198" cy="1065198"/>
+            </a:xfrm>
+            <a:prstGeom prst="straightConnector1">
+              <a:avLst/>
+            </a:prstGeom>
+            <a:ln w="19050">
+              <a:solidFill>
+                <a:schemeClr val="tx1"/>
+              </a:solidFill>
+              <a:headEnd type="none" w="med" len="med"/>
+              <a:tailEnd type="arrow" w="med" len="med"/>
+            </a:ln>
+          </p:spPr>
+          <p:style>
+            <a:lnRef idx="1">
+              <a:schemeClr val="accent1"/>
+            </a:lnRef>
+            <a:fillRef idx="0">
+              <a:schemeClr val="accent1"/>
+            </a:fillRef>
+            <a:effectRef idx="0">
+              <a:schemeClr val="accent1"/>
+            </a:effectRef>
+            <a:fontRef idx="minor">
+              <a:schemeClr val="tx1"/>
+            </a:fontRef>
+          </p:style>
+        </p:cxnSp>
+        <p:cxnSp>
+          <p:nvCxnSpPr>
+            <p:cNvPr id="139" name="直接箭头连接符 138">
+              <a:extLst>
+                <a:ext uri="{FF2B5EF4-FFF2-40B4-BE49-F238E27FC236}">
+                  <a16:creationId xmlns:a16="http://schemas.microsoft.com/office/drawing/2014/main" id="{B64D4630-09D2-40BC-82F0-6EC829A2FE31}"/>
+                </a:ext>
+              </a:extLst>
+            </p:cNvPr>
+            <p:cNvCxnSpPr/>
+            <p:nvPr/>
+          </p:nvCxnSpPr>
+          <p:spPr>
+            <a:xfrm flipV="1">
+              <a:off x="3774076" y="2229140"/>
+              <a:ext cx="1065198" cy="1065198"/>
+            </a:xfrm>
+            <a:prstGeom prst="straightConnector1">
+              <a:avLst/>
+            </a:prstGeom>
+            <a:ln w="19050">
+              <a:solidFill>
+                <a:schemeClr val="tx1"/>
+              </a:solidFill>
+              <a:headEnd type="none" w="med" len="med"/>
+              <a:tailEnd type="arrow" w="med" len="med"/>
+            </a:ln>
+          </p:spPr>
+          <p:style>
+            <a:lnRef idx="1">
+              <a:schemeClr val="accent1"/>
+            </a:lnRef>
+            <a:fillRef idx="0">
+              <a:schemeClr val="accent1"/>
+            </a:fillRef>
+            <a:effectRef idx="0">
+              <a:schemeClr val="accent1"/>
+            </a:effectRef>
+            <a:fontRef idx="minor">
+              <a:schemeClr val="tx1"/>
+            </a:fontRef>
+          </p:style>
+        </p:cxnSp>
+      </p:grpSp>
+    </p:spTree>
+    <p:extLst>
+      <p:ext uri="{BB962C8B-B14F-4D97-AF65-F5344CB8AC3E}">
+        <p14:creationId xmlns:p14="http://schemas.microsoft.com/office/powerpoint/2010/main" val="2904723604"/>
+      </p:ext>
+    </p:extLst>
+  </p:cSld>
+  <p:clrMapOvr>
+    <a:masterClrMapping/>
+  </p:clrMapOvr>
+</p:sld>
+</file>
+
+<file path=ppt/slides/slide2.xml><?xml version="1.0" encoding="utf-8"?>
+<p:sld xmlns:a="http://schemas.openxmlformats.org/drawingml/2006/main" xmlns:r="http://schemas.openxmlformats.org/officeDocument/2006/relationships" xmlns:p="http://schemas.openxmlformats.org/presentationml/2006/main">
+  <p:cSld>
+    <p:spTree>
+      <p:nvGrpSpPr>
+        <p:cNvPr id="1" name=""/>
+        <p:cNvGrpSpPr/>
+        <p:nvPr/>
+      </p:nvGrpSpPr>
+      <p:grpSpPr>
+        <a:xfrm>
+          <a:off x="0" y="0"/>
+          <a:ext cx="0" cy="0"/>
+          <a:chOff x="0" y="0"/>
+          <a:chExt cx="0" cy="0"/>
+        </a:xfrm>
+      </p:grpSpPr>
+      <p:grpSp>
+        <p:nvGrpSpPr>
           <p:cNvPr id="135" name="组合 134">
             <a:extLst>
               <a:ext uri="{FF2B5EF4-FFF2-40B4-BE49-F238E27FC236}">
@@ -3368,8 +6000,8 @@
               <a:chExt cx="8637046" cy="5150497"/>
             </a:xfrm>
           </p:grpSpPr>
-          <mc:AlternateContent xmlns:mc="http://schemas.openxmlformats.org/markup-compatibility/2006" xmlns:a14="http://schemas.microsoft.com/office/drawing/2010/main">
-            <mc:Choice Requires="a14">
+          <mc:AlternateContent xmlns:mc="http://schemas.openxmlformats.org/markup-compatibility/2006">
+            <mc:Choice xmlns:a14="http://schemas.microsoft.com/office/drawing/2010/main" Requires="a14">
               <p:sp>
                 <p:nvSpPr>
                   <p:cNvPr id="36" name="椭圆 35">
@@ -3448,7 +6080,7 @@
                 </p:txBody>
               </p:sp>
             </mc:Choice>
-            <mc:Fallback xmlns="">
+            <mc:Fallback>
               <p:sp>
                 <p:nvSpPr>
                   <p:cNvPr id="36" name="椭圆 35">
@@ -3592,8 +6224,8 @@
               </a:fontRef>
             </p:style>
           </p:cxnSp>
-          <mc:AlternateContent xmlns:mc="http://schemas.openxmlformats.org/markup-compatibility/2006" xmlns:a14="http://schemas.microsoft.com/office/drawing/2010/main">
-            <mc:Choice Requires="a14">
+          <mc:AlternateContent xmlns:mc="http://schemas.openxmlformats.org/markup-compatibility/2006">
+            <mc:Choice xmlns:a14="http://schemas.microsoft.com/office/drawing/2010/main" Requires="a14">
               <p:sp>
                 <p:nvSpPr>
                   <p:cNvPr id="42" name="矩形 41">
@@ -3694,7 +6326,7 @@
                 </p:txBody>
               </p:sp>
             </mc:Choice>
-            <mc:Fallback xmlns="">
+            <mc:Fallback>
               <p:sp>
                 <p:nvSpPr>
                   <p:cNvPr id="42" name="矩形 41">
@@ -3836,8 +6468,8 @@
               </a:fontRef>
             </p:style>
           </p:cxnSp>
-          <mc:AlternateContent xmlns:mc="http://schemas.openxmlformats.org/markup-compatibility/2006" xmlns:a14="http://schemas.microsoft.com/office/drawing/2010/main">
-            <mc:Choice Requires="a14">
+          <mc:AlternateContent xmlns:mc="http://schemas.openxmlformats.org/markup-compatibility/2006">
+            <mc:Choice xmlns:a14="http://schemas.microsoft.com/office/drawing/2010/main" Requires="a14">
               <p:sp>
                 <p:nvSpPr>
                   <p:cNvPr id="48" name="矩形 47">
@@ -3972,7 +6604,7 @@
                 </p:txBody>
               </p:sp>
             </mc:Choice>
-            <mc:Fallback xmlns="">
+            <mc:Fallback>
               <p:sp>
                 <p:nvSpPr>
                   <p:cNvPr id="48" name="矩形 47">
@@ -4062,8 +6694,8 @@
                   <a:chExt cx="1835025" cy="1356051"/>
                 </a:xfrm>
               </p:grpSpPr>
-              <mc:AlternateContent xmlns:mc="http://schemas.openxmlformats.org/markup-compatibility/2006" xmlns:a14="http://schemas.microsoft.com/office/drawing/2010/main">
-                <mc:Choice Requires="a14">
+              <mc:AlternateContent xmlns:mc="http://schemas.openxmlformats.org/markup-compatibility/2006">
+                <mc:Choice xmlns:a14="http://schemas.microsoft.com/office/drawing/2010/main" Requires="a14">
                   <p:sp>
                     <p:nvSpPr>
                       <p:cNvPr id="2" name="椭圆 1">
@@ -4139,7 +6771,7 @@
                     </p:txBody>
                   </p:sp>
                 </mc:Choice>
-                <mc:Fallback xmlns="">
+                <mc:Fallback>
                   <p:sp>
                     <p:nvSpPr>
                       <p:cNvPr id="2" name="椭圆 1">
@@ -4189,8 +6821,8 @@
                   </p:sp>
                 </mc:Fallback>
               </mc:AlternateContent>
-              <mc:AlternateContent xmlns:mc="http://schemas.openxmlformats.org/markup-compatibility/2006" xmlns:a14="http://schemas.microsoft.com/office/drawing/2010/main">
-                <mc:Choice Requires="a14">
+              <mc:AlternateContent xmlns:mc="http://schemas.openxmlformats.org/markup-compatibility/2006">
+                <mc:Choice xmlns:a14="http://schemas.microsoft.com/office/drawing/2010/main" Requires="a14">
                   <p:sp>
                     <p:nvSpPr>
                       <p:cNvPr id="3" name="矩形 2">
@@ -4300,7 +6932,7 @@
                     </p:txBody>
                   </p:sp>
                 </mc:Choice>
-                <mc:Fallback xmlns="">
+                <mc:Fallback>
                   <p:sp>
                     <p:nvSpPr>
                       <p:cNvPr id="3" name="矩形 2">
@@ -4350,8 +6982,8 @@
                   </p:sp>
                 </mc:Fallback>
               </mc:AlternateContent>
-              <mc:AlternateContent xmlns:mc="http://schemas.openxmlformats.org/markup-compatibility/2006" xmlns:a14="http://schemas.microsoft.com/office/drawing/2010/main">
-                <mc:Choice Requires="a14">
+              <mc:AlternateContent xmlns:mc="http://schemas.openxmlformats.org/markup-compatibility/2006">
+                <mc:Choice xmlns:a14="http://schemas.microsoft.com/office/drawing/2010/main" Requires="a14">
                   <p:sp>
                     <p:nvSpPr>
                       <p:cNvPr id="23" name="矩形 22">
@@ -4495,7 +7127,7 @@
                     </p:txBody>
                   </p:sp>
                 </mc:Choice>
-                <mc:Fallback xmlns="">
+                <mc:Fallback>
                   <p:sp>
                     <p:nvSpPr>
                       <p:cNvPr id="23" name="矩形 22">
@@ -4686,8 +7318,8 @@
               </p:style>
             </p:cxnSp>
           </p:grpSp>
-          <mc:AlternateContent xmlns:mc="http://schemas.openxmlformats.org/markup-compatibility/2006" xmlns:a14="http://schemas.microsoft.com/office/drawing/2010/main">
-            <mc:Choice Requires="a14">
+          <mc:AlternateContent xmlns:mc="http://schemas.openxmlformats.org/markup-compatibility/2006">
+            <mc:Choice xmlns:a14="http://schemas.microsoft.com/office/drawing/2010/main" Requires="a14">
               <p:sp>
                 <p:nvSpPr>
                   <p:cNvPr id="72" name="椭圆 71">
@@ -4786,7 +7418,7 @@
                 </p:txBody>
               </p:sp>
             </mc:Choice>
-            <mc:Fallback xmlns="">
+            <mc:Fallback>
               <p:sp>
                 <p:nvSpPr>
                   <p:cNvPr id="72" name="椭圆 71">
@@ -4836,8 +7468,8 @@
               </p:sp>
             </mc:Fallback>
           </mc:AlternateContent>
-          <mc:AlternateContent xmlns:mc="http://schemas.openxmlformats.org/markup-compatibility/2006" xmlns:a14="http://schemas.microsoft.com/office/drawing/2010/main">
-            <mc:Choice Requires="a14">
+          <mc:AlternateContent xmlns:mc="http://schemas.openxmlformats.org/markup-compatibility/2006">
+            <mc:Choice xmlns:a14="http://schemas.microsoft.com/office/drawing/2010/main" Requires="a14">
               <p:sp>
                 <p:nvSpPr>
                   <p:cNvPr id="73" name="矩形 72">
@@ -4972,7 +7604,7 @@
                 </p:txBody>
               </p:sp>
             </mc:Choice>
-            <mc:Fallback xmlns="">
+            <mc:Fallback>
               <p:sp>
                 <p:nvSpPr>
                   <p:cNvPr id="73" name="矩形 72">
@@ -5022,8 +7654,8 @@
               </p:sp>
             </mc:Fallback>
           </mc:AlternateContent>
-          <mc:AlternateContent xmlns:mc="http://schemas.openxmlformats.org/markup-compatibility/2006" xmlns:a14="http://schemas.microsoft.com/office/drawing/2010/main">
-            <mc:Choice Requires="a14">
+          <mc:AlternateContent xmlns:mc="http://schemas.openxmlformats.org/markup-compatibility/2006">
+            <mc:Choice xmlns:a14="http://schemas.microsoft.com/office/drawing/2010/main" Requires="a14">
               <p:sp>
                 <p:nvSpPr>
                   <p:cNvPr id="74" name="椭圆 73">
@@ -5099,7 +7731,7 @@
                 </p:txBody>
               </p:sp>
             </mc:Choice>
-            <mc:Fallback xmlns="">
+            <mc:Fallback>
               <p:sp>
                 <p:nvSpPr>
                   <p:cNvPr id="74" name="椭圆 73">
@@ -5149,8 +7781,8 @@
               </p:sp>
             </mc:Fallback>
           </mc:AlternateContent>
-          <mc:AlternateContent xmlns:mc="http://schemas.openxmlformats.org/markup-compatibility/2006" xmlns:a14="http://schemas.microsoft.com/office/drawing/2010/main">
-            <mc:Choice Requires="a14">
+          <mc:AlternateContent xmlns:mc="http://schemas.openxmlformats.org/markup-compatibility/2006">
+            <mc:Choice xmlns:a14="http://schemas.microsoft.com/office/drawing/2010/main" Requires="a14">
               <p:sp>
                 <p:nvSpPr>
                   <p:cNvPr id="75" name="椭圆 74">
@@ -5226,7 +7858,7 @@
                 </p:txBody>
               </p:sp>
             </mc:Choice>
-            <mc:Fallback xmlns="">
+            <mc:Fallback>
               <p:sp>
                 <p:nvSpPr>
                   <p:cNvPr id="75" name="椭圆 74">
@@ -5276,8 +7908,8 @@
               </p:sp>
             </mc:Fallback>
           </mc:AlternateContent>
-          <mc:AlternateContent xmlns:mc="http://schemas.openxmlformats.org/markup-compatibility/2006" xmlns:a14="http://schemas.microsoft.com/office/drawing/2010/main">
-            <mc:Choice Requires="a14">
+          <mc:AlternateContent xmlns:mc="http://schemas.openxmlformats.org/markup-compatibility/2006">
+            <mc:Choice xmlns:a14="http://schemas.microsoft.com/office/drawing/2010/main" Requires="a14">
               <p:sp>
                 <p:nvSpPr>
                   <p:cNvPr id="76" name="矩形 75">
@@ -5353,7 +7985,7 @@
                 </p:txBody>
               </p:sp>
             </mc:Choice>
-            <mc:Fallback xmlns="">
+            <mc:Fallback>
               <p:sp>
                 <p:nvSpPr>
                   <p:cNvPr id="76" name="矩形 75">
@@ -5403,8 +8035,8 @@
               </p:sp>
             </mc:Fallback>
           </mc:AlternateContent>
-          <mc:AlternateContent xmlns:mc="http://schemas.openxmlformats.org/markup-compatibility/2006" xmlns:a14="http://schemas.microsoft.com/office/drawing/2010/main">
-            <mc:Choice Requires="a14">
+          <mc:AlternateContent xmlns:mc="http://schemas.openxmlformats.org/markup-compatibility/2006">
+            <mc:Choice xmlns:a14="http://schemas.microsoft.com/office/drawing/2010/main" Requires="a14">
               <p:sp>
                 <p:nvSpPr>
                   <p:cNvPr id="77" name="椭圆 76">
@@ -5480,7 +8112,7 @@
                 </p:txBody>
               </p:sp>
             </mc:Choice>
-            <mc:Fallback xmlns="">
+            <mc:Fallback>
               <p:sp>
                 <p:nvSpPr>
                   <p:cNvPr id="77" name="椭圆 76">
@@ -5570,8 +8202,8 @@
                   <a:chExt cx="1835025" cy="1356051"/>
                 </a:xfrm>
               </p:grpSpPr>
-              <mc:AlternateContent xmlns:mc="http://schemas.openxmlformats.org/markup-compatibility/2006" xmlns:a14="http://schemas.microsoft.com/office/drawing/2010/main">
-                <mc:Choice Requires="a14">
+              <mc:AlternateContent xmlns:mc="http://schemas.openxmlformats.org/markup-compatibility/2006">
+                <mc:Choice xmlns:a14="http://schemas.microsoft.com/office/drawing/2010/main" Requires="a14">
                   <p:sp>
                     <p:nvSpPr>
                       <p:cNvPr id="87" name="椭圆 86">
@@ -5647,7 +8279,7 @@
                     </p:txBody>
                   </p:sp>
                 </mc:Choice>
-                <mc:Fallback xmlns="">
+                <mc:Fallback>
                   <p:sp>
                     <p:nvSpPr>
                       <p:cNvPr id="87" name="椭圆 86">
@@ -5697,8 +8329,8 @@
                   </p:sp>
                 </mc:Fallback>
               </mc:AlternateContent>
-              <mc:AlternateContent xmlns:mc="http://schemas.openxmlformats.org/markup-compatibility/2006" xmlns:a14="http://schemas.microsoft.com/office/drawing/2010/main">
-                <mc:Choice Requires="a14">
+              <mc:AlternateContent xmlns:mc="http://schemas.openxmlformats.org/markup-compatibility/2006">
+                <mc:Choice xmlns:a14="http://schemas.microsoft.com/office/drawing/2010/main" Requires="a14">
                   <p:sp>
                     <p:nvSpPr>
                       <p:cNvPr id="88" name="矩形 87">
@@ -5808,7 +8440,7 @@
                     </p:txBody>
                   </p:sp>
                 </mc:Choice>
-                <mc:Fallback xmlns="">
+                <mc:Fallback>
                   <p:sp>
                     <p:nvSpPr>
                       <p:cNvPr id="88" name="矩形 87">
@@ -5858,8 +8490,8 @@
                   </p:sp>
                 </mc:Fallback>
               </mc:AlternateContent>
-              <mc:AlternateContent xmlns:mc="http://schemas.openxmlformats.org/markup-compatibility/2006" xmlns:a14="http://schemas.microsoft.com/office/drawing/2010/main">
-                <mc:Choice Requires="a14">
+              <mc:AlternateContent xmlns:mc="http://schemas.openxmlformats.org/markup-compatibility/2006">
+                <mc:Choice xmlns:a14="http://schemas.microsoft.com/office/drawing/2010/main" Requires="a14">
                   <p:sp>
                     <p:nvSpPr>
                       <p:cNvPr id="89" name="矩形 88">
@@ -6003,7 +8635,7 @@
                     </p:txBody>
                   </p:sp>
                 </mc:Choice>
-                <mc:Fallback xmlns="">
+                <mc:Fallback>
                   <p:sp>
                     <p:nvSpPr>
                       <p:cNvPr id="89" name="矩形 88">
@@ -6234,8 +8866,8 @@
                   <a:chExt cx="1835025" cy="1356051"/>
                 </a:xfrm>
               </p:grpSpPr>
-              <mc:AlternateContent xmlns:mc="http://schemas.openxmlformats.org/markup-compatibility/2006" xmlns:a14="http://schemas.microsoft.com/office/drawing/2010/main">
-                <mc:Choice Requires="a14">
+              <mc:AlternateContent xmlns:mc="http://schemas.openxmlformats.org/markup-compatibility/2006">
+                <mc:Choice xmlns:a14="http://schemas.microsoft.com/office/drawing/2010/main" Requires="a14">
                   <p:sp>
                     <p:nvSpPr>
                       <p:cNvPr id="95" name="椭圆 94">
@@ -6311,7 +8943,7 @@
                     </p:txBody>
                   </p:sp>
                 </mc:Choice>
-                <mc:Fallback xmlns="">
+                <mc:Fallback>
                   <p:sp>
                     <p:nvSpPr>
                       <p:cNvPr id="95" name="椭圆 94">
@@ -6361,8 +8993,8 @@
                   </p:sp>
                 </mc:Fallback>
               </mc:AlternateContent>
-              <mc:AlternateContent xmlns:mc="http://schemas.openxmlformats.org/markup-compatibility/2006" xmlns:a14="http://schemas.microsoft.com/office/drawing/2010/main">
-                <mc:Choice Requires="a14">
+              <mc:AlternateContent xmlns:mc="http://schemas.openxmlformats.org/markup-compatibility/2006">
+                <mc:Choice xmlns:a14="http://schemas.microsoft.com/office/drawing/2010/main" Requires="a14">
                   <p:sp>
                     <p:nvSpPr>
                       <p:cNvPr id="96" name="矩形 95">
@@ -6463,7 +9095,7 @@
                     </p:txBody>
                   </p:sp>
                 </mc:Choice>
-                <mc:Fallback xmlns="">
+                <mc:Fallback>
                   <p:sp>
                     <p:nvSpPr>
                       <p:cNvPr id="96" name="矩形 95">
@@ -6513,8 +9145,8 @@
                   </p:sp>
                 </mc:Fallback>
               </mc:AlternateContent>
-              <mc:AlternateContent xmlns:mc="http://schemas.openxmlformats.org/markup-compatibility/2006" xmlns:a14="http://schemas.microsoft.com/office/drawing/2010/main">
-                <mc:Choice Requires="a14">
+              <mc:AlternateContent xmlns:mc="http://schemas.openxmlformats.org/markup-compatibility/2006">
+                <mc:Choice xmlns:a14="http://schemas.microsoft.com/office/drawing/2010/main" Requires="a14">
                   <p:sp>
                     <p:nvSpPr>
                       <p:cNvPr id="97" name="矩形 96">
@@ -6658,7 +9290,7 @@
                     </p:txBody>
                   </p:sp>
                 </mc:Choice>
-                <mc:Fallback xmlns="">
+                <mc:Fallback>
                   <p:sp>
                     <p:nvSpPr>
                       <p:cNvPr id="97" name="矩形 96">
@@ -7221,8 +9853,8 @@
               </a:fontRef>
             </p:style>
           </p:cxnSp>
-          <mc:AlternateContent xmlns:mc="http://schemas.openxmlformats.org/markup-compatibility/2006" xmlns:a14="http://schemas.microsoft.com/office/drawing/2010/main">
-            <mc:Choice Requires="a14">
+          <mc:AlternateContent xmlns:mc="http://schemas.openxmlformats.org/markup-compatibility/2006">
+            <mc:Choice xmlns:a14="http://schemas.microsoft.com/office/drawing/2010/main" Requires="a14">
               <p:sp>
                 <p:nvSpPr>
                   <p:cNvPr id="118" name="矩形 117">
@@ -7301,7 +9933,7 @@
                 </p:txBody>
               </p:sp>
             </mc:Choice>
-            <mc:Fallback xmlns="">
+            <mc:Fallback>
               <p:sp>
                 <p:nvSpPr>
                   <p:cNvPr id="118" name="矩形 117">
@@ -7491,8 +10123,8 @@
             </p:style>
           </p:cxnSp>
         </p:grpSp>
-        <mc:AlternateContent xmlns:mc="http://schemas.openxmlformats.org/markup-compatibility/2006" xmlns:a14="http://schemas.microsoft.com/office/drawing/2010/main">
-          <mc:Choice Requires="a14">
+        <mc:AlternateContent xmlns:mc="http://schemas.openxmlformats.org/markup-compatibility/2006">
+          <mc:Choice xmlns:a14="http://schemas.microsoft.com/office/drawing/2010/main" Requires="a14">
             <p:sp>
               <p:nvSpPr>
                 <p:cNvPr id="132" name="文本框 131">
@@ -7542,7 +10174,7 @@
               </p:txBody>
             </p:sp>
           </mc:Choice>
-          <mc:Fallback xmlns="">
+          <mc:Fallback>
             <p:sp>
               <p:nvSpPr>
                 <p:cNvPr id="132" name="文本框 131">
@@ -7636,7 +10268,7 @@
     </p:spTree>
     <p:extLst>
       <p:ext uri="{BB962C8B-B14F-4D97-AF65-F5344CB8AC3E}">
-        <p14:creationId xmlns:p14="http://schemas.microsoft.com/office/powerpoint/2010/main" val="2904723604"/>
+        <p14:creationId xmlns:p14="http://schemas.microsoft.com/office/powerpoint/2010/main" val="1010324070"/>
       </p:ext>
     </p:extLst>
   </p:cSld>
@@ -7646,7 +10278,7 @@
 </p:sld>
 </file>
 
-<file path=ppt/slides/slide2.xml><?xml version="1.0" encoding="utf-8"?>
+<file path=ppt/slides/slide3.xml><?xml version="1.0" encoding="utf-8"?>
 <p:sld xmlns:a="http://schemas.openxmlformats.org/drawingml/2006/main" xmlns:r="http://schemas.openxmlformats.org/officeDocument/2006/relationships" xmlns:p="http://schemas.openxmlformats.org/presentationml/2006/main">
   <p:cSld>
     <p:spTree>
@@ -12578,7 +15210,7 @@
 </p:sld>
 </file>
 
-<file path=ppt/slides/slide3.xml><?xml version="1.0" encoding="utf-8"?>
+<file path=ppt/slides/slide4.xml><?xml version="1.0" encoding="utf-8"?>
 <p:sld xmlns:a="http://schemas.openxmlformats.org/drawingml/2006/main" xmlns:r="http://schemas.openxmlformats.org/officeDocument/2006/relationships" xmlns:p="http://schemas.openxmlformats.org/presentationml/2006/main">
   <p:cSld>
     <p:spTree>
@@ -12615,8 +15247,8 @@
             <a:chExt cx="8828319" cy="6281055"/>
           </a:xfrm>
         </p:grpSpPr>
-        <mc:AlternateContent xmlns:mc="http://schemas.openxmlformats.org/markup-compatibility/2006">
-          <mc:Choice xmlns:a14="http://schemas.microsoft.com/office/drawing/2010/main" Requires="a14">
+        <mc:AlternateContent xmlns:mc="http://schemas.openxmlformats.org/markup-compatibility/2006" xmlns:a14="http://schemas.microsoft.com/office/drawing/2010/main">
+          <mc:Choice Requires="a14">
             <p:sp>
               <p:nvSpPr>
                 <p:cNvPr id="36" name="椭圆 35">
@@ -12695,7 +15327,7 @@
               </p:txBody>
             </p:sp>
           </mc:Choice>
-          <mc:Fallback>
+          <mc:Fallback xmlns="">
             <p:sp>
               <p:nvSpPr>
                 <p:cNvPr id="36" name="椭圆 35">
@@ -12885,8 +15517,8 @@
             </a:fontRef>
           </p:style>
         </p:cxnSp>
-        <mc:AlternateContent xmlns:mc="http://schemas.openxmlformats.org/markup-compatibility/2006">
-          <mc:Choice xmlns:a14="http://schemas.microsoft.com/office/drawing/2010/main" Requires="a14">
+        <mc:AlternateContent xmlns:mc="http://schemas.openxmlformats.org/markup-compatibility/2006" xmlns:a14="http://schemas.microsoft.com/office/drawing/2010/main">
+          <mc:Choice Requires="a14">
             <p:sp>
               <p:nvSpPr>
                 <p:cNvPr id="48" name="矩形 47">
@@ -13021,7 +15653,7 @@
               </p:txBody>
             </p:sp>
           </mc:Choice>
-          <mc:Fallback>
+          <mc:Fallback xmlns="">
             <p:sp>
               <p:nvSpPr>
                 <p:cNvPr id="48" name="矩形 47">
@@ -13111,8 +15743,8 @@
                 <a:chExt cx="1835025" cy="1356051"/>
               </a:xfrm>
             </p:grpSpPr>
-            <mc:AlternateContent xmlns:mc="http://schemas.openxmlformats.org/markup-compatibility/2006">
-              <mc:Choice xmlns:a14="http://schemas.microsoft.com/office/drawing/2010/main" Requires="a14">
+            <mc:AlternateContent xmlns:mc="http://schemas.openxmlformats.org/markup-compatibility/2006" xmlns:a14="http://schemas.microsoft.com/office/drawing/2010/main">
+              <mc:Choice Requires="a14">
                 <p:sp>
                   <p:nvSpPr>
                     <p:cNvPr id="2" name="椭圆 1">
@@ -13188,7 +15820,7 @@
                   </p:txBody>
                 </p:sp>
               </mc:Choice>
-              <mc:Fallback>
+              <mc:Fallback xmlns="">
                 <p:sp>
                   <p:nvSpPr>
                     <p:cNvPr id="2" name="椭圆 1">
@@ -13238,8 +15870,8 @@
                 </p:sp>
               </mc:Fallback>
             </mc:AlternateContent>
-            <mc:AlternateContent xmlns:mc="http://schemas.openxmlformats.org/markup-compatibility/2006">
-              <mc:Choice xmlns:a14="http://schemas.microsoft.com/office/drawing/2010/main" Requires="a14">
+            <mc:AlternateContent xmlns:mc="http://schemas.openxmlformats.org/markup-compatibility/2006" xmlns:a14="http://schemas.microsoft.com/office/drawing/2010/main">
+              <mc:Choice Requires="a14">
                 <p:sp>
                   <p:nvSpPr>
                     <p:cNvPr id="3" name="矩形 2">
@@ -13349,7 +15981,7 @@
                   </p:txBody>
                 </p:sp>
               </mc:Choice>
-              <mc:Fallback>
+              <mc:Fallback xmlns="">
                 <p:sp>
                   <p:nvSpPr>
                     <p:cNvPr id="3" name="矩形 2">
@@ -13399,8 +16031,8 @@
                 </p:sp>
               </mc:Fallback>
             </mc:AlternateContent>
-            <mc:AlternateContent xmlns:mc="http://schemas.openxmlformats.org/markup-compatibility/2006">
-              <mc:Choice xmlns:a14="http://schemas.microsoft.com/office/drawing/2010/main" Requires="a14">
+            <mc:AlternateContent xmlns:mc="http://schemas.openxmlformats.org/markup-compatibility/2006" xmlns:a14="http://schemas.microsoft.com/office/drawing/2010/main">
+              <mc:Choice Requires="a14">
                 <p:sp>
                   <p:nvSpPr>
                     <p:cNvPr id="23" name="矩形 22">
@@ -13544,7 +16176,7 @@
                   </p:txBody>
                 </p:sp>
               </mc:Choice>
-              <mc:Fallback>
+              <mc:Fallback xmlns="">
                 <p:sp>
                   <p:nvSpPr>
                     <p:cNvPr id="23" name="矩形 22">
@@ -13735,8 +16367,8 @@
             </p:style>
           </p:cxnSp>
         </p:grpSp>
-        <mc:AlternateContent xmlns:mc="http://schemas.openxmlformats.org/markup-compatibility/2006">
-          <mc:Choice xmlns:a14="http://schemas.microsoft.com/office/drawing/2010/main" Requires="a14">
+        <mc:AlternateContent xmlns:mc="http://schemas.openxmlformats.org/markup-compatibility/2006" xmlns:a14="http://schemas.microsoft.com/office/drawing/2010/main">
+          <mc:Choice Requires="a14">
             <p:sp>
               <p:nvSpPr>
                 <p:cNvPr id="72" name="椭圆 71">
@@ -13835,7 +16467,7 @@
               </p:txBody>
             </p:sp>
           </mc:Choice>
-          <mc:Fallback>
+          <mc:Fallback xmlns="">
             <p:sp>
               <p:nvSpPr>
                 <p:cNvPr id="72" name="椭圆 71">
@@ -13885,8 +16517,8 @@
             </p:sp>
           </mc:Fallback>
         </mc:AlternateContent>
-        <mc:AlternateContent xmlns:mc="http://schemas.openxmlformats.org/markup-compatibility/2006">
-          <mc:Choice xmlns:a14="http://schemas.microsoft.com/office/drawing/2010/main" Requires="a14">
+        <mc:AlternateContent xmlns:mc="http://schemas.openxmlformats.org/markup-compatibility/2006" xmlns:a14="http://schemas.microsoft.com/office/drawing/2010/main">
+          <mc:Choice Requires="a14">
             <p:sp>
               <p:nvSpPr>
                 <p:cNvPr id="73" name="矩形 72">
@@ -14021,7 +16653,7 @@
               </p:txBody>
             </p:sp>
           </mc:Choice>
-          <mc:Fallback>
+          <mc:Fallback xmlns="">
             <p:sp>
               <p:nvSpPr>
                 <p:cNvPr id="73" name="矩形 72">
@@ -14071,8 +16703,8 @@
             </p:sp>
           </mc:Fallback>
         </mc:AlternateContent>
-        <mc:AlternateContent xmlns:mc="http://schemas.openxmlformats.org/markup-compatibility/2006">
-          <mc:Choice xmlns:a14="http://schemas.microsoft.com/office/drawing/2010/main" Requires="a14">
+        <mc:AlternateContent xmlns:mc="http://schemas.openxmlformats.org/markup-compatibility/2006" xmlns:a14="http://schemas.microsoft.com/office/drawing/2010/main">
+          <mc:Choice Requires="a14">
             <p:sp>
               <p:nvSpPr>
                 <p:cNvPr id="74" name="椭圆 73">
@@ -14148,7 +16780,7 @@
               </p:txBody>
             </p:sp>
           </mc:Choice>
-          <mc:Fallback>
+          <mc:Fallback xmlns="">
             <p:sp>
               <p:nvSpPr>
                 <p:cNvPr id="74" name="椭圆 73">
@@ -14198,8 +16830,8 @@
             </p:sp>
           </mc:Fallback>
         </mc:AlternateContent>
-        <mc:AlternateContent xmlns:mc="http://schemas.openxmlformats.org/markup-compatibility/2006">
-          <mc:Choice xmlns:a14="http://schemas.microsoft.com/office/drawing/2010/main" Requires="a14">
+        <mc:AlternateContent xmlns:mc="http://schemas.openxmlformats.org/markup-compatibility/2006" xmlns:a14="http://schemas.microsoft.com/office/drawing/2010/main">
+          <mc:Choice Requires="a14">
             <p:sp>
               <p:nvSpPr>
                 <p:cNvPr id="75" name="椭圆 74">
@@ -14275,7 +16907,7 @@
               </p:txBody>
             </p:sp>
           </mc:Choice>
-          <mc:Fallback>
+          <mc:Fallback xmlns="">
             <p:sp>
               <p:nvSpPr>
                 <p:cNvPr id="75" name="椭圆 74">
@@ -14325,8 +16957,8 @@
             </p:sp>
           </mc:Fallback>
         </mc:AlternateContent>
-        <mc:AlternateContent xmlns:mc="http://schemas.openxmlformats.org/markup-compatibility/2006">
-          <mc:Choice xmlns:a14="http://schemas.microsoft.com/office/drawing/2010/main" Requires="a14">
+        <mc:AlternateContent xmlns:mc="http://schemas.openxmlformats.org/markup-compatibility/2006" xmlns:a14="http://schemas.microsoft.com/office/drawing/2010/main">
+          <mc:Choice Requires="a14">
             <p:sp>
               <p:nvSpPr>
                 <p:cNvPr id="76" name="矩形 75">
@@ -14402,7 +17034,7 @@
               </p:txBody>
             </p:sp>
           </mc:Choice>
-          <mc:Fallback>
+          <mc:Fallback xmlns="">
             <p:sp>
               <p:nvSpPr>
                 <p:cNvPr id="76" name="矩形 75">
@@ -14452,8 +17084,8 @@
             </p:sp>
           </mc:Fallback>
         </mc:AlternateContent>
-        <mc:AlternateContent xmlns:mc="http://schemas.openxmlformats.org/markup-compatibility/2006">
-          <mc:Choice xmlns:a14="http://schemas.microsoft.com/office/drawing/2010/main" Requires="a14">
+        <mc:AlternateContent xmlns:mc="http://schemas.openxmlformats.org/markup-compatibility/2006" xmlns:a14="http://schemas.microsoft.com/office/drawing/2010/main">
+          <mc:Choice Requires="a14">
             <p:sp>
               <p:nvSpPr>
                 <p:cNvPr id="77" name="椭圆 76">
@@ -14529,7 +17161,7 @@
               </p:txBody>
             </p:sp>
           </mc:Choice>
-          <mc:Fallback>
+          <mc:Fallback xmlns="">
             <p:sp>
               <p:nvSpPr>
                 <p:cNvPr id="77" name="椭圆 76">
@@ -14619,8 +17251,8 @@
                 <a:chExt cx="1835025" cy="1356051"/>
               </a:xfrm>
             </p:grpSpPr>
-            <mc:AlternateContent xmlns:mc="http://schemas.openxmlformats.org/markup-compatibility/2006">
-              <mc:Choice xmlns:a14="http://schemas.microsoft.com/office/drawing/2010/main" Requires="a14">
+            <mc:AlternateContent xmlns:mc="http://schemas.openxmlformats.org/markup-compatibility/2006" xmlns:a14="http://schemas.microsoft.com/office/drawing/2010/main">
+              <mc:Choice Requires="a14">
                 <p:sp>
                   <p:nvSpPr>
                     <p:cNvPr id="87" name="椭圆 86">
@@ -14696,7 +17328,7 @@
                   </p:txBody>
                 </p:sp>
               </mc:Choice>
-              <mc:Fallback>
+              <mc:Fallback xmlns="">
                 <p:sp>
                   <p:nvSpPr>
                     <p:cNvPr id="87" name="椭圆 86">
@@ -14746,8 +17378,8 @@
                 </p:sp>
               </mc:Fallback>
             </mc:AlternateContent>
-            <mc:AlternateContent xmlns:mc="http://schemas.openxmlformats.org/markup-compatibility/2006">
-              <mc:Choice xmlns:a14="http://schemas.microsoft.com/office/drawing/2010/main" Requires="a14">
+            <mc:AlternateContent xmlns:mc="http://schemas.openxmlformats.org/markup-compatibility/2006" xmlns:a14="http://schemas.microsoft.com/office/drawing/2010/main">
+              <mc:Choice Requires="a14">
                 <p:sp>
                   <p:nvSpPr>
                     <p:cNvPr id="88" name="矩形 87">
@@ -14857,7 +17489,7 @@
                   </p:txBody>
                 </p:sp>
               </mc:Choice>
-              <mc:Fallback>
+              <mc:Fallback xmlns="">
                 <p:sp>
                   <p:nvSpPr>
                     <p:cNvPr id="88" name="矩形 87">
@@ -14907,8 +17539,8 @@
                 </p:sp>
               </mc:Fallback>
             </mc:AlternateContent>
-            <mc:AlternateContent xmlns:mc="http://schemas.openxmlformats.org/markup-compatibility/2006">
-              <mc:Choice xmlns:a14="http://schemas.microsoft.com/office/drawing/2010/main" Requires="a14">
+            <mc:AlternateContent xmlns:mc="http://schemas.openxmlformats.org/markup-compatibility/2006" xmlns:a14="http://schemas.microsoft.com/office/drawing/2010/main">
+              <mc:Choice Requires="a14">
                 <p:sp>
                   <p:nvSpPr>
                     <p:cNvPr id="89" name="矩形 88">
@@ -15052,7 +17684,7 @@
                   </p:txBody>
                 </p:sp>
               </mc:Choice>
-              <mc:Fallback>
+              <mc:Fallback xmlns="">
                 <p:sp>
                   <p:nvSpPr>
                     <p:cNvPr id="89" name="矩形 88">
@@ -15283,8 +17915,8 @@
                 <a:chExt cx="1835025" cy="1356051"/>
               </a:xfrm>
             </p:grpSpPr>
-            <mc:AlternateContent xmlns:mc="http://schemas.openxmlformats.org/markup-compatibility/2006">
-              <mc:Choice xmlns:a14="http://schemas.microsoft.com/office/drawing/2010/main" Requires="a14">
+            <mc:AlternateContent xmlns:mc="http://schemas.openxmlformats.org/markup-compatibility/2006" xmlns:a14="http://schemas.microsoft.com/office/drawing/2010/main">
+              <mc:Choice Requires="a14">
                 <p:sp>
                   <p:nvSpPr>
                     <p:cNvPr id="95" name="椭圆 94">
@@ -15360,7 +17992,7 @@
                   </p:txBody>
                 </p:sp>
               </mc:Choice>
-              <mc:Fallback>
+              <mc:Fallback xmlns="">
                 <p:sp>
                   <p:nvSpPr>
                     <p:cNvPr id="95" name="椭圆 94">
@@ -15410,8 +18042,8 @@
                 </p:sp>
               </mc:Fallback>
             </mc:AlternateContent>
-            <mc:AlternateContent xmlns:mc="http://schemas.openxmlformats.org/markup-compatibility/2006">
-              <mc:Choice xmlns:a14="http://schemas.microsoft.com/office/drawing/2010/main" Requires="a14">
+            <mc:AlternateContent xmlns:mc="http://schemas.openxmlformats.org/markup-compatibility/2006" xmlns:a14="http://schemas.microsoft.com/office/drawing/2010/main">
+              <mc:Choice Requires="a14">
                 <p:sp>
                   <p:nvSpPr>
                     <p:cNvPr id="96" name="矩形 95">
@@ -15512,7 +18144,7 @@
                   </p:txBody>
                 </p:sp>
               </mc:Choice>
-              <mc:Fallback>
+              <mc:Fallback xmlns="">
                 <p:sp>
                   <p:nvSpPr>
                     <p:cNvPr id="96" name="矩形 95">
@@ -15562,8 +18194,8 @@
                 </p:sp>
               </mc:Fallback>
             </mc:AlternateContent>
-            <mc:AlternateContent xmlns:mc="http://schemas.openxmlformats.org/markup-compatibility/2006">
-              <mc:Choice xmlns:a14="http://schemas.microsoft.com/office/drawing/2010/main" Requires="a14">
+            <mc:AlternateContent xmlns:mc="http://schemas.openxmlformats.org/markup-compatibility/2006" xmlns:a14="http://schemas.microsoft.com/office/drawing/2010/main">
+              <mc:Choice Requires="a14">
                 <p:sp>
                   <p:nvSpPr>
                     <p:cNvPr id="97" name="矩形 96">
@@ -15707,7 +18339,7 @@
                   </p:txBody>
                 </p:sp>
               </mc:Choice>
-              <mc:Fallback>
+              <mc:Fallback xmlns="">
                 <p:sp>
                   <p:nvSpPr>
                     <p:cNvPr id="97" name="矩形 96">
@@ -16225,8 +18857,8 @@
             </a:fontRef>
           </p:style>
         </p:cxnSp>
-        <mc:AlternateContent xmlns:mc="http://schemas.openxmlformats.org/markup-compatibility/2006">
-          <mc:Choice xmlns:a14="http://schemas.microsoft.com/office/drawing/2010/main" Requires="a14">
+        <mc:AlternateContent xmlns:mc="http://schemas.openxmlformats.org/markup-compatibility/2006" xmlns:a14="http://schemas.microsoft.com/office/drawing/2010/main">
+          <mc:Choice Requires="a14">
             <p:sp>
               <p:nvSpPr>
                 <p:cNvPr id="118" name="矩形 117">
@@ -16305,7 +18937,7 @@
               </p:txBody>
             </p:sp>
           </mc:Choice>
-          <mc:Fallback>
+          <mc:Fallback xmlns="">
             <p:sp>
               <p:nvSpPr>
                 <p:cNvPr id="118" name="矩形 117">
@@ -16449,8 +19081,8 @@
             </a:fontRef>
           </p:style>
         </p:cxnSp>
-        <mc:AlternateContent xmlns:mc="http://schemas.openxmlformats.org/markup-compatibility/2006">
-          <mc:Choice xmlns:a14="http://schemas.microsoft.com/office/drawing/2010/main" Requires="a14">
+        <mc:AlternateContent xmlns:mc="http://schemas.openxmlformats.org/markup-compatibility/2006" xmlns:a14="http://schemas.microsoft.com/office/drawing/2010/main">
+          <mc:Choice Requires="a14">
             <p:sp>
               <p:nvSpPr>
                 <p:cNvPr id="132" name="文本框 131">
@@ -16500,7 +19132,7 @@
               </p:txBody>
             </p:sp>
           </mc:Choice>
-          <mc:Fallback>
+          <mc:Fallback xmlns="">
             <p:sp>
               <p:nvSpPr>
                 <p:cNvPr id="132" name="文本框 131">
@@ -16590,8 +19222,8 @@
             </a:fontRef>
           </p:style>
         </p:cxnSp>
-        <mc:AlternateContent xmlns:mc="http://schemas.openxmlformats.org/markup-compatibility/2006">
-          <mc:Choice xmlns:a14="http://schemas.microsoft.com/office/drawing/2010/main" Requires="a14">
+        <mc:AlternateContent xmlns:mc="http://schemas.openxmlformats.org/markup-compatibility/2006" xmlns:a14="http://schemas.microsoft.com/office/drawing/2010/main">
+          <mc:Choice Requires="a14">
             <p:sp>
               <p:nvSpPr>
                 <p:cNvPr id="57" name="矩形 56">
@@ -16670,7 +19302,7 @@
               </p:txBody>
             </p:sp>
           </mc:Choice>
-          <mc:Fallback>
+          <mc:Fallback xmlns="">
             <p:sp>
               <p:nvSpPr>
                 <p:cNvPr id="57" name="矩形 56">
@@ -16720,8 +19352,8 @@
             </p:sp>
           </mc:Fallback>
         </mc:AlternateContent>
-        <mc:AlternateContent xmlns:mc="http://schemas.openxmlformats.org/markup-compatibility/2006">
-          <mc:Choice xmlns:a14="http://schemas.microsoft.com/office/drawing/2010/main" Requires="a14">
+        <mc:AlternateContent xmlns:mc="http://schemas.openxmlformats.org/markup-compatibility/2006" xmlns:a14="http://schemas.microsoft.com/office/drawing/2010/main">
+          <mc:Choice Requires="a14">
             <p:sp>
               <p:nvSpPr>
                 <p:cNvPr id="58" name="椭圆 57">
@@ -16797,7 +19429,7 @@
               </p:txBody>
             </p:sp>
           </mc:Choice>
-          <mc:Fallback>
+          <mc:Fallback xmlns="">
             <p:sp>
               <p:nvSpPr>
                 <p:cNvPr id="58" name="椭圆 57">
@@ -16985,8 +19617,8 @@
             </a:fontRef>
           </p:style>
         </p:cxnSp>
-        <mc:AlternateContent xmlns:mc="http://schemas.openxmlformats.org/markup-compatibility/2006">
-          <mc:Choice xmlns:a14="http://schemas.microsoft.com/office/drawing/2010/main" Requires="a14">
+        <mc:AlternateContent xmlns:mc="http://schemas.openxmlformats.org/markup-compatibility/2006" xmlns:a14="http://schemas.microsoft.com/office/drawing/2010/main">
+          <mc:Choice Requires="a14">
             <p:sp>
               <p:nvSpPr>
                 <p:cNvPr id="68" name="椭圆 67">
@@ -17062,7 +19694,7 @@
               </p:txBody>
             </p:sp>
           </mc:Choice>
-          <mc:Fallback>
+          <mc:Fallback xmlns="">
             <p:sp>
               <p:nvSpPr>
                 <p:cNvPr id="68" name="椭圆 67">
@@ -17112,8 +19744,8 @@
             </p:sp>
           </mc:Fallback>
         </mc:AlternateContent>
-        <mc:AlternateContent xmlns:mc="http://schemas.openxmlformats.org/markup-compatibility/2006">
-          <mc:Choice xmlns:a14="http://schemas.microsoft.com/office/drawing/2010/main" Requires="a14">
+        <mc:AlternateContent xmlns:mc="http://schemas.openxmlformats.org/markup-compatibility/2006" xmlns:a14="http://schemas.microsoft.com/office/drawing/2010/main">
+          <mc:Choice Requires="a14">
             <p:sp>
               <p:nvSpPr>
                 <p:cNvPr id="69" name="矩形 68">
@@ -17248,7 +19880,7 @@
               </p:txBody>
             </p:sp>
           </mc:Choice>
-          <mc:Fallback>
+          <mc:Fallback xmlns="">
             <p:sp>
               <p:nvSpPr>
                 <p:cNvPr id="69" name="矩形 68">
